--- a/Universityhack_datazo.pptx
+++ b/Universityhack_datazo.pptx
@@ -5,17 +5,19 @@
     <p:sldMasterId id="2147483828" r:id="rId4"/>
   </p:sldMasterIdLst>
   <p:notesMasterIdLst>
-    <p:notesMasterId r:id="rId10"/>
+    <p:notesMasterId r:id="rId12"/>
   </p:notesMasterIdLst>
   <p:handoutMasterIdLst>
-    <p:handoutMasterId r:id="rId11"/>
+    <p:handoutMasterId r:id="rId13"/>
   </p:handoutMasterIdLst>
   <p:sldIdLst>
     <p:sldId id="256" r:id="rId5"/>
     <p:sldId id="257" r:id="rId6"/>
-    <p:sldId id="258" r:id="rId7"/>
-    <p:sldId id="259" r:id="rId8"/>
-    <p:sldId id="260" r:id="rId9"/>
+    <p:sldId id="263" r:id="rId7"/>
+    <p:sldId id="258" r:id="rId8"/>
+    <p:sldId id="264" r:id="rId9"/>
+    <p:sldId id="262" r:id="rId10"/>
+    <p:sldId id="260" r:id="rId11"/>
   </p:sldIdLst>
   <p:sldSz cx="12192000" cy="6858000"/>
   <p:notesSz cx="6858000" cy="9144000"/>
@@ -125,1264 +127,6 @@
 </p:presentation>
 </file>
 
-<file path=ppt/charts/chart1.xml><?xml version="1.0" encoding="utf-8"?>
-<c:chartSpace xmlns:c="http://schemas.openxmlformats.org/drawingml/2006/chart" xmlns:a="http://schemas.openxmlformats.org/drawingml/2006/main" xmlns:r="http://schemas.openxmlformats.org/officeDocument/2006/relationships" xmlns:c16r2="http://schemas.microsoft.com/office/drawing/2015/06/chart">
-  <c:date1904 val="0"/>
-  <c:lang val="es-ES"/>
-  <c:roundedCorners val="0"/>
-  <mc:AlternateContent xmlns:mc="http://schemas.openxmlformats.org/markup-compatibility/2006">
-    <mc:Choice xmlns:c14="http://schemas.microsoft.com/office/drawing/2007/8/2/chart" Requires="c14">
-      <c14:style val="106"/>
-    </mc:Choice>
-    <mc:Fallback>
-      <c:style val="6"/>
-    </mc:Fallback>
-  </mc:AlternateContent>
-  <c:chart>
-    <c:autoTitleDeleted val="1"/>
-    <c:plotArea>
-      <c:layout/>
-      <c:barChart>
-        <c:barDir val="col"/>
-        <c:grouping val="clustered"/>
-        <c:varyColors val="0"/>
-        <c:ser>
-          <c:idx val="0"/>
-          <c:order val="0"/>
-          <c:tx>
-            <c:strRef>
-              <c:f>Sheet1!$B$1</c:f>
-              <c:strCache>
-                <c:ptCount val="1"/>
-                <c:pt idx="0">
-                  <c:v>Volumen</c:v>
-                </c:pt>
-              </c:strCache>
-            </c:strRef>
-          </c:tx>
-          <c:spPr>
-            <a:solidFill>
-              <a:schemeClr val="accent6">
-                <a:lumMod val="20000"/>
-                <a:lumOff val="80000"/>
-              </a:schemeClr>
-            </a:solidFill>
-            <a:ln w="19050">
-              <a:noFill/>
-            </a:ln>
-            <a:effectLst/>
-          </c:spPr>
-          <c:invertIfNegative val="0"/>
-          <c:cat>
-            <c:strRef>
-              <c:f>Sheet1!$A$2:$A$6</c:f>
-              <c:strCache>
-                <c:ptCount val="5"/>
-                <c:pt idx="0">
-                  <c:v>5/1/20AA</c:v>
-                </c:pt>
-                <c:pt idx="1">
-                  <c:v>6/1/20AA</c:v>
-                </c:pt>
-                <c:pt idx="2">
-                  <c:v>7/1/20AA</c:v>
-                </c:pt>
-                <c:pt idx="3">
-                  <c:v>8/1/20AA</c:v>
-                </c:pt>
-                <c:pt idx="4">
-                  <c:v>9/1/20AA</c:v>
-                </c:pt>
-              </c:strCache>
-            </c:strRef>
-          </c:cat>
-          <c:val>
-            <c:numRef>
-              <c:f>Sheet1!$B$2:$B$6</c:f>
-              <c:numCache>
-                <c:formatCode>General</c:formatCode>
-                <c:ptCount val="5"/>
-                <c:pt idx="0">
-                  <c:v>70</c:v>
-                </c:pt>
-                <c:pt idx="1">
-                  <c:v>120</c:v>
-                </c:pt>
-                <c:pt idx="2">
-                  <c:v>150</c:v>
-                </c:pt>
-                <c:pt idx="3">
-                  <c:v>135</c:v>
-                </c:pt>
-                <c:pt idx="4">
-                  <c:v>148</c:v>
-                </c:pt>
-              </c:numCache>
-            </c:numRef>
-          </c:val>
-          <c:extLst>
-            <c:ext xmlns:c16="http://schemas.microsoft.com/office/drawing/2014/chart" uri="{C3380CC4-5D6E-409C-BE32-E72D297353CC}">
-              <c16:uniqueId val="{00000000-C347-46B4-AD93-192D80B04C89}"/>
-            </c:ext>
-          </c:extLst>
-        </c:ser>
-        <c:dLbls>
-          <c:showLegendKey val="0"/>
-          <c:showVal val="0"/>
-          <c:showCatName val="0"/>
-          <c:showSerName val="0"/>
-          <c:showPercent val="0"/>
-          <c:showBubbleSize val="0"/>
-        </c:dLbls>
-        <c:gapWidth val="150"/>
-        <c:axId val="438650936"/>
-        <c:axId val="438651920"/>
-      </c:barChart>
-      <c:stockChart>
-        <c:ser>
-          <c:idx val="1"/>
-          <c:order val="1"/>
-          <c:tx>
-            <c:strRef>
-              <c:f>Sheet1!$C$1</c:f>
-              <c:strCache>
-                <c:ptCount val="1"/>
-                <c:pt idx="0">
-                  <c:v>Abrir</c:v>
-                </c:pt>
-              </c:strCache>
-            </c:strRef>
-          </c:tx>
-          <c:spPr>
-            <a:ln w="19050" cap="rnd">
-              <a:noFill/>
-              <a:round/>
-            </a:ln>
-            <a:effectLst/>
-          </c:spPr>
-          <c:marker>
-            <c:symbol val="none"/>
-          </c:marker>
-          <c:cat>
-            <c:strRef>
-              <c:f>Sheet1!$A$2:$A$6</c:f>
-              <c:strCache>
-                <c:ptCount val="5"/>
-                <c:pt idx="0">
-                  <c:v>5/1/20AA</c:v>
-                </c:pt>
-                <c:pt idx="1">
-                  <c:v>6/1/20AA</c:v>
-                </c:pt>
-                <c:pt idx="2">
-                  <c:v>7/1/20AA</c:v>
-                </c:pt>
-                <c:pt idx="3">
-                  <c:v>8/1/20AA</c:v>
-                </c:pt>
-                <c:pt idx="4">
-                  <c:v>9/1/20AA</c:v>
-                </c:pt>
-              </c:strCache>
-            </c:strRef>
-          </c:cat>
-          <c:val>
-            <c:numRef>
-              <c:f>Sheet1!$C$2:$C$6</c:f>
-              <c:numCache>
-                <c:formatCode>General</c:formatCode>
-                <c:ptCount val="5"/>
-                <c:pt idx="0">
-                  <c:v>44</c:v>
-                </c:pt>
-                <c:pt idx="1">
-                  <c:v>25</c:v>
-                </c:pt>
-                <c:pt idx="2">
-                  <c:v>38</c:v>
-                </c:pt>
-                <c:pt idx="3">
-                  <c:v>50</c:v>
-                </c:pt>
-                <c:pt idx="4">
-                  <c:v>34</c:v>
-                </c:pt>
-              </c:numCache>
-            </c:numRef>
-          </c:val>
-          <c:smooth val="0"/>
-          <c:extLst>
-            <c:ext xmlns:c16="http://schemas.microsoft.com/office/drawing/2014/chart" uri="{C3380CC4-5D6E-409C-BE32-E72D297353CC}">
-              <c16:uniqueId val="{00000001-C347-46B4-AD93-192D80B04C89}"/>
-            </c:ext>
-          </c:extLst>
-        </c:ser>
-        <c:ser>
-          <c:idx val="2"/>
-          <c:order val="2"/>
-          <c:tx>
-            <c:strRef>
-              <c:f>Sheet1!$D$1</c:f>
-              <c:strCache>
-                <c:ptCount val="1"/>
-                <c:pt idx="0">
-                  <c:v>Alto</c:v>
-                </c:pt>
-              </c:strCache>
-            </c:strRef>
-          </c:tx>
-          <c:spPr>
-            <a:ln w="19050" cap="rnd">
-              <a:noFill/>
-              <a:round/>
-            </a:ln>
-            <a:effectLst/>
-          </c:spPr>
-          <c:marker>
-            <c:symbol val="none"/>
-          </c:marker>
-          <c:cat>
-            <c:strRef>
-              <c:f>Sheet1!$A$2:$A$6</c:f>
-              <c:strCache>
-                <c:ptCount val="5"/>
-                <c:pt idx="0">
-                  <c:v>5/1/20AA</c:v>
-                </c:pt>
-                <c:pt idx="1">
-                  <c:v>6/1/20AA</c:v>
-                </c:pt>
-                <c:pt idx="2">
-                  <c:v>7/1/20AA</c:v>
-                </c:pt>
-                <c:pt idx="3">
-                  <c:v>8/1/20AA</c:v>
-                </c:pt>
-                <c:pt idx="4">
-                  <c:v>9/1/20AA</c:v>
-                </c:pt>
-              </c:strCache>
-            </c:strRef>
-          </c:cat>
-          <c:val>
-            <c:numRef>
-              <c:f>Sheet1!$D$2:$D$6</c:f>
-              <c:numCache>
-                <c:formatCode>General</c:formatCode>
-                <c:ptCount val="5"/>
-                <c:pt idx="0">
-                  <c:v>55</c:v>
-                </c:pt>
-                <c:pt idx="1">
-                  <c:v>57</c:v>
-                </c:pt>
-                <c:pt idx="2">
-                  <c:v>57</c:v>
-                </c:pt>
-                <c:pt idx="3">
-                  <c:v>58</c:v>
-                </c:pt>
-                <c:pt idx="4">
-                  <c:v>58</c:v>
-                </c:pt>
-              </c:numCache>
-            </c:numRef>
-          </c:val>
-          <c:smooth val="0"/>
-          <c:extLst>
-            <c:ext xmlns:c16="http://schemas.microsoft.com/office/drawing/2014/chart" uri="{C3380CC4-5D6E-409C-BE32-E72D297353CC}">
-              <c16:uniqueId val="{00000002-C347-46B4-AD93-192D80B04C89}"/>
-            </c:ext>
-          </c:extLst>
-        </c:ser>
-        <c:ser>
-          <c:idx val="3"/>
-          <c:order val="3"/>
-          <c:tx>
-            <c:strRef>
-              <c:f>Sheet1!$E$1</c:f>
-              <c:strCache>
-                <c:ptCount val="1"/>
-                <c:pt idx="0">
-                  <c:v>Bajo</c:v>
-                </c:pt>
-              </c:strCache>
-            </c:strRef>
-          </c:tx>
-          <c:spPr>
-            <a:ln w="19050" cap="rnd">
-              <a:noFill/>
-              <a:round/>
-            </a:ln>
-            <a:effectLst/>
-          </c:spPr>
-          <c:marker>
-            <c:symbol val="none"/>
-          </c:marker>
-          <c:cat>
-            <c:strRef>
-              <c:f>Sheet1!$A$2:$A$6</c:f>
-              <c:strCache>
-                <c:ptCount val="5"/>
-                <c:pt idx="0">
-                  <c:v>5/1/20AA</c:v>
-                </c:pt>
-                <c:pt idx="1">
-                  <c:v>6/1/20AA</c:v>
-                </c:pt>
-                <c:pt idx="2">
-                  <c:v>7/1/20AA</c:v>
-                </c:pt>
-                <c:pt idx="3">
-                  <c:v>8/1/20AA</c:v>
-                </c:pt>
-                <c:pt idx="4">
-                  <c:v>9/1/20AA</c:v>
-                </c:pt>
-              </c:strCache>
-            </c:strRef>
-          </c:cat>
-          <c:val>
-            <c:numRef>
-              <c:f>Sheet1!$E$2:$E$6</c:f>
-              <c:numCache>
-                <c:formatCode>General</c:formatCode>
-                <c:ptCount val="5"/>
-                <c:pt idx="0">
-                  <c:v>11</c:v>
-                </c:pt>
-                <c:pt idx="1">
-                  <c:v>12</c:v>
-                </c:pt>
-                <c:pt idx="2">
-                  <c:v>13</c:v>
-                </c:pt>
-                <c:pt idx="3">
-                  <c:v>11</c:v>
-                </c:pt>
-                <c:pt idx="4">
-                  <c:v>25</c:v>
-                </c:pt>
-              </c:numCache>
-            </c:numRef>
-          </c:val>
-          <c:smooth val="0"/>
-          <c:extLst>
-            <c:ext xmlns:c16="http://schemas.microsoft.com/office/drawing/2014/chart" uri="{C3380CC4-5D6E-409C-BE32-E72D297353CC}">
-              <c16:uniqueId val="{00000003-C347-46B4-AD93-192D80B04C89}"/>
-            </c:ext>
-          </c:extLst>
-        </c:ser>
-        <c:ser>
-          <c:idx val="4"/>
-          <c:order val="4"/>
-          <c:tx>
-            <c:strRef>
-              <c:f>Sheet1!$F$1</c:f>
-              <c:strCache>
-                <c:ptCount val="1"/>
-                <c:pt idx="0">
-                  <c:v>Cerrar</c:v>
-                </c:pt>
-              </c:strCache>
-            </c:strRef>
-          </c:tx>
-          <c:spPr>
-            <a:ln w="19050" cap="rnd">
-              <a:noFill/>
-              <a:round/>
-            </a:ln>
-            <a:effectLst/>
-          </c:spPr>
-          <c:marker>
-            <c:symbol val="none"/>
-          </c:marker>
-          <c:cat>
-            <c:strRef>
-              <c:f>Sheet1!$A$2:$A$6</c:f>
-              <c:strCache>
-                <c:ptCount val="5"/>
-                <c:pt idx="0">
-                  <c:v>5/1/20AA</c:v>
-                </c:pt>
-                <c:pt idx="1">
-                  <c:v>6/1/20AA</c:v>
-                </c:pt>
-                <c:pt idx="2">
-                  <c:v>7/1/20AA</c:v>
-                </c:pt>
-                <c:pt idx="3">
-                  <c:v>8/1/20AA</c:v>
-                </c:pt>
-                <c:pt idx="4">
-                  <c:v>9/1/20AA</c:v>
-                </c:pt>
-              </c:strCache>
-            </c:strRef>
-          </c:cat>
-          <c:val>
-            <c:numRef>
-              <c:f>Sheet1!$F$2:$F$6</c:f>
-              <c:numCache>
-                <c:formatCode>General</c:formatCode>
-                <c:ptCount val="5"/>
-                <c:pt idx="0">
-                  <c:v>25</c:v>
-                </c:pt>
-                <c:pt idx="1">
-                  <c:v>38</c:v>
-                </c:pt>
-                <c:pt idx="2">
-                  <c:v>50</c:v>
-                </c:pt>
-                <c:pt idx="3">
-                  <c:v>35</c:v>
-                </c:pt>
-                <c:pt idx="4">
-                  <c:v>43</c:v>
-                </c:pt>
-              </c:numCache>
-            </c:numRef>
-          </c:val>
-          <c:smooth val="0"/>
-          <c:extLst>
-            <c:ext xmlns:c16="http://schemas.microsoft.com/office/drawing/2014/chart" uri="{C3380CC4-5D6E-409C-BE32-E72D297353CC}">
-              <c16:uniqueId val="{00000004-C347-46B4-AD93-192D80B04C89}"/>
-            </c:ext>
-          </c:extLst>
-        </c:ser>
-        <c:dLbls>
-          <c:showLegendKey val="0"/>
-          <c:showVal val="0"/>
-          <c:showCatName val="0"/>
-          <c:showSerName val="0"/>
-          <c:showPercent val="0"/>
-          <c:showBubbleSize val="0"/>
-        </c:dLbls>
-        <c:hiLowLines>
-          <c:spPr>
-            <a:ln w="9525" cap="flat" cmpd="sng" algn="ctr">
-              <a:solidFill>
-                <a:schemeClr val="tx1">
-                  <a:lumMod val="75000"/>
-                  <a:lumOff val="25000"/>
-                </a:schemeClr>
-              </a:solidFill>
-              <a:round/>
-            </a:ln>
-            <a:effectLst/>
-          </c:spPr>
-        </c:hiLowLines>
-        <c:upDownBars>
-          <c:gapWidth val="150"/>
-          <c:upBars>
-            <c:spPr>
-              <a:solidFill>
-                <a:schemeClr val="lt1"/>
-              </a:solidFill>
-              <a:ln w="9525" cap="flat" cmpd="sng" algn="ctr">
-                <a:solidFill>
-                  <a:schemeClr val="tx1">
-                    <a:lumMod val="65000"/>
-                    <a:lumOff val="35000"/>
-                  </a:schemeClr>
-                </a:solidFill>
-                <a:round/>
-              </a:ln>
-              <a:effectLst/>
-            </c:spPr>
-          </c:upBars>
-          <c:downBars>
-            <c:spPr>
-              <a:solidFill>
-                <a:schemeClr val="dk1">
-                  <a:lumMod val="75000"/>
-                  <a:lumOff val="25000"/>
-                </a:schemeClr>
-              </a:solidFill>
-              <a:ln w="9525" cap="flat" cmpd="sng" algn="ctr">
-                <a:solidFill>
-                  <a:schemeClr val="tx1">
-                    <a:lumMod val="65000"/>
-                    <a:lumOff val="35000"/>
-                  </a:schemeClr>
-                </a:solidFill>
-                <a:round/>
-              </a:ln>
-              <a:effectLst/>
-            </c:spPr>
-          </c:downBars>
-        </c:upDownBars>
-        <c:axId val="438662088"/>
-        <c:axId val="438663400"/>
-      </c:stockChart>
-      <c:catAx>
-        <c:axId val="438650936"/>
-        <c:scaling>
-          <c:orientation val="minMax"/>
-        </c:scaling>
-        <c:delete val="0"/>
-        <c:axPos val="b"/>
-        <c:numFmt formatCode="General" sourceLinked="1"/>
-        <c:majorTickMark val="none"/>
-        <c:minorTickMark val="none"/>
-        <c:tickLblPos val="nextTo"/>
-        <c:spPr>
-          <a:noFill/>
-          <a:ln w="9525" cap="flat" cmpd="sng" algn="ctr">
-            <a:solidFill>
-              <a:schemeClr val="tx1">
-                <a:lumMod val="15000"/>
-                <a:lumOff val="85000"/>
-              </a:schemeClr>
-            </a:solidFill>
-            <a:round/>
-          </a:ln>
-          <a:effectLst/>
-        </c:spPr>
-        <c:txPr>
-          <a:bodyPr rot="-60000000" spcFirstLastPara="1" vertOverflow="ellipsis" vert="horz" wrap="square" anchor="ctr" anchorCtr="1"/>
-          <a:lstStyle/>
-          <a:p>
-            <a:pPr>
-              <a:defRPr lang="es-ES" sz="1197" b="0" i="0" u="none" strike="noStrike" kern="1200" baseline="0" noProof="0">
-                <a:solidFill>
-                  <a:schemeClr val="tx1">
-                    <a:lumMod val="65000"/>
-                    <a:lumOff val="35000"/>
-                  </a:schemeClr>
-                </a:solidFill>
-                <a:latin typeface="+mn-lt"/>
-                <a:ea typeface="+mn-ea"/>
-                <a:cs typeface="+mn-cs"/>
-              </a:defRPr>
-            </a:pPr>
-            <a:endParaRPr lang="es-ES"/>
-          </a:p>
-        </c:txPr>
-        <c:crossAx val="438651920"/>
-        <c:crosses val="autoZero"/>
-        <c:auto val="1"/>
-        <c:lblAlgn val="ctr"/>
-        <c:lblOffset val="100"/>
-        <c:noMultiLvlLbl val="0"/>
-      </c:catAx>
-      <c:valAx>
-        <c:axId val="438651920"/>
-        <c:scaling>
-          <c:orientation val="minMax"/>
-        </c:scaling>
-        <c:delete val="0"/>
-        <c:axPos val="l"/>
-        <c:majorGridlines>
-          <c:spPr>
-            <a:ln w="9525" cap="flat" cmpd="sng" algn="ctr">
-              <a:solidFill>
-                <a:schemeClr val="tx1">
-                  <a:lumMod val="15000"/>
-                  <a:lumOff val="85000"/>
-                </a:schemeClr>
-              </a:solidFill>
-              <a:round/>
-            </a:ln>
-            <a:effectLst/>
-          </c:spPr>
-        </c:majorGridlines>
-        <c:numFmt formatCode="General" sourceLinked="1"/>
-        <c:majorTickMark val="none"/>
-        <c:minorTickMark val="none"/>
-        <c:tickLblPos val="nextTo"/>
-        <c:spPr>
-          <a:noFill/>
-          <a:ln>
-            <a:noFill/>
-          </a:ln>
-          <a:effectLst/>
-        </c:spPr>
-        <c:txPr>
-          <a:bodyPr rot="-60000000" spcFirstLastPara="1" vertOverflow="ellipsis" vert="horz" wrap="square" anchor="ctr" anchorCtr="1"/>
-          <a:lstStyle/>
-          <a:p>
-            <a:pPr>
-              <a:defRPr lang="es-ES" sz="1197" b="0" i="0" u="none" strike="noStrike" kern="1200" baseline="0" noProof="0">
-                <a:solidFill>
-                  <a:schemeClr val="tx1">
-                    <a:lumMod val="65000"/>
-                    <a:lumOff val="35000"/>
-                  </a:schemeClr>
-                </a:solidFill>
-                <a:latin typeface="+mn-lt"/>
-                <a:ea typeface="+mn-ea"/>
-                <a:cs typeface="+mn-cs"/>
-              </a:defRPr>
-            </a:pPr>
-            <a:endParaRPr lang="es-ES"/>
-          </a:p>
-        </c:txPr>
-        <c:crossAx val="438650936"/>
-        <c:crosses val="autoZero"/>
-        <c:crossBetween val="between"/>
-      </c:valAx>
-      <c:valAx>
-        <c:axId val="438663400"/>
-        <c:scaling>
-          <c:orientation val="minMax"/>
-        </c:scaling>
-        <c:delete val="0"/>
-        <c:axPos val="r"/>
-        <c:numFmt formatCode="General" sourceLinked="1"/>
-        <c:majorTickMark val="none"/>
-        <c:minorTickMark val="none"/>
-        <c:tickLblPos val="nextTo"/>
-        <c:spPr>
-          <a:noFill/>
-          <a:ln>
-            <a:noFill/>
-          </a:ln>
-          <a:effectLst/>
-        </c:spPr>
-        <c:txPr>
-          <a:bodyPr rot="-60000000" spcFirstLastPara="1" vertOverflow="ellipsis" vert="horz" wrap="square" anchor="ctr" anchorCtr="1"/>
-          <a:lstStyle/>
-          <a:p>
-            <a:pPr>
-              <a:defRPr lang="es-ES" sz="1197" b="0" i="0" u="none" strike="noStrike" kern="1200" baseline="0" noProof="0">
-                <a:solidFill>
-                  <a:schemeClr val="tx1">
-                    <a:lumMod val="65000"/>
-                    <a:lumOff val="35000"/>
-                  </a:schemeClr>
-                </a:solidFill>
-                <a:latin typeface="+mn-lt"/>
-                <a:ea typeface="+mn-ea"/>
-                <a:cs typeface="+mn-cs"/>
-              </a:defRPr>
-            </a:pPr>
-            <a:endParaRPr lang="es-ES"/>
-          </a:p>
-        </c:txPr>
-        <c:crossAx val="438662088"/>
-        <c:crosses val="max"/>
-        <c:crossBetween val="between"/>
-      </c:valAx>
-      <c:catAx>
-        <c:axId val="438662088"/>
-        <c:scaling>
-          <c:orientation val="minMax"/>
-        </c:scaling>
-        <c:delete val="1"/>
-        <c:axPos val="b"/>
-        <c:numFmt formatCode="General" sourceLinked="1"/>
-        <c:majorTickMark val="none"/>
-        <c:minorTickMark val="none"/>
-        <c:tickLblPos val="nextTo"/>
-        <c:crossAx val="438663400"/>
-        <c:crosses val="autoZero"/>
-        <c:auto val="1"/>
-        <c:lblAlgn val="ctr"/>
-        <c:lblOffset val="100"/>
-        <c:noMultiLvlLbl val="0"/>
-      </c:catAx>
-      <c:spPr>
-        <a:noFill/>
-        <a:ln>
-          <a:noFill/>
-        </a:ln>
-        <a:effectLst/>
-      </c:spPr>
-    </c:plotArea>
-    <c:legend>
-      <c:legendPos val="b"/>
-      <c:overlay val="0"/>
-      <c:spPr>
-        <a:noFill/>
-        <a:ln>
-          <a:noFill/>
-        </a:ln>
-        <a:effectLst/>
-      </c:spPr>
-      <c:txPr>
-        <a:bodyPr rot="0" spcFirstLastPara="1" vertOverflow="ellipsis" vert="horz" wrap="square" anchor="ctr" anchorCtr="1"/>
-        <a:lstStyle/>
-        <a:p>
-          <a:pPr>
-            <a:defRPr lang="es-ES" sz="1197" b="0" i="0" u="none" strike="noStrike" kern="1200" baseline="0" noProof="0">
-              <a:solidFill>
-                <a:schemeClr val="tx1">
-                  <a:lumMod val="65000"/>
-                  <a:lumOff val="35000"/>
-                </a:schemeClr>
-              </a:solidFill>
-              <a:latin typeface="+mn-lt"/>
-              <a:ea typeface="+mn-ea"/>
-              <a:cs typeface="+mn-cs"/>
-            </a:defRPr>
-          </a:pPr>
-          <a:endParaRPr lang="es-ES"/>
-        </a:p>
-      </c:txPr>
-    </c:legend>
-    <c:plotVisOnly val="1"/>
-    <c:dispBlanksAs val="gap"/>
-    <c:extLst>
-      <c:ext xmlns:c16r3="http://schemas.microsoft.com/office/drawing/2017/03/chart" uri="{56B9EC1D-385E-4148-901F-78D8002777C0}">
-        <c16r3:dataDisplayOptions16>
-          <c16r3:dispNaAsBlank val="1"/>
-        </c16r3:dataDisplayOptions16>
-      </c:ext>
-    </c:extLst>
-    <c:showDLblsOverMax val="0"/>
-  </c:chart>
-  <c:spPr>
-    <a:noFill/>
-    <a:ln>
-      <a:noFill/>
-    </a:ln>
-    <a:effectLst/>
-  </c:spPr>
-  <c:txPr>
-    <a:bodyPr/>
-    <a:lstStyle/>
-    <a:p>
-      <a:pPr>
-        <a:defRPr lang="es-ES" noProof="0"/>
-      </a:pPr>
-      <a:endParaRPr lang="es-ES"/>
-    </a:p>
-  </c:txPr>
-  <c:externalData r:id="rId3">
-    <c:autoUpdate val="0"/>
-  </c:externalData>
-</c:chartSpace>
-</file>
-
-<file path=ppt/charts/colors1.xml><?xml version="1.0" encoding="utf-8"?>
-<cs:colorStyle xmlns:cs="http://schemas.microsoft.com/office/drawing/2012/chartStyle" xmlns:a="http://schemas.openxmlformats.org/drawingml/2006/main" meth="withinLinear" id="6">
-  <a:schemeClr val="accent4"/>
-  <a:schemeClr val="accent4"/>
-  <a:schemeClr val="accent4"/>
-  <a:schemeClr val="accent4"/>
-  <a:schemeClr val="accent4"/>
-  <a:schemeClr val="accent4"/>
-</cs:colorStyle>
-</file>
-
-<file path=ppt/charts/style1.xml><?xml version="1.0" encoding="utf-8"?>
-<cs:chartStyle xmlns:cs="http://schemas.microsoft.com/office/drawing/2012/chartStyle" xmlns:a="http://schemas.openxmlformats.org/drawingml/2006/main" id="322">
-  <cs:axisTitle>
-    <cs:lnRef idx="0"/>
-    <cs:fillRef idx="0"/>
-    <cs:effectRef idx="0"/>
-    <cs:fontRef idx="minor">
-      <a:schemeClr val="tx1">
-        <a:lumMod val="65000"/>
-        <a:lumOff val="35000"/>
-      </a:schemeClr>
-    </cs:fontRef>
-    <cs:defRPr sz="1330" kern="1200"/>
-  </cs:axisTitle>
-  <cs:categoryAxis>
-    <cs:lnRef idx="0"/>
-    <cs:fillRef idx="0"/>
-    <cs:effectRef idx="0"/>
-    <cs:fontRef idx="minor">
-      <a:schemeClr val="tx1">
-        <a:lumMod val="65000"/>
-        <a:lumOff val="35000"/>
-      </a:schemeClr>
-    </cs:fontRef>
-    <cs:spPr>
-      <a:ln w="9525" cap="flat" cmpd="sng" algn="ctr">
-        <a:solidFill>
-          <a:schemeClr val="tx1">
-            <a:lumMod val="15000"/>
-            <a:lumOff val="85000"/>
-          </a:schemeClr>
-        </a:solidFill>
-        <a:round/>
-      </a:ln>
-    </cs:spPr>
-    <cs:defRPr sz="1197" kern="1200"/>
-  </cs:categoryAxis>
-  <cs:chartArea mods="allowNoFillOverride allowNoLineOverride">
-    <cs:lnRef idx="0"/>
-    <cs:fillRef idx="0"/>
-    <cs:effectRef idx="0"/>
-    <cs:fontRef idx="minor">
-      <a:schemeClr val="tx1"/>
-    </cs:fontRef>
-    <cs:spPr>
-      <a:solidFill>
-        <a:schemeClr val="bg1"/>
-      </a:solidFill>
-      <a:ln w="9525" cap="flat" cmpd="sng" algn="ctr">
-        <a:solidFill>
-          <a:schemeClr val="tx1">
-            <a:lumMod val="15000"/>
-            <a:lumOff val="85000"/>
-          </a:schemeClr>
-        </a:solidFill>
-        <a:round/>
-      </a:ln>
-    </cs:spPr>
-    <cs:defRPr sz="1330" kern="1200"/>
-  </cs:chartArea>
-  <cs:dataLabel>
-    <cs:lnRef idx="0"/>
-    <cs:fillRef idx="0"/>
-    <cs:effectRef idx="0"/>
-    <cs:fontRef idx="minor">
-      <a:schemeClr val="tx1">
-        <a:lumMod val="75000"/>
-        <a:lumOff val="25000"/>
-      </a:schemeClr>
-    </cs:fontRef>
-    <cs:defRPr sz="1197" kern="1200"/>
-  </cs:dataLabel>
-  <cs:dataLabelCallout>
-    <cs:lnRef idx="0"/>
-    <cs:fillRef idx="0"/>
-    <cs:effectRef idx="0"/>
-    <cs:fontRef idx="minor">
-      <a:schemeClr val="dk1">
-        <a:lumMod val="65000"/>
-        <a:lumOff val="35000"/>
-      </a:schemeClr>
-    </cs:fontRef>
-    <cs:spPr>
-      <a:solidFill>
-        <a:schemeClr val="lt1"/>
-      </a:solidFill>
-      <a:ln>
-        <a:solidFill>
-          <a:schemeClr val="dk1">
-            <a:lumMod val="25000"/>
-            <a:lumOff val="75000"/>
-          </a:schemeClr>
-        </a:solidFill>
-      </a:ln>
-    </cs:spPr>
-    <cs:defRPr sz="1197" kern="1200"/>
-    <cs:bodyPr rot="0" spcFirstLastPara="1" vertOverflow="clip" horzOverflow="clip" vert="horz" wrap="square" lIns="36576" tIns="18288" rIns="36576" bIns="18288" anchor="ctr" anchorCtr="1">
-      <a:spAutoFit/>
-    </cs:bodyPr>
-  </cs:dataLabelCallout>
-  <cs:dataPoint>
-    <cs:lnRef idx="0"/>
-    <cs:fillRef idx="1">
-      <cs:styleClr val="auto"/>
-    </cs:fillRef>
-    <cs:effectRef idx="0"/>
-    <cs:fontRef idx="minor">
-      <a:schemeClr val="tx1"/>
-    </cs:fontRef>
-  </cs:dataPoint>
-  <cs:dataPoint3D>
-    <cs:lnRef idx="0"/>
-    <cs:fillRef idx="1">
-      <cs:styleClr val="auto"/>
-    </cs:fillRef>
-    <cs:effectRef idx="0"/>
-    <cs:fontRef idx="minor">
-      <a:schemeClr val="tx1"/>
-    </cs:fontRef>
-  </cs:dataPoint3D>
-  <cs:dataPointLine>
-    <cs:lnRef idx="0">
-      <cs:styleClr val="auto"/>
-    </cs:lnRef>
-    <cs:fillRef idx="1"/>
-    <cs:effectRef idx="0"/>
-    <cs:fontRef idx="minor">
-      <a:schemeClr val="tx1"/>
-    </cs:fontRef>
-    <cs:spPr>
-      <a:ln w="28575" cap="rnd">
-        <a:solidFill>
-          <a:schemeClr val="phClr"/>
-        </a:solidFill>
-        <a:round/>
-      </a:ln>
-    </cs:spPr>
-  </cs:dataPointLine>
-  <cs:dataPointMarker>
-    <cs:lnRef idx="0">
-      <cs:styleClr val="auto"/>
-    </cs:lnRef>
-    <cs:fillRef idx="1">
-      <cs:styleClr val="auto"/>
-    </cs:fillRef>
-    <cs:effectRef idx="0"/>
-    <cs:fontRef idx="minor">
-      <a:schemeClr val="tx1"/>
-    </cs:fontRef>
-    <cs:spPr>
-      <a:ln w="9525">
-        <a:solidFill>
-          <a:schemeClr val="phClr"/>
-        </a:solidFill>
-      </a:ln>
-    </cs:spPr>
-  </cs:dataPointMarker>
-  <cs:dataPointMarkerLayout symbol="circle" size="5"/>
-  <cs:dataPointWireframe>
-    <cs:lnRef idx="0">
-      <cs:styleClr val="auto"/>
-    </cs:lnRef>
-    <cs:fillRef idx="1"/>
-    <cs:effectRef idx="0"/>
-    <cs:fontRef idx="minor">
-      <a:schemeClr val="tx1"/>
-    </cs:fontRef>
-    <cs:spPr>
-      <a:ln w="9525" cap="rnd">
-        <a:solidFill>
-          <a:schemeClr val="phClr"/>
-        </a:solidFill>
-        <a:round/>
-      </a:ln>
-    </cs:spPr>
-  </cs:dataPointWireframe>
-  <cs:dataTable>
-    <cs:lnRef idx="0"/>
-    <cs:fillRef idx="0"/>
-    <cs:effectRef idx="0"/>
-    <cs:fontRef idx="minor">
-      <a:schemeClr val="tx1">
-        <a:lumMod val="65000"/>
-        <a:lumOff val="35000"/>
-      </a:schemeClr>
-    </cs:fontRef>
-    <cs:spPr>
-      <a:noFill/>
-      <a:ln w="9525" cap="flat" cmpd="sng" algn="ctr">
-        <a:solidFill>
-          <a:schemeClr val="tx1">
-            <a:lumMod val="15000"/>
-            <a:lumOff val="85000"/>
-          </a:schemeClr>
-        </a:solidFill>
-        <a:round/>
-      </a:ln>
-    </cs:spPr>
-    <cs:defRPr sz="1197" kern="1200"/>
-  </cs:dataTable>
-  <cs:downBar>
-    <cs:lnRef idx="0"/>
-    <cs:fillRef idx="0"/>
-    <cs:effectRef idx="0"/>
-    <cs:fontRef idx="minor">
-      <a:schemeClr val="tx1"/>
-    </cs:fontRef>
-    <cs:spPr>
-      <a:solidFill>
-        <a:schemeClr val="dk1">
-          <a:lumMod val="75000"/>
-          <a:lumOff val="25000"/>
-        </a:schemeClr>
-      </a:solidFill>
-      <a:ln w="9525" cap="flat" cmpd="sng" algn="ctr">
-        <a:solidFill>
-          <a:schemeClr val="tx1">
-            <a:lumMod val="65000"/>
-            <a:lumOff val="35000"/>
-          </a:schemeClr>
-        </a:solidFill>
-        <a:round/>
-      </a:ln>
-    </cs:spPr>
-  </cs:downBar>
-  <cs:dropLine>
-    <cs:lnRef idx="0"/>
-    <cs:fillRef idx="0"/>
-    <cs:effectRef idx="0"/>
-    <cs:fontRef idx="minor">
-      <a:schemeClr val="tx1"/>
-    </cs:fontRef>
-    <cs:spPr>
-      <a:ln w="9525" cap="flat" cmpd="sng" algn="ctr">
-        <a:solidFill>
-          <a:schemeClr val="tx1">
-            <a:lumMod val="35000"/>
-            <a:lumOff val="65000"/>
-          </a:schemeClr>
-        </a:solidFill>
-        <a:round/>
-      </a:ln>
-    </cs:spPr>
-  </cs:dropLine>
-  <cs:errorBar>
-    <cs:lnRef idx="0"/>
-    <cs:fillRef idx="0"/>
-    <cs:effectRef idx="0"/>
-    <cs:fontRef idx="minor">
-      <a:schemeClr val="tx1"/>
-    </cs:fontRef>
-    <cs:spPr>
-      <a:ln w="9525" cap="flat" cmpd="sng" algn="ctr">
-        <a:solidFill>
-          <a:schemeClr val="tx1">
-            <a:lumMod val="65000"/>
-            <a:lumOff val="35000"/>
-          </a:schemeClr>
-        </a:solidFill>
-        <a:round/>
-      </a:ln>
-    </cs:spPr>
-  </cs:errorBar>
-  <cs:floor>
-    <cs:lnRef idx="0"/>
-    <cs:fillRef idx="0"/>
-    <cs:effectRef idx="0"/>
-    <cs:fontRef idx="minor">
-      <a:schemeClr val="tx1"/>
-    </cs:fontRef>
-    <cs:spPr>
-      <a:noFill/>
-      <a:ln>
-        <a:noFill/>
-      </a:ln>
-    </cs:spPr>
-  </cs:floor>
-  <cs:gridlineMajor>
-    <cs:lnRef idx="0"/>
-    <cs:fillRef idx="0"/>
-    <cs:effectRef idx="0"/>
-    <cs:fontRef idx="minor">
-      <a:schemeClr val="tx1"/>
-    </cs:fontRef>
-    <cs:spPr>
-      <a:ln w="9525" cap="flat" cmpd="sng" algn="ctr">
-        <a:solidFill>
-          <a:schemeClr val="tx1">
-            <a:lumMod val="15000"/>
-            <a:lumOff val="85000"/>
-          </a:schemeClr>
-        </a:solidFill>
-        <a:round/>
-      </a:ln>
-    </cs:spPr>
-  </cs:gridlineMajor>
-  <cs:gridlineMinor>
-    <cs:lnRef idx="0"/>
-    <cs:fillRef idx="0"/>
-    <cs:effectRef idx="0"/>
-    <cs:fontRef idx="minor">
-      <a:schemeClr val="tx1"/>
-    </cs:fontRef>
-    <cs:spPr>
-      <a:ln w="9525" cap="flat" cmpd="sng" algn="ctr">
-        <a:solidFill>
-          <a:schemeClr val="tx1">
-            <a:lumMod val="5000"/>
-            <a:lumOff val="95000"/>
-          </a:schemeClr>
-        </a:solidFill>
-        <a:round/>
-      </a:ln>
-    </cs:spPr>
-  </cs:gridlineMinor>
-  <cs:hiLoLine>
-    <cs:lnRef idx="0"/>
-    <cs:fillRef idx="0"/>
-    <cs:effectRef idx="0"/>
-    <cs:fontRef idx="minor">
-      <a:schemeClr val="tx1"/>
-    </cs:fontRef>
-    <cs:spPr>
-      <a:ln w="9525" cap="flat" cmpd="sng" algn="ctr">
-        <a:solidFill>
-          <a:schemeClr val="tx1">
-            <a:lumMod val="75000"/>
-            <a:lumOff val="25000"/>
-          </a:schemeClr>
-        </a:solidFill>
-        <a:round/>
-      </a:ln>
-    </cs:spPr>
-  </cs:hiLoLine>
-  <cs:leaderLine>
-    <cs:lnRef idx="0"/>
-    <cs:fillRef idx="0"/>
-    <cs:effectRef idx="0"/>
-    <cs:fontRef idx="minor">
-      <a:schemeClr val="tx1"/>
-    </cs:fontRef>
-    <cs:spPr>
-      <a:ln w="9525" cap="flat" cmpd="sng" algn="ctr">
-        <a:solidFill>
-          <a:schemeClr val="tx1">
-            <a:lumMod val="35000"/>
-            <a:lumOff val="65000"/>
-          </a:schemeClr>
-        </a:solidFill>
-        <a:round/>
-      </a:ln>
-    </cs:spPr>
-  </cs:leaderLine>
-  <cs:legend>
-    <cs:lnRef idx="0"/>
-    <cs:fillRef idx="0"/>
-    <cs:effectRef idx="0"/>
-    <cs:fontRef idx="minor">
-      <a:schemeClr val="tx1">
-        <a:lumMod val="65000"/>
-        <a:lumOff val="35000"/>
-      </a:schemeClr>
-    </cs:fontRef>
-    <cs:defRPr sz="1197" kern="1200"/>
-  </cs:legend>
-  <cs:plotArea mods="allowNoFillOverride allowNoLineOverride">
-    <cs:lnRef idx="0"/>
-    <cs:fillRef idx="0"/>
-    <cs:effectRef idx="0"/>
-    <cs:fontRef idx="minor">
-      <a:schemeClr val="tx1"/>
-    </cs:fontRef>
-  </cs:plotArea>
-  <cs:plotArea3D mods="allowNoFillOverride allowNoLineOverride">
-    <cs:lnRef idx="0"/>
-    <cs:fillRef idx="0"/>
-    <cs:effectRef idx="0"/>
-    <cs:fontRef idx="minor">
-      <a:schemeClr val="tx1"/>
-    </cs:fontRef>
-  </cs:plotArea3D>
-  <cs:seriesAxis>
-    <cs:lnRef idx="0"/>
-    <cs:fillRef idx="0"/>
-    <cs:effectRef idx="0"/>
-    <cs:fontRef idx="minor">
-      <a:schemeClr val="tx1">
-        <a:lumMod val="65000"/>
-        <a:lumOff val="35000"/>
-      </a:schemeClr>
-    </cs:fontRef>
-    <cs:spPr>
-      <a:ln w="9525" cap="flat" cmpd="sng" algn="ctr">
-        <a:solidFill>
-          <a:schemeClr val="tx1">
-            <a:lumMod val="15000"/>
-            <a:lumOff val="85000"/>
-          </a:schemeClr>
-        </a:solidFill>
-        <a:round/>
-      </a:ln>
-    </cs:spPr>
-    <cs:defRPr sz="1197" kern="1200"/>
-  </cs:seriesAxis>
-  <cs:seriesLine>
-    <cs:lnRef idx="0"/>
-    <cs:fillRef idx="0"/>
-    <cs:effectRef idx="0"/>
-    <cs:fontRef idx="minor">
-      <a:schemeClr val="tx1"/>
-    </cs:fontRef>
-    <cs:spPr>
-      <a:ln w="9525" cap="flat" cmpd="sng" algn="ctr">
-        <a:solidFill>
-          <a:schemeClr val="tx1">
-            <a:lumMod val="35000"/>
-            <a:lumOff val="65000"/>
-          </a:schemeClr>
-        </a:solidFill>
-        <a:round/>
-      </a:ln>
-    </cs:spPr>
-  </cs:seriesLine>
-  <cs:title>
-    <cs:lnRef idx="0"/>
-    <cs:fillRef idx="0"/>
-    <cs:effectRef idx="0"/>
-    <cs:fontRef idx="minor">
-      <a:schemeClr val="tx1">
-        <a:lumMod val="65000"/>
-        <a:lumOff val="35000"/>
-      </a:schemeClr>
-    </cs:fontRef>
-    <cs:defRPr sz="1862" b="0" kern="1200" spc="0" baseline="0"/>
-  </cs:title>
-  <cs:trendline>
-    <cs:lnRef idx="0">
-      <cs:styleClr val="auto"/>
-    </cs:lnRef>
-    <cs:fillRef idx="0"/>
-    <cs:effectRef idx="0"/>
-    <cs:fontRef idx="minor">
-      <a:schemeClr val="tx1"/>
-    </cs:fontRef>
-    <cs:spPr>
-      <a:ln w="19050" cap="rnd">
-        <a:solidFill>
-          <a:schemeClr val="phClr"/>
-        </a:solidFill>
-        <a:prstDash val="sysDot"/>
-      </a:ln>
-    </cs:spPr>
-  </cs:trendline>
-  <cs:trendlineLabel>
-    <cs:lnRef idx="0"/>
-    <cs:fillRef idx="0"/>
-    <cs:effectRef idx="0"/>
-    <cs:fontRef idx="minor">
-      <a:schemeClr val="tx1">
-        <a:lumMod val="65000"/>
-        <a:lumOff val="35000"/>
-      </a:schemeClr>
-    </cs:fontRef>
-    <cs:defRPr sz="1197" kern="1200"/>
-  </cs:trendlineLabel>
-  <cs:upBar>
-    <cs:lnRef idx="0"/>
-    <cs:fillRef idx="0"/>
-    <cs:effectRef idx="0"/>
-    <cs:fontRef idx="minor">
-      <a:schemeClr val="tx1"/>
-    </cs:fontRef>
-    <cs:spPr>
-      <a:solidFill>
-        <a:schemeClr val="lt1"/>
-      </a:solidFill>
-      <a:ln w="9525" cap="flat" cmpd="sng" algn="ctr">
-        <a:solidFill>
-          <a:schemeClr val="tx1">
-            <a:lumMod val="65000"/>
-            <a:lumOff val="35000"/>
-          </a:schemeClr>
-        </a:solidFill>
-        <a:round/>
-      </a:ln>
-    </cs:spPr>
-  </cs:upBar>
-  <cs:valueAxis>
-    <cs:lnRef idx="0"/>
-    <cs:fillRef idx="0"/>
-    <cs:effectRef idx="0"/>
-    <cs:fontRef idx="minor">
-      <a:schemeClr val="tx1">
-        <a:lumMod val="65000"/>
-        <a:lumOff val="35000"/>
-      </a:schemeClr>
-    </cs:fontRef>
-    <cs:defRPr sz="1197" kern="1200"/>
-  </cs:valueAxis>
-  <cs:wall>
-    <cs:lnRef idx="0"/>
-    <cs:fillRef idx="0"/>
-    <cs:effectRef idx="0"/>
-    <cs:fontRef idx="minor">
-      <a:schemeClr val="tx1"/>
-    </cs:fontRef>
-    <cs:spPr>
-      <a:noFill/>
-      <a:ln>
-        <a:noFill/>
-      </a:ln>
-    </cs:spPr>
-  </cs:wall>
-</cs:chartStyle>
-</file>
-
 <file path=ppt/diagrams/colors1.xml><?xml version="1.0" encoding="utf-8"?>
 <dgm:colorsDef xmlns:dgm="http://schemas.openxmlformats.org/drawingml/2006/diagram" xmlns:a="http://schemas.openxmlformats.org/drawingml/2006/main" uniqueId="urn:microsoft.com/office/officeart/2018/5/colors/Iconchunking_neutralbg_colorful1">
   <dgm:title val=""/>
@@ -2305,11 +1049,11 @@
 </file>
 
 <file path=ppt/diagrams/colors2.xml><?xml version="1.0" encoding="utf-8"?>
-<dgm:colorsDef xmlns:dgm="http://schemas.openxmlformats.org/drawingml/2006/diagram" xmlns:a="http://schemas.openxmlformats.org/drawingml/2006/main" uniqueId="urn:microsoft.com/office/officeart/2005/8/colors/accent1_2">
+<dgm:colorsDef xmlns:dgm="http://schemas.openxmlformats.org/drawingml/2006/diagram" xmlns:a="http://schemas.openxmlformats.org/drawingml/2006/main" uniqueId="urn:microsoft.com/office/officeart/2018/5/colors/Iconchunking_neutralbg_colorful1">
   <dgm:title val=""/>
   <dgm:desc val=""/>
   <dgm:catLst>
-    <dgm:cat type="accent1" pri="11200"/>
+    <dgm:cat type="colorful" pri="10100"/>
   </dgm:catLst>
   <dgm:styleLbl name="node0">
     <dgm:fillClrLst meth="repeat">
@@ -2323,21 +1067,51 @@
     <dgm:txFillClrLst/>
     <dgm:txEffectClrLst/>
   </dgm:styleLbl>
-  <dgm:styleLbl name="alignNode1">
+  <dgm:styleLbl name="node1">
     <dgm:fillClrLst meth="repeat">
-      <a:schemeClr val="accent1"/>
+      <a:schemeClr val="accent2"/>
+      <a:schemeClr val="accent3"/>
+      <a:schemeClr val="accent4"/>
+      <a:schemeClr val="accent5"/>
+      <a:schemeClr val="accent6"/>
     </dgm:fillClrLst>
     <dgm:linClrLst meth="repeat">
-      <a:schemeClr val="accent1"/>
+      <a:schemeClr val="lt1">
+        <a:alpha val="0"/>
+      </a:schemeClr>
     </dgm:linClrLst>
     <dgm:effectClrLst/>
     <dgm:txLinClrLst/>
     <dgm:txFillClrLst/>
     <dgm:txEffectClrLst/>
   </dgm:styleLbl>
-  <dgm:styleLbl name="node1">
+  <dgm:styleLbl name="alignNode1">
     <dgm:fillClrLst meth="repeat">
-      <a:schemeClr val="accent1"/>
+      <a:schemeClr val="accent2"/>
+      <a:schemeClr val="accent3"/>
+      <a:schemeClr val="accent4"/>
+      <a:schemeClr val="accent5"/>
+      <a:schemeClr val="accent6"/>
+    </dgm:fillClrLst>
+    <dgm:linClrLst meth="repeat">
+      <a:schemeClr val="accent2"/>
+      <a:schemeClr val="accent3"/>
+      <a:schemeClr val="accent4"/>
+      <a:schemeClr val="accent5"/>
+      <a:schemeClr val="accent6"/>
+    </dgm:linClrLst>
+    <dgm:effectClrLst/>
+    <dgm:txLinClrLst/>
+    <dgm:txFillClrLst/>
+    <dgm:txEffectClrLst/>
+  </dgm:styleLbl>
+  <dgm:styleLbl name="lnNode1">
+    <dgm:fillClrLst meth="repeat">
+      <a:schemeClr val="accent2"/>
+      <a:schemeClr val="accent3"/>
+      <a:schemeClr val="accent4"/>
+      <a:schemeClr val="accent5"/>
+      <a:schemeClr val="accent6"/>
     </dgm:fillClrLst>
     <dgm:linClrLst meth="repeat">
       <a:schemeClr val="lt1"/>
@@ -2347,21 +1121,21 @@
     <dgm:txFillClrLst/>
     <dgm:txEffectClrLst/>
   </dgm:styleLbl>
-  <dgm:styleLbl name="lnNode1">
-    <dgm:fillClrLst meth="repeat">
-      <a:schemeClr val="accent1"/>
-    </dgm:fillClrLst>
-    <dgm:linClrLst meth="repeat">
-      <a:schemeClr val="lt1"/>
-    </dgm:linClrLst>
-    <dgm:effectClrLst/>
-    <dgm:txLinClrLst/>
-    <dgm:txFillClrLst/>
-    <dgm:txEffectClrLst/>
-  </dgm:styleLbl>
   <dgm:styleLbl name="vennNode1">
     <dgm:fillClrLst meth="repeat">
-      <a:schemeClr val="accent1">
+      <a:schemeClr val="accent2">
+        <a:alpha val="50000"/>
+      </a:schemeClr>
+      <a:schemeClr val="accent3">
+        <a:alpha val="50000"/>
+      </a:schemeClr>
+      <a:schemeClr val="accent4">
+        <a:alpha val="50000"/>
+      </a:schemeClr>
+      <a:schemeClr val="accent5">
+        <a:alpha val="50000"/>
+      </a:schemeClr>
+      <a:schemeClr val="accent6">
         <a:alpha val="50000"/>
       </a:schemeClr>
     </dgm:fillClrLst>
@@ -2374,8 +1148,8 @@
     <dgm:txEffectClrLst/>
   </dgm:styleLbl>
   <dgm:styleLbl name="node2">
-    <dgm:fillClrLst meth="repeat">
-      <a:schemeClr val="accent1"/>
+    <dgm:fillClrLst>
+      <a:schemeClr val="accent2"/>
     </dgm:fillClrLst>
     <dgm:linClrLst meth="repeat">
       <a:schemeClr val="lt1"/>
@@ -2386,8 +1160,8 @@
     <dgm:txEffectClrLst/>
   </dgm:styleLbl>
   <dgm:styleLbl name="node3">
-    <dgm:fillClrLst meth="repeat">
-      <a:schemeClr val="accent1"/>
+    <dgm:fillClrLst>
+      <a:schemeClr val="accent3"/>
     </dgm:fillClrLst>
     <dgm:linClrLst meth="repeat">
       <a:schemeClr val="lt1"/>
@@ -2398,8 +1172,8 @@
     <dgm:txEffectClrLst/>
   </dgm:styleLbl>
   <dgm:styleLbl name="node4">
-    <dgm:fillClrLst meth="repeat">
-      <a:schemeClr val="accent1"/>
+    <dgm:fillClrLst>
+      <a:schemeClr val="accent4"/>
     </dgm:fillClrLst>
     <dgm:linClrLst meth="repeat">
       <a:schemeClr val="lt1"/>
@@ -2411,7 +1185,19 @@
   </dgm:styleLbl>
   <dgm:styleLbl name="fgImgPlace1">
     <dgm:fillClrLst meth="repeat">
-      <a:schemeClr val="accent1">
+      <a:schemeClr val="accent2">
+        <a:tint val="50000"/>
+      </a:schemeClr>
+      <a:schemeClr val="accent3">
+        <a:tint val="50000"/>
+      </a:schemeClr>
+      <a:schemeClr val="accent4">
+        <a:tint val="50000"/>
+      </a:schemeClr>
+      <a:schemeClr val="accent5">
+        <a:tint val="50000"/>
+      </a:schemeClr>
+      <a:schemeClr val="accent6">
         <a:tint val="50000"/>
       </a:schemeClr>
     </dgm:fillClrLst>
@@ -2426,9 +1212,12 @@
     <dgm:txEffectClrLst/>
   </dgm:styleLbl>
   <dgm:styleLbl name="alignImgPlace1">
-    <dgm:fillClrLst meth="repeat">
+    <dgm:fillClrLst>
       <a:schemeClr val="accent1">
         <a:tint val="50000"/>
+      </a:schemeClr>
+      <a:schemeClr val="accent2">
+        <a:tint val="20000"/>
       </a:schemeClr>
     </dgm:fillClrLst>
     <dgm:linClrLst meth="repeat">
@@ -2442,9 +1231,12 @@
     <dgm:txEffectClrLst/>
   </dgm:styleLbl>
   <dgm:styleLbl name="bgImgPlace1">
-    <dgm:fillClrLst meth="repeat">
+    <dgm:fillClrLst>
       <a:schemeClr val="accent1">
         <a:tint val="50000"/>
+      </a:schemeClr>
+      <a:schemeClr val="accent2">
+        <a:tint val="20000"/>
       </a:schemeClr>
     </dgm:fillClrLst>
     <dgm:linClrLst meth="repeat">
@@ -2459,14 +1251,14 @@
   </dgm:styleLbl>
   <dgm:styleLbl name="sibTrans2D1">
     <dgm:fillClrLst meth="repeat">
-      <a:schemeClr val="accent1">
-        <a:tint val="60000"/>
-      </a:schemeClr>
+      <a:schemeClr val="accent2"/>
+      <a:schemeClr val="accent3"/>
+      <a:schemeClr val="accent4"/>
+      <a:schemeClr val="accent5"/>
+      <a:schemeClr val="accent6"/>
     </dgm:fillClrLst>
-    <dgm:linClrLst meth="repeat">
-      <a:schemeClr val="accent1">
-        <a:tint val="60000"/>
-      </a:schemeClr>
+    <dgm:linClrLst meth="cycle">
+      <a:schemeClr val="lt1"/>
     </dgm:linClrLst>
     <dgm:effectClrLst/>
     <dgm:txLinClrLst/>
@@ -2475,42 +1267,54 @@
   </dgm:styleLbl>
   <dgm:styleLbl name="fgSibTrans2D1">
     <dgm:fillClrLst meth="repeat">
-      <a:schemeClr val="accent1">
-        <a:tint val="60000"/>
-      </a:schemeClr>
+      <a:schemeClr val="accent2"/>
+      <a:schemeClr val="accent3"/>
+      <a:schemeClr val="accent4"/>
+      <a:schemeClr val="accent5"/>
+      <a:schemeClr val="accent6"/>
     </dgm:fillClrLst>
-    <dgm:linClrLst meth="repeat">
-      <a:schemeClr val="accent1">
-        <a:tint val="60000"/>
-      </a:schemeClr>
+    <dgm:linClrLst meth="cycle">
+      <a:schemeClr val="lt1"/>
     </dgm:linClrLst>
     <dgm:effectClrLst/>
     <dgm:txLinClrLst/>
-    <dgm:txFillClrLst/>
+    <dgm:txFillClrLst meth="repeat">
+      <a:schemeClr val="lt1"/>
+    </dgm:txFillClrLst>
     <dgm:txEffectClrLst/>
   </dgm:styleLbl>
   <dgm:styleLbl name="bgSibTrans2D1">
     <dgm:fillClrLst meth="repeat">
-      <a:schemeClr val="accent1">
-        <a:tint val="60000"/>
-      </a:schemeClr>
+      <a:schemeClr val="accent2"/>
+      <a:schemeClr val="accent3"/>
+      <a:schemeClr val="accent4"/>
+      <a:schemeClr val="accent5"/>
+      <a:schemeClr val="accent6"/>
     </dgm:fillClrLst>
-    <dgm:linClrLst meth="repeat">
-      <a:schemeClr val="accent1">
-        <a:tint val="60000"/>
-      </a:schemeClr>
+    <dgm:linClrLst meth="cycle">
+      <a:schemeClr val="lt1"/>
     </dgm:linClrLst>
     <dgm:effectClrLst/>
     <dgm:txLinClrLst/>
-    <dgm:txFillClrLst/>
+    <dgm:txFillClrLst meth="repeat">
+      <a:schemeClr val="lt1"/>
+    </dgm:txFillClrLst>
     <dgm:txEffectClrLst/>
   </dgm:styleLbl>
   <dgm:styleLbl name="sibTrans1D1">
     <dgm:fillClrLst meth="repeat">
-      <a:schemeClr val="accent1"/>
+      <a:schemeClr val="accent2"/>
+      <a:schemeClr val="accent3"/>
+      <a:schemeClr val="accent4"/>
+      <a:schemeClr val="accent5"/>
+      <a:schemeClr val="accent6"/>
     </dgm:fillClrLst>
     <dgm:linClrLst meth="repeat">
-      <a:schemeClr val="accent1"/>
+      <a:schemeClr val="accent2"/>
+      <a:schemeClr val="accent3"/>
+      <a:schemeClr val="accent4"/>
+      <a:schemeClr val="accent5"/>
+      <a:schemeClr val="accent6"/>
     </dgm:linClrLst>
     <dgm:effectClrLst/>
     <dgm:txLinClrLst/>
@@ -2521,10 +1325,10 @@
   </dgm:styleLbl>
   <dgm:styleLbl name="callout">
     <dgm:fillClrLst meth="repeat">
-      <a:schemeClr val="accent1"/>
+      <a:schemeClr val="accent2"/>
     </dgm:fillClrLst>
     <dgm:linClrLst meth="repeat">
-      <a:schemeClr val="accent1">
+      <a:schemeClr val="accent2">
         <a:tint val="50000"/>
       </a:schemeClr>
     </dgm:linClrLst>
@@ -2549,7 +1353,7 @@
   </dgm:styleLbl>
   <dgm:styleLbl name="asst1">
     <dgm:fillClrLst meth="repeat">
-      <a:schemeClr val="accent1"/>
+      <a:schemeClr val="accent2"/>
     </dgm:fillClrLst>
     <dgm:linClrLst meth="repeat">
       <a:schemeClr val="lt1"/>
@@ -2560,8 +1364,8 @@
     <dgm:txEffectClrLst/>
   </dgm:styleLbl>
   <dgm:styleLbl name="asst2">
-    <dgm:fillClrLst meth="repeat">
-      <a:schemeClr val="accent1"/>
+    <dgm:fillClrLst>
+      <a:schemeClr val="accent3"/>
     </dgm:fillClrLst>
     <dgm:linClrLst meth="repeat">
       <a:schemeClr val="lt1"/>
@@ -2572,8 +1376,8 @@
     <dgm:txEffectClrLst/>
   </dgm:styleLbl>
   <dgm:styleLbl name="asst3">
-    <dgm:fillClrLst meth="repeat">
-      <a:schemeClr val="accent1"/>
+    <dgm:fillClrLst>
+      <a:schemeClr val="accent4"/>
     </dgm:fillClrLst>
     <dgm:linClrLst meth="repeat">
       <a:schemeClr val="lt1"/>
@@ -2584,8 +1388,8 @@
     <dgm:txEffectClrLst/>
   </dgm:styleLbl>
   <dgm:styleLbl name="asst4">
-    <dgm:fillClrLst meth="repeat">
-      <a:schemeClr val="accent1"/>
+    <dgm:fillClrLst>
+      <a:schemeClr val="accent5"/>
     </dgm:fillClrLst>
     <dgm:linClrLst meth="repeat">
       <a:schemeClr val="lt1"/>
@@ -2597,14 +1401,10 @@
   </dgm:styleLbl>
   <dgm:styleLbl name="parChTrans2D1">
     <dgm:fillClrLst meth="repeat">
-      <a:schemeClr val="accent1">
-        <a:tint val="60000"/>
-      </a:schemeClr>
+      <a:schemeClr val="accent2"/>
     </dgm:fillClrLst>
     <dgm:linClrLst meth="repeat">
-      <a:schemeClr val="accent1">
-        <a:tint val="60000"/>
-      </a:schemeClr>
+      <a:schemeClr val="lt1"/>
     </dgm:linClrLst>
     <dgm:effectClrLst/>
     <dgm:txLinClrLst/>
@@ -2615,7 +1415,45 @@
   </dgm:styleLbl>
   <dgm:styleLbl name="parChTrans2D2">
     <dgm:fillClrLst meth="repeat">
-      <a:schemeClr val="accent1"/>
+      <a:schemeClr val="accent3"/>
+    </dgm:fillClrLst>
+    <dgm:linClrLst meth="repeat">
+      <a:schemeClr val="lt1"/>
+    </dgm:linClrLst>
+    <dgm:effectClrLst/>
+    <dgm:txLinClrLst/>
+    <dgm:txFillClrLst/>
+    <dgm:txEffectClrLst/>
+  </dgm:styleLbl>
+  <dgm:styleLbl name="parChTrans2D3">
+    <dgm:fillClrLst meth="repeat">
+      <a:schemeClr val="accent4"/>
+    </dgm:fillClrLst>
+    <dgm:linClrLst meth="repeat">
+      <a:schemeClr val="lt1"/>
+    </dgm:linClrLst>
+    <dgm:effectClrLst/>
+    <dgm:txLinClrLst/>
+    <dgm:txFillClrLst/>
+    <dgm:txEffectClrLst/>
+  </dgm:styleLbl>
+  <dgm:styleLbl name="parChTrans2D4">
+    <dgm:fillClrLst meth="repeat">
+      <a:schemeClr val="accent5"/>
+    </dgm:fillClrLst>
+    <dgm:linClrLst meth="repeat">
+      <a:schemeClr val="lt1"/>
+    </dgm:linClrLst>
+    <dgm:effectClrLst/>
+    <dgm:txLinClrLst/>
+    <dgm:txFillClrLst meth="repeat">
+      <a:schemeClr val="lt1"/>
+    </dgm:txFillClrLst>
+    <dgm:txEffectClrLst/>
+  </dgm:styleLbl>
+  <dgm:styleLbl name="parChTrans1D1">
+    <dgm:fillClrLst meth="repeat">
+      <a:schemeClr val="accent2"/>
     </dgm:fillClrLst>
     <dgm:linClrLst meth="repeat">
       <a:schemeClr val="accent1"/>
@@ -2623,46 +1461,18 @@
     <dgm:effectClrLst/>
     <dgm:txLinClrLst/>
     <dgm:txFillClrLst meth="repeat">
-      <a:schemeClr val="lt1"/>
+      <a:schemeClr val="tx1"/>
     </dgm:txFillClrLst>
     <dgm:txEffectClrLst/>
   </dgm:styleLbl>
-  <dgm:styleLbl name="parChTrans2D3">
+  <dgm:styleLbl name="parChTrans1D2">
     <dgm:fillClrLst meth="repeat">
-      <a:schemeClr val="accent1"/>
+      <a:schemeClr val="accent3">
+        <a:tint val="90000"/>
+      </a:schemeClr>
     </dgm:fillClrLst>
     <dgm:linClrLst meth="repeat">
-      <a:schemeClr val="accent1"/>
-    </dgm:linClrLst>
-    <dgm:effectClrLst/>
-    <dgm:txLinClrLst/>
-    <dgm:txFillClrLst meth="repeat">
-      <a:schemeClr val="lt1"/>
-    </dgm:txFillClrLst>
-    <dgm:txEffectClrLst/>
-  </dgm:styleLbl>
-  <dgm:styleLbl name="parChTrans2D4">
-    <dgm:fillClrLst meth="repeat">
-      <a:schemeClr val="accent1"/>
-    </dgm:fillClrLst>
-    <dgm:linClrLst meth="repeat">
-      <a:schemeClr val="accent1"/>
-    </dgm:linClrLst>
-    <dgm:effectClrLst/>
-    <dgm:txLinClrLst/>
-    <dgm:txFillClrLst meth="repeat">
-      <a:schemeClr val="lt1"/>
-    </dgm:txFillClrLst>
-    <dgm:txEffectClrLst/>
-  </dgm:styleLbl>
-  <dgm:styleLbl name="parChTrans1D1">
-    <dgm:fillClrLst meth="repeat">
-      <a:schemeClr val="accent1"/>
-    </dgm:fillClrLst>
-    <dgm:linClrLst meth="repeat">
-      <a:schemeClr val="accent1">
-        <a:shade val="60000"/>
-      </a:schemeClr>
+      <a:schemeClr val="accent2"/>
     </dgm:linClrLst>
     <dgm:effectClrLst/>
     <dgm:txLinClrLst/>
@@ -2671,14 +1481,14 @@
     </dgm:txFillClrLst>
     <dgm:txEffectClrLst/>
   </dgm:styleLbl>
-  <dgm:styleLbl name="parChTrans1D2">
+  <dgm:styleLbl name="parChTrans1D3">
     <dgm:fillClrLst meth="repeat">
-      <a:schemeClr val="accent1"/>
+      <a:schemeClr val="accent4">
+        <a:tint val="70000"/>
+      </a:schemeClr>
     </dgm:fillClrLst>
     <dgm:linClrLst meth="repeat">
-      <a:schemeClr val="accent1">
-        <a:shade val="60000"/>
-      </a:schemeClr>
+      <a:schemeClr val="accent3"/>
     </dgm:linClrLst>
     <dgm:effectClrLst/>
     <dgm:txLinClrLst/>
@@ -2687,14 +1497,14 @@
     </dgm:txFillClrLst>
     <dgm:txEffectClrLst/>
   </dgm:styleLbl>
-  <dgm:styleLbl name="parChTrans1D3">
+  <dgm:styleLbl name="parChTrans1D4">
     <dgm:fillClrLst meth="repeat">
-      <a:schemeClr val="accent1"/>
+      <a:schemeClr val="accent5">
+        <a:tint val="50000"/>
+      </a:schemeClr>
     </dgm:fillClrLst>
     <dgm:linClrLst meth="repeat">
-      <a:schemeClr val="accent1">
-        <a:shade val="80000"/>
-      </a:schemeClr>
+      <a:schemeClr val="accent4"/>
     </dgm:linClrLst>
     <dgm:effectClrLst/>
     <dgm:txLinClrLst/>
@@ -2703,22 +1513,6 @@
     </dgm:txFillClrLst>
     <dgm:txEffectClrLst/>
   </dgm:styleLbl>
-  <dgm:styleLbl name="parChTrans1D4">
-    <dgm:fillClrLst meth="repeat">
-      <a:schemeClr val="accent1"/>
-    </dgm:fillClrLst>
-    <dgm:linClrLst meth="repeat">
-      <a:schemeClr val="accent1">
-        <a:shade val="80000"/>
-      </a:schemeClr>
-    </dgm:linClrLst>
-    <dgm:effectClrLst/>
-    <dgm:txLinClrLst/>
-    <dgm:txFillClrLst meth="repeat">
-      <a:schemeClr val="tx1"/>
-    </dgm:txFillClrLst>
-    <dgm:txEffectClrLst/>
-  </dgm:styleLbl>
   <dgm:styleLbl name="fgAcc1">
     <dgm:fillClrLst meth="repeat">
       <a:schemeClr val="lt1">
@@ -2726,7 +1520,11 @@
       </a:schemeClr>
     </dgm:fillClrLst>
     <dgm:linClrLst meth="repeat">
-      <a:schemeClr val="accent1"/>
+      <a:schemeClr val="accent2"/>
+      <a:schemeClr val="accent3"/>
+      <a:schemeClr val="accent4"/>
+      <a:schemeClr val="accent5"/>
+      <a:schemeClr val="accent6"/>
     </dgm:linClrLst>
     <dgm:effectClrLst/>
     <dgm:txLinClrLst/>
@@ -2742,7 +1540,11 @@
       </a:schemeClr>
     </dgm:fillClrLst>
     <dgm:linClrLst meth="repeat">
-      <a:schemeClr val="accent1"/>
+      <a:schemeClr val="accent2"/>
+      <a:schemeClr val="accent3"/>
+      <a:schemeClr val="accent4"/>
+      <a:schemeClr val="accent5"/>
+      <a:schemeClr val="accent6"/>
     </dgm:linClrLst>
     <dgm:effectClrLst/>
     <dgm:txLinClrLst/>
@@ -2758,7 +1560,11 @@
       </a:schemeClr>
     </dgm:fillClrLst>
     <dgm:linClrLst meth="repeat">
-      <a:schemeClr val="accent1"/>
+      <a:schemeClr val="accent2"/>
+      <a:schemeClr val="accent3"/>
+      <a:schemeClr val="accent4"/>
+      <a:schemeClr val="accent5"/>
+      <a:schemeClr val="accent6"/>
     </dgm:linClrLst>
     <dgm:effectClrLst/>
     <dgm:txLinClrLst/>
@@ -2790,6 +1596,236 @@
       </a:schemeClr>
     </dgm:fillClrLst>
     <dgm:linClrLst meth="repeat">
+      <a:schemeClr val="accent2"/>
+      <a:schemeClr val="accent3"/>
+      <a:schemeClr val="accent4"/>
+      <a:schemeClr val="accent5"/>
+      <a:schemeClr val="accent6"/>
+    </dgm:linClrLst>
+    <dgm:effectClrLst/>
+    <dgm:txLinClrLst/>
+    <dgm:txFillClrLst meth="repeat">
+      <a:schemeClr val="dk1"/>
+    </dgm:txFillClrLst>
+    <dgm:txEffectClrLst/>
+  </dgm:styleLbl>
+  <dgm:styleLbl name="solidFgAcc1">
+    <dgm:fillClrLst meth="repeat">
+      <a:schemeClr val="lt1"/>
+    </dgm:fillClrLst>
+    <dgm:linClrLst meth="repeat">
+      <a:schemeClr val="accent2"/>
+      <a:schemeClr val="accent3"/>
+      <a:schemeClr val="accent4"/>
+      <a:schemeClr val="accent5"/>
+      <a:schemeClr val="accent6"/>
+    </dgm:linClrLst>
+    <dgm:effectClrLst/>
+    <dgm:txLinClrLst/>
+    <dgm:txFillClrLst meth="repeat">
+      <a:schemeClr val="dk1"/>
+    </dgm:txFillClrLst>
+    <dgm:txEffectClrLst/>
+  </dgm:styleLbl>
+  <dgm:styleLbl name="solidAlignAcc1">
+    <dgm:fillClrLst meth="repeat">
+      <a:schemeClr val="lt1"/>
+    </dgm:fillClrLst>
+    <dgm:linClrLst meth="repeat">
+      <a:schemeClr val="accent2"/>
+      <a:schemeClr val="accent3"/>
+      <a:schemeClr val="accent4"/>
+      <a:schemeClr val="accent5"/>
+      <a:schemeClr val="accent6"/>
+    </dgm:linClrLst>
+    <dgm:effectClrLst/>
+    <dgm:txLinClrLst/>
+    <dgm:txFillClrLst meth="repeat">
+      <a:schemeClr val="dk1"/>
+    </dgm:txFillClrLst>
+    <dgm:txEffectClrLst/>
+  </dgm:styleLbl>
+  <dgm:styleLbl name="solidBgAcc1">
+    <dgm:fillClrLst meth="repeat">
+      <a:schemeClr val="lt1"/>
+    </dgm:fillClrLst>
+    <dgm:linClrLst meth="repeat">
+      <a:schemeClr val="accent2"/>
+      <a:schemeClr val="accent3"/>
+      <a:schemeClr val="accent4"/>
+      <a:schemeClr val="accent5"/>
+      <a:schemeClr val="accent6"/>
+    </dgm:linClrLst>
+    <dgm:effectClrLst/>
+    <dgm:txLinClrLst/>
+    <dgm:txFillClrLst meth="repeat">
+      <a:schemeClr val="dk1"/>
+    </dgm:txFillClrLst>
+    <dgm:txEffectClrLst/>
+  </dgm:styleLbl>
+  <dgm:styleLbl name="fgAccFollowNode1">
+    <dgm:fillClrLst meth="repeat">
+      <a:schemeClr val="accent2">
+        <a:tint val="40000"/>
+        <a:alpha val="90000"/>
+      </a:schemeClr>
+      <a:schemeClr val="accent3">
+        <a:tint val="40000"/>
+        <a:alpha val="90000"/>
+      </a:schemeClr>
+      <a:schemeClr val="accent4">
+        <a:tint val="40000"/>
+        <a:alpha val="90000"/>
+      </a:schemeClr>
+      <a:schemeClr val="accent5">
+        <a:tint val="40000"/>
+        <a:alpha val="90000"/>
+      </a:schemeClr>
+      <a:schemeClr val="accent6">
+        <a:tint val="40000"/>
+        <a:alpha val="90000"/>
+      </a:schemeClr>
+    </dgm:fillClrLst>
+    <dgm:linClrLst meth="repeat">
+      <a:schemeClr val="accent2">
+        <a:tint val="40000"/>
+        <a:alpha val="90000"/>
+      </a:schemeClr>
+      <a:schemeClr val="accent3">
+        <a:tint val="40000"/>
+        <a:alpha val="90000"/>
+      </a:schemeClr>
+      <a:schemeClr val="accent4">
+        <a:tint val="40000"/>
+        <a:alpha val="90000"/>
+      </a:schemeClr>
+      <a:schemeClr val="accent5">
+        <a:tint val="40000"/>
+        <a:alpha val="90000"/>
+      </a:schemeClr>
+      <a:schemeClr val="accent6">
+        <a:tint val="40000"/>
+        <a:alpha val="90000"/>
+      </a:schemeClr>
+    </dgm:linClrLst>
+    <dgm:effectClrLst/>
+    <dgm:txLinClrLst/>
+    <dgm:txFillClrLst meth="repeat">
+      <a:schemeClr val="dk1"/>
+    </dgm:txFillClrLst>
+    <dgm:txEffectClrLst/>
+  </dgm:styleLbl>
+  <dgm:styleLbl name="alignAccFollowNode1">
+    <dgm:fillClrLst meth="repeat">
+      <a:schemeClr val="accent2">
+        <a:tint val="40000"/>
+        <a:alpha val="90000"/>
+      </a:schemeClr>
+      <a:schemeClr val="accent3">
+        <a:tint val="40000"/>
+        <a:alpha val="90000"/>
+      </a:schemeClr>
+      <a:schemeClr val="accent4">
+        <a:tint val="40000"/>
+        <a:alpha val="90000"/>
+      </a:schemeClr>
+      <a:schemeClr val="accent5">
+        <a:tint val="40000"/>
+        <a:alpha val="90000"/>
+      </a:schemeClr>
+      <a:schemeClr val="accent6">
+        <a:tint val="40000"/>
+        <a:alpha val="90000"/>
+      </a:schemeClr>
+    </dgm:fillClrLst>
+    <dgm:linClrLst meth="repeat">
+      <a:schemeClr val="accent2">
+        <a:tint val="40000"/>
+        <a:alpha val="90000"/>
+      </a:schemeClr>
+      <a:schemeClr val="accent3">
+        <a:tint val="40000"/>
+        <a:alpha val="90000"/>
+      </a:schemeClr>
+      <a:schemeClr val="accent4">
+        <a:tint val="40000"/>
+        <a:alpha val="90000"/>
+      </a:schemeClr>
+      <a:schemeClr val="accent5">
+        <a:tint val="40000"/>
+        <a:alpha val="90000"/>
+      </a:schemeClr>
+      <a:schemeClr val="accent6">
+        <a:tint val="40000"/>
+        <a:alpha val="90000"/>
+      </a:schemeClr>
+    </dgm:linClrLst>
+    <dgm:effectClrLst/>
+    <dgm:txLinClrLst/>
+    <dgm:txFillClrLst meth="repeat">
+      <a:schemeClr val="dk1"/>
+    </dgm:txFillClrLst>
+    <dgm:txEffectClrLst/>
+  </dgm:styleLbl>
+  <dgm:styleLbl name="bgAccFollowNode1">
+    <dgm:fillClrLst meth="repeat">
+      <a:schemeClr val="accent2">
+        <a:tint val="40000"/>
+        <a:alpha val="90000"/>
+      </a:schemeClr>
+      <a:schemeClr val="accent3">
+        <a:tint val="40000"/>
+        <a:alpha val="90000"/>
+      </a:schemeClr>
+      <a:schemeClr val="accent4">
+        <a:tint val="40000"/>
+        <a:alpha val="90000"/>
+      </a:schemeClr>
+      <a:schemeClr val="accent5">
+        <a:tint val="40000"/>
+        <a:alpha val="90000"/>
+      </a:schemeClr>
+      <a:schemeClr val="accent6">
+        <a:tint val="40000"/>
+        <a:alpha val="90000"/>
+      </a:schemeClr>
+    </dgm:fillClrLst>
+    <dgm:linClrLst meth="repeat">
+      <a:schemeClr val="accent2">
+        <a:tint val="40000"/>
+        <a:alpha val="90000"/>
+      </a:schemeClr>
+      <a:schemeClr val="accent3">
+        <a:tint val="40000"/>
+        <a:alpha val="90000"/>
+      </a:schemeClr>
+      <a:schemeClr val="accent4">
+        <a:tint val="40000"/>
+        <a:alpha val="90000"/>
+      </a:schemeClr>
+      <a:schemeClr val="accent5">
+        <a:tint val="40000"/>
+        <a:alpha val="90000"/>
+      </a:schemeClr>
+      <a:schemeClr val="accent6">
+        <a:tint val="40000"/>
+        <a:alpha val="90000"/>
+      </a:schemeClr>
+    </dgm:linClrLst>
+    <dgm:effectClrLst/>
+    <dgm:txLinClrLst/>
+    <dgm:txFillClrLst meth="repeat">
+      <a:schemeClr val="dk1"/>
+    </dgm:txFillClrLst>
+    <dgm:txEffectClrLst/>
+  </dgm:styleLbl>
+  <dgm:styleLbl name="fgAcc0">
+    <dgm:fillClrLst meth="repeat">
+      <a:schemeClr val="lt1">
+        <a:alpha val="90000"/>
+      </a:schemeClr>
+    </dgm:fillClrLst>
+    <dgm:linClrLst>
       <a:schemeClr val="accent1"/>
     </dgm:linClrLst>
     <dgm:effectClrLst/>
@@ -2799,12 +1835,14 @@
     </dgm:txFillClrLst>
     <dgm:txEffectClrLst/>
   </dgm:styleLbl>
-  <dgm:styleLbl name="solidFgAcc1">
+  <dgm:styleLbl name="fgAcc2">
     <dgm:fillClrLst meth="repeat">
-      <a:schemeClr val="lt1"/>
+      <a:schemeClr val="lt1">
+        <a:alpha val="90000"/>
+      </a:schemeClr>
     </dgm:fillClrLst>
-    <dgm:linClrLst meth="repeat">
-      <a:schemeClr val="accent1"/>
+    <dgm:linClrLst>
+      <a:schemeClr val="accent2"/>
     </dgm:linClrLst>
     <dgm:effectClrLst/>
     <dgm:txLinClrLst/>
@@ -2813,12 +1851,14 @@
     </dgm:txFillClrLst>
     <dgm:txEffectClrLst/>
   </dgm:styleLbl>
-  <dgm:styleLbl name="solidAlignAcc1">
+  <dgm:styleLbl name="fgAcc3">
     <dgm:fillClrLst meth="repeat">
-      <a:schemeClr val="lt1"/>
+      <a:schemeClr val="lt1">
+        <a:alpha val="90000"/>
+      </a:schemeClr>
     </dgm:fillClrLst>
-    <dgm:linClrLst meth="repeat">
-      <a:schemeClr val="accent1"/>
+    <dgm:linClrLst>
+      <a:schemeClr val="accent3"/>
     </dgm:linClrLst>
     <dgm:effectClrLst/>
     <dgm:txLinClrLst/>
@@ -2827,12 +1867,14 @@
     </dgm:txFillClrLst>
     <dgm:txEffectClrLst/>
   </dgm:styleLbl>
-  <dgm:styleLbl name="solidBgAcc1">
+  <dgm:styleLbl name="fgAcc4">
     <dgm:fillClrLst meth="repeat">
-      <a:schemeClr val="lt1"/>
+      <a:schemeClr val="lt1">
+        <a:alpha val="90000"/>
+      </a:schemeClr>
     </dgm:fillClrLst>
-    <dgm:linClrLst meth="repeat">
-      <a:schemeClr val="accent1"/>
+    <dgm:linClrLst>
+      <a:schemeClr val="accent4"/>
     </dgm:linClrLst>
     <dgm:effectClrLst/>
     <dgm:txLinClrLst/>
@@ -2841,18 +1883,14 @@
     </dgm:txFillClrLst>
     <dgm:txEffectClrLst/>
   </dgm:styleLbl>
-  <dgm:styleLbl name="fgAccFollowNode1">
+  <dgm:styleLbl name="bgShp">
     <dgm:fillClrLst meth="repeat">
-      <a:schemeClr val="accent1">
-        <a:alpha val="90000"/>
-        <a:tint val="40000"/>
+      <a:schemeClr val="bg1">
+        <a:lumMod val="95000"/>
       </a:schemeClr>
     </dgm:fillClrLst>
     <dgm:linClrLst meth="repeat">
-      <a:schemeClr val="accent1">
-        <a:alpha val="90000"/>
-        <a:tint val="40000"/>
-      </a:schemeClr>
+      <a:schemeClr val="dk1"/>
     </dgm:linClrLst>
     <dgm:effectClrLst/>
     <dgm:txLinClrLst/>
@@ -2861,134 +1899,14 @@
     </dgm:txFillClrLst>
     <dgm:txEffectClrLst/>
   </dgm:styleLbl>
-  <dgm:styleLbl name="alignAccFollowNode1">
+  <dgm:styleLbl name="dkBgShp">
     <dgm:fillClrLst meth="repeat">
-      <a:schemeClr val="accent1">
-        <a:alpha val="90000"/>
-        <a:tint val="40000"/>
+      <a:schemeClr val="accent2">
+        <a:shade val="90000"/>
       </a:schemeClr>
     </dgm:fillClrLst>
     <dgm:linClrLst meth="repeat">
-      <a:schemeClr val="accent1">
-        <a:alpha val="90000"/>
-        <a:tint val="40000"/>
-      </a:schemeClr>
-    </dgm:linClrLst>
-    <dgm:effectClrLst/>
-    <dgm:txLinClrLst/>
-    <dgm:txFillClrLst meth="repeat">
       <a:schemeClr val="dk1"/>
-    </dgm:txFillClrLst>
-    <dgm:txEffectClrLst/>
-  </dgm:styleLbl>
-  <dgm:styleLbl name="bgAccFollowNode1">
-    <dgm:fillClrLst meth="repeat">
-      <a:schemeClr val="accent1">
-        <a:alpha val="90000"/>
-        <a:tint val="40000"/>
-      </a:schemeClr>
-    </dgm:fillClrLst>
-    <dgm:linClrLst meth="repeat">
-      <a:schemeClr val="accent1">
-        <a:alpha val="90000"/>
-        <a:tint val="40000"/>
-      </a:schemeClr>
-    </dgm:linClrLst>
-    <dgm:effectClrLst/>
-    <dgm:txLinClrLst/>
-    <dgm:txFillClrLst meth="repeat">
-      <a:schemeClr val="dk1"/>
-    </dgm:txFillClrLst>
-    <dgm:txEffectClrLst/>
-  </dgm:styleLbl>
-  <dgm:styleLbl name="fgAcc0">
-    <dgm:fillClrLst meth="repeat">
-      <a:schemeClr val="lt1">
-        <a:alpha val="90000"/>
-      </a:schemeClr>
-    </dgm:fillClrLst>
-    <dgm:linClrLst meth="repeat">
-      <a:schemeClr val="accent1"/>
-    </dgm:linClrLst>
-    <dgm:effectClrLst/>
-    <dgm:txLinClrLst/>
-    <dgm:txFillClrLst meth="repeat">
-      <a:schemeClr val="dk1"/>
-    </dgm:txFillClrLst>
-    <dgm:txEffectClrLst/>
-  </dgm:styleLbl>
-  <dgm:styleLbl name="fgAcc2">
-    <dgm:fillClrLst meth="repeat">
-      <a:schemeClr val="lt1">
-        <a:alpha val="90000"/>
-      </a:schemeClr>
-    </dgm:fillClrLst>
-    <dgm:linClrLst meth="repeat">
-      <a:schemeClr val="accent1"/>
-    </dgm:linClrLst>
-    <dgm:effectClrLst/>
-    <dgm:txLinClrLst/>
-    <dgm:txFillClrLst meth="repeat">
-      <a:schemeClr val="dk1"/>
-    </dgm:txFillClrLst>
-    <dgm:txEffectClrLst/>
-  </dgm:styleLbl>
-  <dgm:styleLbl name="fgAcc3">
-    <dgm:fillClrLst meth="repeat">
-      <a:schemeClr val="lt1">
-        <a:alpha val="90000"/>
-      </a:schemeClr>
-    </dgm:fillClrLst>
-    <dgm:linClrLst meth="repeat">
-      <a:schemeClr val="accent1"/>
-    </dgm:linClrLst>
-    <dgm:effectClrLst/>
-    <dgm:txLinClrLst/>
-    <dgm:txFillClrLst meth="repeat">
-      <a:schemeClr val="dk1"/>
-    </dgm:txFillClrLst>
-    <dgm:txEffectClrLst/>
-  </dgm:styleLbl>
-  <dgm:styleLbl name="fgAcc4">
-    <dgm:fillClrLst meth="repeat">
-      <a:schemeClr val="lt1">
-        <a:alpha val="90000"/>
-      </a:schemeClr>
-    </dgm:fillClrLst>
-    <dgm:linClrLst meth="repeat">
-      <a:schemeClr val="accent1"/>
-    </dgm:linClrLst>
-    <dgm:effectClrLst/>
-    <dgm:txLinClrLst/>
-    <dgm:txFillClrLst meth="repeat">
-      <a:schemeClr val="dk1"/>
-    </dgm:txFillClrLst>
-    <dgm:txEffectClrLst/>
-  </dgm:styleLbl>
-  <dgm:styleLbl name="bgShp">
-    <dgm:fillClrLst meth="repeat">
-      <a:schemeClr val="accent1">
-        <a:tint val="40000"/>
-      </a:schemeClr>
-    </dgm:fillClrLst>
-    <dgm:linClrLst meth="repeat">
-      <a:schemeClr val="accent1"/>
-    </dgm:linClrLst>
-    <dgm:effectClrLst/>
-    <dgm:txLinClrLst/>
-    <dgm:txFillClrLst meth="repeat">
-      <a:schemeClr val="dk1"/>
-    </dgm:txFillClrLst>
-    <dgm:txEffectClrLst/>
-  </dgm:styleLbl>
-  <dgm:styleLbl name="dkBgShp">
-    <dgm:fillClrLst meth="repeat">
-      <a:schemeClr val="accent1">
-        <a:shade val="80000"/>
-      </a:schemeClr>
-    </dgm:fillClrLst>
-    <dgm:linClrLst meth="repeat">
-      <a:schemeClr val="accent1"/>
     </dgm:linClrLst>
     <dgm:effectClrLst/>
     <dgm:txLinClrLst/>
@@ -3005,7 +1923,7 @@
       </a:schemeClr>
     </dgm:fillClrLst>
     <dgm:linClrLst meth="repeat">
-      <a:schemeClr val="accent1"/>
+      <a:schemeClr val="accent2"/>
     </dgm:linClrLst>
     <dgm:effectClrLst/>
     <dgm:txLinClrLst/>
@@ -3016,8 +1934,8 @@
   </dgm:styleLbl>
   <dgm:styleLbl name="fgShp">
     <dgm:fillClrLst meth="repeat">
-      <a:schemeClr val="accent1">
-        <a:tint val="60000"/>
+      <a:schemeClr val="accent2">
+        <a:tint val="40000"/>
       </a:schemeClr>
     </dgm:fillClrLst>
     <dgm:linClrLst meth="repeat">
@@ -3515,34 +2433,67 @@
 <file path=ppt/diagrams/data2.xml><?xml version="1.0" encoding="utf-8"?>
 <dgm:dataModel xmlns:dgm="http://schemas.openxmlformats.org/drawingml/2006/diagram" xmlns:a="http://schemas.openxmlformats.org/drawingml/2006/main">
   <dgm:ptLst>
-    <dgm:pt modelId="{EB633A28-325E-4F3C-9D74-7B235343A885}" type="doc">
-      <dgm:prSet loTypeId="urn:microsoft.com/office/officeart/2008/layout/CircleAccentTimeline" loCatId="process" qsTypeId="urn:microsoft.com/office/officeart/2005/8/quickstyle/simple3" qsCatId="simple" csTypeId="urn:microsoft.com/office/officeart/2005/8/colors/accent1_2" csCatId="accent1" phldr="1"/>
+    <dgm:pt modelId="{E1B432F4-5FDB-4518-9272-2F3934AC6AA2}" type="doc">
+      <dgm:prSet loTypeId="urn:microsoft.com/office/officeart/2018/2/layout/IconVerticalSolidList" loCatId="icon" qsTypeId="urn:microsoft.com/office/officeart/2005/8/quickstyle/simple2" qsCatId="simple" csTypeId="urn:microsoft.com/office/officeart/2018/5/colors/Iconchunking_neutralbg_colorful1" csCatId="colorful" phldr="1"/>
       <dgm:spPr/>
       <dgm:t>
         <a:bodyPr rtlCol="0"/>
         <a:lstStyle/>
         <a:p>
           <a:pPr rtl="0"/>
-          <a:endParaRPr lang="en-ZA"/>
+          <a:endParaRPr lang="en-US"/>
         </a:p>
       </dgm:t>
     </dgm:pt>
-    <dgm:pt modelId="{BDB3E5F2-A63C-446D-94EF-53B51308F55B}">
-      <dgm:prSet phldrT="[Text]" custT="1"/>
+    <dgm:pt modelId="{B633A646-2062-4841-AF18-847B074C6716}">
+      <dgm:prSet/>
       <dgm:spPr/>
       <dgm:t>
         <a:bodyPr rtlCol="0"/>
         <a:lstStyle/>
         <a:p>
-          <a:pPr rtl="0"/>
+          <a:pPr>
+            <a:lnSpc>
+              <a:spcPct val="100000"/>
+            </a:lnSpc>
+          </a:pPr>
           <a:r>
-            <a:rPr lang="es-ES" sz="1800" b="1" noProof="0" dirty="0"/>
-            <a:t>Hito 1</a:t>
+            <a:rPr lang="es-ES" noProof="0" dirty="0">
+              <a:effectLst>
+                <a:glow rad="152400">
+                  <a:schemeClr val="bg1">
+                    <a:alpha val="19000"/>
+                  </a:schemeClr>
+                </a:glow>
+              </a:effectLst>
+            </a:rPr>
+            <a:t>Visualización con </a:t>
           </a:r>
+          <a:r>
+            <a:rPr lang="es-ES" noProof="0" dirty="0" err="1">
+              <a:effectLst>
+                <a:glow rad="152400">
+                  <a:schemeClr val="bg1">
+                    <a:alpha val="19000"/>
+                  </a:schemeClr>
+                </a:glow>
+              </a:effectLst>
+            </a:rPr>
+            <a:t>Shinny</a:t>
+          </a:r>
+          <a:endParaRPr lang="es-ES" noProof="0" dirty="0">
+            <a:effectLst>
+              <a:glow rad="152400">
+                <a:schemeClr val="bg1">
+                  <a:alpha val="19000"/>
+                </a:schemeClr>
+              </a:glow>
+            </a:effectLst>
+          </a:endParaRPr>
         </a:p>
       </dgm:t>
     </dgm:pt>
-    <dgm:pt modelId="{4DF81A4E-C143-4E1F-895C-805B7744E0C1}" type="parTrans" cxnId="{E841B976-DDCA-4F3C-A228-DC6A3A9DCEE8}">
+    <dgm:pt modelId="{DB4A5689-BD48-4D3D-8017-D1E3C49B0DDB}" type="parTrans" cxnId="{56ADA02B-9055-4F39-B74D-2D556F11DDB6}">
       <dgm:prSet/>
       <dgm:spPr/>
       <dgm:t>
@@ -3550,11 +2501,22 @@
         <a:lstStyle/>
         <a:p>
           <a:pPr rtl="0"/>
-          <a:endParaRPr lang="es-ES" sz="1800" noProof="0" dirty="0"/>
+          <a:endParaRPr lang="es-ES" noProof="0" dirty="0">
+            <a:solidFill>
+              <a:schemeClr val="bg1"/>
+            </a:solidFill>
+            <a:effectLst>
+              <a:glow rad="152400">
+                <a:schemeClr val="bg1">
+                  <a:alpha val="19000"/>
+                </a:schemeClr>
+              </a:glow>
+            </a:effectLst>
+          </a:endParaRPr>
         </a:p>
       </dgm:t>
     </dgm:pt>
-    <dgm:pt modelId="{22693710-A273-4DE3-B56B-501EBF8AAC16}" type="sibTrans" cxnId="{E841B976-DDCA-4F3C-A228-DC6A3A9DCEE8}">
+    <dgm:pt modelId="{1397C75F-5FD8-4120-9A24-A246D042942B}" type="sibTrans" cxnId="{56ADA02B-9055-4F39-B74D-2D556F11DDB6}">
       <dgm:prSet/>
       <dgm:spPr/>
       <dgm:t>
@@ -3562,26 +2524,49 @@
         <a:lstStyle/>
         <a:p>
           <a:pPr rtl="0"/>
-          <a:endParaRPr lang="es-ES" sz="1800" noProof="0" dirty="0"/>
+          <a:endParaRPr lang="es-ES" noProof="0" dirty="0">
+            <a:solidFill>
+              <a:schemeClr val="bg1"/>
+            </a:solidFill>
+            <a:effectLst>
+              <a:glow rad="152400">
+                <a:schemeClr val="bg1">
+                  <a:alpha val="19000"/>
+                </a:schemeClr>
+              </a:glow>
+            </a:effectLst>
+          </a:endParaRPr>
         </a:p>
       </dgm:t>
     </dgm:pt>
-    <dgm:pt modelId="{76F97871-E7EF-4C5A-A6CC-0AEA140887B0}">
-      <dgm:prSet phldrT="[Text]" custT="1"/>
+    <dgm:pt modelId="{14BC708E-A0A1-4102-88E4-E75128B4E51E}">
+      <dgm:prSet/>
       <dgm:spPr/>
       <dgm:t>
         <a:bodyPr rtlCol="0"/>
         <a:lstStyle/>
         <a:p>
-          <a:pPr rtl="0"/>
+          <a:pPr>
+            <a:lnSpc>
+              <a:spcPct val="100000"/>
+            </a:lnSpc>
+          </a:pPr>
           <a:r>
-            <a:rPr lang="es-ES" sz="1400" noProof="0" dirty="0"/>
-            <a:t> Planeación</a:t>
+            <a:rPr lang="es-ES" noProof="0" dirty="0">
+              <a:effectLst>
+                <a:glow rad="152400">
+                  <a:schemeClr val="bg1">
+                    <a:alpha val="19000"/>
+                  </a:schemeClr>
+                </a:glow>
+              </a:effectLst>
+            </a:rPr>
+            <a:t>Análisis por producto</a:t>
           </a:r>
         </a:p>
       </dgm:t>
     </dgm:pt>
-    <dgm:pt modelId="{AF4A39E6-5101-45C2-9ED9-1B4A4D161E75}" type="parTrans" cxnId="{C5CADE01-2D3E-4A22-8178-52BFE623515A}">
+    <dgm:pt modelId="{CF221EFF-354A-47A9-A498-1F0BBF01ECB8}" type="parTrans" cxnId="{EB9839C5-F324-41C4-8950-5284E09FB71E}">
       <dgm:prSet/>
       <dgm:spPr/>
       <dgm:t>
@@ -3589,11 +2574,22 @@
         <a:lstStyle/>
         <a:p>
           <a:pPr rtl="0"/>
-          <a:endParaRPr lang="es-ES" sz="1800" noProof="0" dirty="0"/>
+          <a:endParaRPr lang="es-ES" noProof="0" dirty="0">
+            <a:solidFill>
+              <a:schemeClr val="bg1"/>
+            </a:solidFill>
+            <a:effectLst>
+              <a:glow rad="152400">
+                <a:schemeClr val="bg1">
+                  <a:alpha val="19000"/>
+                </a:schemeClr>
+              </a:glow>
+            </a:effectLst>
+          </a:endParaRPr>
         </a:p>
       </dgm:t>
     </dgm:pt>
-    <dgm:pt modelId="{0B4A6094-6626-4B4C-A34C-3C817645D4D2}" type="sibTrans" cxnId="{C5CADE01-2D3E-4A22-8178-52BFE623515A}">
+    <dgm:pt modelId="{7519C821-85FB-4CA3-BEB5-E4BFBC529B83}" type="sibTrans" cxnId="{EB9839C5-F324-41C4-8950-5284E09FB71E}">
       <dgm:prSet/>
       <dgm:spPr/>
       <dgm:t>
@@ -3601,26 +2597,49 @@
         <a:lstStyle/>
         <a:p>
           <a:pPr rtl="0"/>
-          <a:endParaRPr lang="es-ES" sz="1800" noProof="0" dirty="0"/>
+          <a:endParaRPr lang="es-ES" noProof="0" dirty="0">
+            <a:solidFill>
+              <a:schemeClr val="bg1"/>
+            </a:solidFill>
+            <a:effectLst>
+              <a:glow rad="152400">
+                <a:schemeClr val="bg1">
+                  <a:alpha val="19000"/>
+                </a:schemeClr>
+              </a:glow>
+            </a:effectLst>
+          </a:endParaRPr>
         </a:p>
       </dgm:t>
     </dgm:pt>
-    <dgm:pt modelId="{B7B3E22D-F717-4E9C-866E-07DC0AAAF31D}">
-      <dgm:prSet phldrT="[Text]" custT="1"/>
+    <dgm:pt modelId="{C6D21269-399B-4BA2-8621-C7B9DA1E1B8F}">
+      <dgm:prSet/>
       <dgm:spPr/>
       <dgm:t>
         <a:bodyPr rtlCol="0"/>
         <a:lstStyle/>
         <a:p>
-          <a:pPr rtl="0"/>
+          <a:pPr>
+            <a:lnSpc>
+              <a:spcPct val="100000"/>
+            </a:lnSpc>
+          </a:pPr>
           <a:r>
-            <a:rPr lang="es-ES" sz="1400" noProof="0" dirty="0"/>
-            <a:t>Inversión inicial</a:t>
+            <a:rPr lang="es-ES" noProof="0" dirty="0">
+              <a:effectLst>
+                <a:glow rad="152400">
+                  <a:schemeClr val="bg1">
+                    <a:alpha val="19000"/>
+                  </a:schemeClr>
+                </a:glow>
+              </a:effectLst>
+            </a:rPr>
+            <a:t>Seguimiento del comercio exterior</a:t>
           </a:r>
         </a:p>
       </dgm:t>
     </dgm:pt>
-    <dgm:pt modelId="{F5B9D25D-B57A-4E96-8949-C8A2BD9993F2}" type="parTrans" cxnId="{2DE3C7CC-BC3D-4DC7-BDF4-E9EF00E2B35B}">
+    <dgm:pt modelId="{AA3929B3-1058-4240-AD5D-9518D4976567}" type="parTrans" cxnId="{E4AD895B-72A4-4A6B-A7F4-C77A53EC51BC}">
       <dgm:prSet/>
       <dgm:spPr/>
       <dgm:t>
@@ -3628,11 +2647,22 @@
         <a:lstStyle/>
         <a:p>
           <a:pPr rtl="0"/>
-          <a:endParaRPr lang="es-ES" sz="1800" noProof="0" dirty="0"/>
+          <a:endParaRPr lang="es-ES" noProof="0" dirty="0">
+            <a:solidFill>
+              <a:schemeClr val="bg1"/>
+            </a:solidFill>
+            <a:effectLst>
+              <a:glow rad="152400">
+                <a:schemeClr val="bg1">
+                  <a:alpha val="19000"/>
+                </a:schemeClr>
+              </a:glow>
+            </a:effectLst>
+          </a:endParaRPr>
         </a:p>
       </dgm:t>
     </dgm:pt>
-    <dgm:pt modelId="{23EEF184-9BDE-48DD-A4F5-B678462A2560}" type="sibTrans" cxnId="{2DE3C7CC-BC3D-4DC7-BDF4-E9EF00E2B35B}">
+    <dgm:pt modelId="{C79B0F2C-DDB4-44EB-89F7-717146B88B10}" type="sibTrans" cxnId="{E4AD895B-72A4-4A6B-A7F4-C77A53EC51BC}">
       <dgm:prSet/>
       <dgm:spPr/>
       <dgm:t>
@@ -3640,586 +2670,222 @@
         <a:lstStyle/>
         <a:p>
           <a:pPr rtl="0"/>
-          <a:endParaRPr lang="es-ES" sz="1800" noProof="0" dirty="0"/>
+          <a:endParaRPr lang="es-ES" noProof="0" dirty="0">
+            <a:solidFill>
+              <a:schemeClr val="bg1"/>
+            </a:solidFill>
+            <a:effectLst>
+              <a:glow rad="152400">
+                <a:schemeClr val="bg1">
+                  <a:alpha val="19000"/>
+                </a:schemeClr>
+              </a:glow>
+            </a:effectLst>
+          </a:endParaRPr>
         </a:p>
       </dgm:t>
     </dgm:pt>
-    <dgm:pt modelId="{90F27D1E-76E8-4AE9-AD01-BE57630B5110}">
-      <dgm:prSet phldrT="[Text]" custT="1"/>
-      <dgm:spPr/>
-      <dgm:t>
-        <a:bodyPr rtlCol="0"/>
-        <a:lstStyle/>
-        <a:p>
-          <a:pPr rtl="0"/>
-          <a:r>
-            <a:rPr lang="es-ES" sz="1800" b="1" noProof="0" dirty="0"/>
-            <a:t>Hito 2</a:t>
-          </a:r>
-        </a:p>
-      </dgm:t>
-    </dgm:pt>
-    <dgm:pt modelId="{7F336D41-A370-44FD-84FB-392EDC2E9628}" type="parTrans" cxnId="{D3495640-4F3F-4DC5-BE06-466CB73D04C6}">
-      <dgm:prSet/>
-      <dgm:spPr/>
-      <dgm:t>
-        <a:bodyPr rtlCol="0"/>
-        <a:lstStyle/>
-        <a:p>
-          <a:pPr rtl="0"/>
-          <a:endParaRPr lang="es-ES" sz="1800" noProof="0" dirty="0"/>
-        </a:p>
-      </dgm:t>
-    </dgm:pt>
-    <dgm:pt modelId="{08C679DB-4162-43E7-A484-512B3F99942F}" type="sibTrans" cxnId="{D3495640-4F3F-4DC5-BE06-466CB73D04C6}">
-      <dgm:prSet/>
-      <dgm:spPr/>
-      <dgm:t>
-        <a:bodyPr rtlCol="0"/>
-        <a:lstStyle/>
-        <a:p>
-          <a:pPr rtl="0"/>
-          <a:endParaRPr lang="es-ES" sz="1800" noProof="0" dirty="0"/>
-        </a:p>
-      </dgm:t>
-    </dgm:pt>
-    <dgm:pt modelId="{25F95D6A-DC03-42B0-9E2A-8BB3CFE35643}">
-      <dgm:prSet phldrT="[Text]" custT="1"/>
-      <dgm:spPr/>
-      <dgm:t>
-        <a:bodyPr rtlCol="0"/>
-        <a:lstStyle/>
-        <a:p>
-          <a:pPr rtl="0"/>
-          <a:r>
-            <a:rPr lang="es-ES" sz="1400" noProof="0" dirty="0"/>
-            <a:t>Segunda inversión</a:t>
-          </a:r>
-        </a:p>
-      </dgm:t>
-    </dgm:pt>
-    <dgm:pt modelId="{0E7A7D3B-1ED1-4188-B2CE-37328AF7B3CE}" type="parTrans" cxnId="{969D3802-D321-43DF-B9C7-B1F249CE5959}">
-      <dgm:prSet/>
-      <dgm:spPr/>
-      <dgm:t>
-        <a:bodyPr rtlCol="0"/>
-        <a:lstStyle/>
-        <a:p>
-          <a:pPr rtl="0"/>
-          <a:endParaRPr lang="es-ES" sz="1800" noProof="0" dirty="0"/>
-        </a:p>
-      </dgm:t>
-    </dgm:pt>
-    <dgm:pt modelId="{A9D1ACF8-1A40-4192-A99B-C5F10A879850}" type="sibTrans" cxnId="{969D3802-D321-43DF-B9C7-B1F249CE5959}">
-      <dgm:prSet/>
-      <dgm:spPr/>
-      <dgm:t>
-        <a:bodyPr rtlCol="0"/>
-        <a:lstStyle/>
-        <a:p>
-          <a:pPr rtl="0"/>
-          <a:endParaRPr lang="es-ES" sz="1800" noProof="0" dirty="0"/>
-        </a:p>
-      </dgm:t>
-    </dgm:pt>
-    <dgm:pt modelId="{26EFAA8C-070B-4368-AD8E-0E28971C7F1A}">
-      <dgm:prSet phldrT="[Text]" custT="1"/>
-      <dgm:spPr/>
-      <dgm:t>
-        <a:bodyPr rtlCol="0"/>
-        <a:lstStyle/>
-        <a:p>
-          <a:pPr rtl="0"/>
-          <a:r>
-            <a:rPr lang="es-ES" sz="1400" noProof="0" dirty="0"/>
-            <a:t>Devoluciones</a:t>
-          </a:r>
-        </a:p>
-      </dgm:t>
-    </dgm:pt>
-    <dgm:pt modelId="{A01B2D2D-7198-4763-8BE4-5AFAC35FACF3}" type="parTrans" cxnId="{2CD6D42C-39E1-4895-97BB-C277B6C3573D}">
-      <dgm:prSet/>
-      <dgm:spPr/>
-      <dgm:t>
-        <a:bodyPr rtlCol="0"/>
-        <a:lstStyle/>
-        <a:p>
-          <a:pPr rtl="0"/>
-          <a:endParaRPr lang="es-ES" sz="1800" noProof="0" dirty="0"/>
-        </a:p>
-      </dgm:t>
-    </dgm:pt>
-    <dgm:pt modelId="{ECF84BED-6721-47AA-8789-78E6BC6F68EC}" type="sibTrans" cxnId="{2CD6D42C-39E1-4895-97BB-C277B6C3573D}">
-      <dgm:prSet/>
-      <dgm:spPr/>
-      <dgm:t>
-        <a:bodyPr rtlCol="0"/>
-        <a:lstStyle/>
-        <a:p>
-          <a:pPr rtl="0"/>
-          <a:endParaRPr lang="es-ES" sz="1800" noProof="0" dirty="0"/>
-        </a:p>
-      </dgm:t>
-    </dgm:pt>
-    <dgm:pt modelId="{3BF4C92A-BE32-4130-AB21-90FA76812967}">
-      <dgm:prSet phldrT="[Text]" custT="1"/>
-      <dgm:spPr/>
-      <dgm:t>
-        <a:bodyPr rtlCol="0"/>
-        <a:lstStyle/>
-        <a:p>
-          <a:pPr rtl="0"/>
-          <a:r>
-            <a:rPr lang="es-ES" sz="1400" noProof="0" dirty="0"/>
-            <a:t>Comunicación</a:t>
-          </a:r>
-        </a:p>
-      </dgm:t>
-    </dgm:pt>
-    <dgm:pt modelId="{45145B60-B4CF-43C8-A090-77DD0F136CC3}" type="parTrans" cxnId="{74F39EB6-5C16-4483-8C84-81EE935A34AB}">
-      <dgm:prSet/>
-      <dgm:spPr/>
-      <dgm:t>
-        <a:bodyPr rtlCol="0"/>
-        <a:lstStyle/>
-        <a:p>
-          <a:pPr rtl="0"/>
-          <a:endParaRPr lang="es-ES" noProof="0" dirty="0"/>
-        </a:p>
-      </dgm:t>
-    </dgm:pt>
-    <dgm:pt modelId="{36BE8B1F-5183-4B05-9C94-6A3B4937697A}" type="sibTrans" cxnId="{74F39EB6-5C16-4483-8C84-81EE935A34AB}">
-      <dgm:prSet/>
-      <dgm:spPr/>
-      <dgm:t>
-        <a:bodyPr rtlCol="0"/>
-        <a:lstStyle/>
-        <a:p>
-          <a:pPr rtl="0"/>
-          <a:endParaRPr lang="es-ES" noProof="0" dirty="0"/>
-        </a:p>
-      </dgm:t>
-    </dgm:pt>
-    <dgm:pt modelId="{4194F495-0B49-4686-B89E-B97A23BB18B4}" type="pres">
-      <dgm:prSet presAssocID="{EB633A28-325E-4F3C-9D74-7B235343A885}" presName="Name0" presStyleCnt="0">
+    <dgm:pt modelId="{D40A0249-41A7-44A6-A657-361E8C18FD42}" type="pres">
+      <dgm:prSet presAssocID="{E1B432F4-5FDB-4518-9272-2F3934AC6AA2}" presName="root" presStyleCnt="0">
         <dgm:presLayoutVars>
           <dgm:dir/>
+          <dgm:resizeHandles val="exact"/>
         </dgm:presLayoutVars>
       </dgm:prSet>
       <dgm:spPr/>
     </dgm:pt>
-    <dgm:pt modelId="{72BA280D-2F57-47BB-AE67-6C6F9DCEF2B7}" type="pres">
-      <dgm:prSet presAssocID="{BDB3E5F2-A63C-446D-94EF-53B51308F55B}" presName="parComposite" presStyleCnt="0"/>
+    <dgm:pt modelId="{7D1F47A2-8F6C-4C7F-B3B3-2100C986DE32}" type="pres">
+      <dgm:prSet presAssocID="{B633A646-2062-4841-AF18-847B074C6716}" presName="compNode" presStyleCnt="0"/>
       <dgm:spPr/>
     </dgm:pt>
-    <dgm:pt modelId="{A85A93E5-AB9A-439C-9142-AD5A4BFF47F6}" type="pres">
-      <dgm:prSet presAssocID="{BDB3E5F2-A63C-446D-94EF-53B51308F55B}" presName="parBigCircle" presStyleLbl="node0" presStyleIdx="0" presStyleCnt="2"/>
+    <dgm:pt modelId="{EC4D957C-BFAC-446D-9573-48333BEC34E6}" type="pres">
+      <dgm:prSet presAssocID="{B633A646-2062-4841-AF18-847B074C6716}" presName="bgRect" presStyleLbl="bgShp" presStyleIdx="0" presStyleCnt="3" custLinFactNeighborY="-8474"/>
       <dgm:spPr>
-        <a:gradFill rotWithShape="0">
-          <a:gsLst>
-            <a:gs pos="0">
-              <a:schemeClr val="accent1">
-                <a:lumMod val="20000"/>
-                <a:lumOff val="80000"/>
-              </a:schemeClr>
-            </a:gs>
-            <a:gs pos="100000">
-              <a:schemeClr val="accent1"/>
-            </a:gs>
-          </a:gsLst>
-        </a:gradFill>
-        <a:scene3d>
-          <a:camera prst="orthographicFront"/>
-          <a:lightRig rig="flat" dir="t"/>
-        </a:scene3d>
-        <a:sp3d prstMaterial="dkEdge"/>
+        <a:prstGeom prst="rect">
+          <a:avLst/>
+        </a:prstGeom>
       </dgm:spPr>
     </dgm:pt>
-    <dgm:pt modelId="{54C7621A-D6FD-4F3F-A78E-16DC33A75367}" type="pres">
-      <dgm:prSet presAssocID="{BDB3E5F2-A63C-446D-94EF-53B51308F55B}" presName="parTx" presStyleLbl="revTx" presStyleIdx="0" presStyleCnt="12" custLinFactNeighborY="-10479"/>
+    <dgm:pt modelId="{BE6B2CCF-B717-4C6F-9115-44EF0ECE6018}" type="pres">
+      <dgm:prSet presAssocID="{B633A646-2062-4841-AF18-847B074C6716}" presName="iconRect" presStyleLbl="node1" presStyleIdx="0" presStyleCnt="3" custScaleX="75132" custScaleY="75132"/>
+      <dgm:spPr>
+        <a:blipFill>
+          <a:blip xmlns:r="http://schemas.openxmlformats.org/officeDocument/2006/relationships" r:embed="rId1">
+            <a:extLst>
+              <a:ext uri="{96DAC541-7B7A-43D3-8B79-37D633B846F1}">
+                <asvg:svgBlip xmlns:asvg="http://schemas.microsoft.com/office/drawing/2016/SVG/main" r:embed="rId2"/>
+              </a:ext>
+            </a:extLst>
+          </a:blip>
+          <a:srcRect/>
+          <a:stretch>
+            <a:fillRect/>
+          </a:stretch>
+        </a:blipFill>
+      </dgm:spPr>
+      <dgm:extLst>
+        <a:ext uri="{E40237B7-FDA0-4F09-8148-C483321AD2D9}">
+          <dgm14:cNvPr xmlns:dgm14="http://schemas.microsoft.com/office/drawing/2010/diagram" id="0" name="" descr="Gafas 3D con relleno sólido"/>
+        </a:ext>
+      </dgm:extLst>
+    </dgm:pt>
+    <dgm:pt modelId="{95420642-092B-41B9-94FA-E0EC36F9AF7E}" type="pres">
+      <dgm:prSet presAssocID="{B633A646-2062-4841-AF18-847B074C6716}" presName="spaceRect" presStyleCnt="0"/>
       <dgm:spPr/>
     </dgm:pt>
-    <dgm:pt modelId="{881FE880-CBDD-4C9E-976D-9F4A6678AD39}" type="pres">
-      <dgm:prSet presAssocID="{BDB3E5F2-A63C-446D-94EF-53B51308F55B}" presName="bSpace" presStyleCnt="0"/>
-      <dgm:spPr/>
-    </dgm:pt>
-    <dgm:pt modelId="{7A6036F4-EEA5-4903-9DE5-D9694BAEBE8F}" type="pres">
-      <dgm:prSet presAssocID="{BDB3E5F2-A63C-446D-94EF-53B51308F55B}" presName="parBackupNorm" presStyleCnt="0"/>
-      <dgm:spPr/>
-    </dgm:pt>
-    <dgm:pt modelId="{5A15437C-29B6-45E4-ABC8-804D55EA2C12}" type="pres">
-      <dgm:prSet presAssocID="{22693710-A273-4DE3-B56B-501EBF8AAC16}" presName="parSpace" presStyleCnt="0"/>
-      <dgm:spPr/>
-    </dgm:pt>
-    <dgm:pt modelId="{4521085B-57FF-4187-965D-FA4F9834B060}" type="pres">
-      <dgm:prSet presAssocID="{76F97871-E7EF-4C5A-A6CC-0AEA140887B0}" presName="desBackupLeftNorm" presStyleCnt="0"/>
-      <dgm:spPr/>
-    </dgm:pt>
-    <dgm:pt modelId="{D6F2FDF2-4FC9-4898-B249-F15720FF4B93}" type="pres">
-      <dgm:prSet presAssocID="{76F97871-E7EF-4C5A-A6CC-0AEA140887B0}" presName="desComposite" presStyleCnt="0"/>
-      <dgm:spPr/>
-    </dgm:pt>
-    <dgm:pt modelId="{72AEB429-AFAD-4F8B-877D-CB3A79995C59}" type="pres">
-      <dgm:prSet presAssocID="{76F97871-E7EF-4C5A-A6CC-0AEA140887B0}" presName="desCircle" presStyleLbl="node1" presStyleIdx="0" presStyleCnt="5" custScaleX="57973" custScaleY="57973"/>
-      <dgm:spPr>
-        <a:noFill/>
-        <a:ln w="19050">
-          <a:solidFill>
-            <a:schemeClr val="bg1">
-              <a:lumMod val="75000"/>
-            </a:schemeClr>
-          </a:solidFill>
-        </a:ln>
-        <a:scene3d>
-          <a:camera prst="orthographicFront"/>
-          <a:lightRig rig="flat" dir="t"/>
-        </a:scene3d>
-        <a:sp3d prstMaterial="dkEdge"/>
-      </dgm:spPr>
-    </dgm:pt>
-    <dgm:pt modelId="{6749C0EA-1B99-400E-B5E9-7F9E3C47DF67}" type="pres">
-      <dgm:prSet presAssocID="{76F97871-E7EF-4C5A-A6CC-0AEA140887B0}" presName="chTx" presStyleLbl="revTx" presStyleIdx="1" presStyleCnt="12" custLinFactNeighborY="5306"/>
-      <dgm:spPr/>
-    </dgm:pt>
-    <dgm:pt modelId="{D74D6160-1F48-48F0-82A2-4366561C4041}" type="pres">
-      <dgm:prSet presAssocID="{76F97871-E7EF-4C5A-A6CC-0AEA140887B0}" presName="desTx" presStyleLbl="revTx" presStyleIdx="2" presStyleCnt="12">
+    <dgm:pt modelId="{C95AF6F0-F4DA-48FE-85EB-61ADFB42AA13}" type="pres">
+      <dgm:prSet presAssocID="{B633A646-2062-4841-AF18-847B074C6716}" presName="parTx" presStyleLbl="revTx" presStyleIdx="0" presStyleCnt="3">
         <dgm:presLayoutVars>
-          <dgm:bulletEnabled val="1"/>
+          <dgm:chMax val="0"/>
+          <dgm:chPref val="0"/>
         </dgm:presLayoutVars>
       </dgm:prSet>
       <dgm:spPr/>
     </dgm:pt>
-    <dgm:pt modelId="{660F1FA7-DA77-4396-B8D6-22808B8616BE}" type="pres">
-      <dgm:prSet presAssocID="{76F97871-E7EF-4C5A-A6CC-0AEA140887B0}" presName="desBackupRightNorm" presStyleCnt="0"/>
+    <dgm:pt modelId="{51DD96AA-8DD7-4B07-A561-5C9B41ACFA3C}" type="pres">
+      <dgm:prSet presAssocID="{1397C75F-5FD8-4120-9A24-A246D042942B}" presName="sibTrans" presStyleCnt="0"/>
       <dgm:spPr/>
     </dgm:pt>
-    <dgm:pt modelId="{D9DB7CED-9F6A-410E-A044-A80D83E84995}" type="pres">
-      <dgm:prSet presAssocID="{0B4A6094-6626-4B4C-A34C-3C817645D4D2}" presName="desSpace" presStyleCnt="0"/>
+    <dgm:pt modelId="{38E06421-A6BB-4D10-8565-2812C2C5C6B3}" type="pres">
+      <dgm:prSet presAssocID="{14BC708E-A0A1-4102-88E4-E75128B4E51E}" presName="compNode" presStyleCnt="0"/>
       <dgm:spPr/>
     </dgm:pt>
-    <dgm:pt modelId="{864F737A-FA72-4B29-B184-6439EF74AAF7}" type="pres">
-      <dgm:prSet presAssocID="{B7B3E22D-F717-4E9C-866E-07DC0AAAF31D}" presName="desBackupLeftNorm" presStyleCnt="0"/>
+    <dgm:pt modelId="{79919C57-A32A-40F6-B106-B4E0CE644E4C}" type="pres">
+      <dgm:prSet presAssocID="{14BC708E-A0A1-4102-88E4-E75128B4E51E}" presName="bgRect" presStyleLbl="bgShp" presStyleIdx="1" presStyleCnt="3" custLinFactNeighborY="-16591"/>
+      <dgm:spPr>
+        <a:xfrm>
+          <a:off x="0" y="1760029"/>
+          <a:ext cx="5607050" cy="1407541"/>
+        </a:xfrm>
+        <a:prstGeom prst="rect">
+          <a:avLst/>
+        </a:prstGeom>
+      </dgm:spPr>
+    </dgm:pt>
+    <dgm:pt modelId="{99FDF55F-B3E9-423D-AD21-A6446C5D7455}" type="pres">
+      <dgm:prSet presAssocID="{14BC708E-A0A1-4102-88E4-E75128B4E51E}" presName="iconRect" presStyleLbl="node1" presStyleIdx="1" presStyleCnt="3" custScaleX="75132" custScaleY="75132" custLinFactNeighborX="-5898" custLinFactNeighborY="-35112"/>
+      <dgm:spPr>
+        <a:blipFill>
+          <a:blip xmlns:r="http://schemas.openxmlformats.org/officeDocument/2006/relationships" r:embed="rId3">
+            <a:extLst>
+              <a:ext uri="{96DAC541-7B7A-43D3-8B79-37D633B846F1}">
+                <asvg:svgBlip xmlns:asvg="http://schemas.microsoft.com/office/drawing/2016/SVG/main" r:embed="rId4"/>
+              </a:ext>
+            </a:extLst>
+          </a:blip>
+          <a:srcRect/>
+          <a:stretch>
+            <a:fillRect/>
+          </a:stretch>
+        </a:blipFill>
+      </dgm:spPr>
+      <dgm:extLst>
+        <a:ext uri="{E40237B7-FDA0-4F09-8148-C483321AD2D9}">
+          <dgm14:cNvPr xmlns:dgm14="http://schemas.microsoft.com/office/drawing/2010/diagram" id="0" name="" descr="Manzana contorno"/>
+        </a:ext>
+      </dgm:extLst>
+    </dgm:pt>
+    <dgm:pt modelId="{E98BD5F1-E6F1-491F-A8EE-6A9AD649521E}" type="pres">
+      <dgm:prSet presAssocID="{14BC708E-A0A1-4102-88E4-E75128B4E51E}" presName="spaceRect" presStyleCnt="0"/>
       <dgm:spPr/>
     </dgm:pt>
-    <dgm:pt modelId="{6A2CAB2B-C7B1-493E-A71F-E3B5B573893C}" type="pres">
-      <dgm:prSet presAssocID="{B7B3E22D-F717-4E9C-866E-07DC0AAAF31D}" presName="desComposite" presStyleCnt="0"/>
-      <dgm:spPr/>
-    </dgm:pt>
-    <dgm:pt modelId="{8B67CF79-00AA-4519-A733-8B3C247B2366}" type="pres">
-      <dgm:prSet presAssocID="{B7B3E22D-F717-4E9C-866E-07DC0AAAF31D}" presName="desCircle" presStyleLbl="node1" presStyleIdx="1" presStyleCnt="5" custScaleX="57973" custScaleY="57973"/>
-      <dgm:spPr>
-        <a:xfrm>
-          <a:off x="2000224" y="2947927"/>
-          <a:ext cx="620974" cy="620974"/>
-        </a:xfrm>
-        <a:prstGeom prst="ellipse">
-          <a:avLst/>
-        </a:prstGeom>
-        <a:noFill/>
-        <a:ln w="19050">
-          <a:solidFill>
-            <a:schemeClr val="bg1">
-              <a:lumMod val="75000"/>
-            </a:schemeClr>
-          </a:solidFill>
-        </a:ln>
-        <a:effectLst/>
-        <a:scene3d>
-          <a:camera prst="orthographicFront"/>
-          <a:lightRig rig="flat" dir="t"/>
-        </a:scene3d>
-        <a:sp3d prstMaterial="dkEdge"/>
-      </dgm:spPr>
-    </dgm:pt>
-    <dgm:pt modelId="{713CAC38-2807-4574-93E9-2BD9E3D32931}" type="pres">
-      <dgm:prSet presAssocID="{B7B3E22D-F717-4E9C-866E-07DC0AAAF31D}" presName="chTx" presStyleLbl="revTx" presStyleIdx="3" presStyleCnt="12" custLinFactNeighborY="5306"/>
-      <dgm:spPr/>
-    </dgm:pt>
-    <dgm:pt modelId="{E34EC4A5-7504-473F-BCC0-A5B138B3F9BD}" type="pres">
-      <dgm:prSet presAssocID="{B7B3E22D-F717-4E9C-866E-07DC0AAAF31D}" presName="desTx" presStyleLbl="revTx" presStyleIdx="4" presStyleCnt="12">
+    <dgm:pt modelId="{80F6AD63-74FB-40E4-9D40-4178AFD87F60}" type="pres">
+      <dgm:prSet presAssocID="{14BC708E-A0A1-4102-88E4-E75128B4E51E}" presName="parTx" presStyleLbl="revTx" presStyleIdx="1" presStyleCnt="3" custLinFactNeighborX="0" custLinFactNeighborY="-16590">
         <dgm:presLayoutVars>
-          <dgm:bulletEnabled val="1"/>
+          <dgm:chMax val="0"/>
+          <dgm:chPref val="0"/>
         </dgm:presLayoutVars>
       </dgm:prSet>
       <dgm:spPr/>
     </dgm:pt>
-    <dgm:pt modelId="{BAE4CFDA-115B-48C3-BC5B-0C57E123303D}" type="pres">
-      <dgm:prSet presAssocID="{B7B3E22D-F717-4E9C-866E-07DC0AAAF31D}" presName="desBackupRightNorm" presStyleCnt="0"/>
+    <dgm:pt modelId="{1375F890-B8F8-4966-ABCD-B672FD4512B7}" type="pres">
+      <dgm:prSet presAssocID="{7519C821-85FB-4CA3-BEB5-E4BFBC529B83}" presName="sibTrans" presStyleCnt="0"/>
       <dgm:spPr/>
     </dgm:pt>
-    <dgm:pt modelId="{299BEAB5-09C2-4DD9-8445-0C348B128F80}" type="pres">
-      <dgm:prSet presAssocID="{23EEF184-9BDE-48DD-A4F5-B678462A2560}" presName="desSpace" presStyleCnt="0"/>
+    <dgm:pt modelId="{9887B295-B446-4B8E-AEA4-76754DE9DD89}" type="pres">
+      <dgm:prSet presAssocID="{C6D21269-399B-4BA2-8621-C7B9DA1E1B8F}" presName="compNode" presStyleCnt="0"/>
       <dgm:spPr/>
     </dgm:pt>
-    <dgm:pt modelId="{DFFB04B7-67A0-4390-B208-09B0F7490460}" type="pres">
-      <dgm:prSet presAssocID="{3BF4C92A-BE32-4130-AB21-90FA76812967}" presName="desBackupLeftNorm" presStyleCnt="0"/>
+    <dgm:pt modelId="{436A8B1C-2D30-44BB-9150-7099503C8960}" type="pres">
+      <dgm:prSet presAssocID="{C6D21269-399B-4BA2-8621-C7B9DA1E1B8F}" presName="bgRect" presStyleLbl="bgShp" presStyleIdx="2" presStyleCnt="3" custLinFactNeighborY="-28866"/>
+      <dgm:spPr>
+        <a:xfrm>
+          <a:off x="0" y="3519456"/>
+          <a:ext cx="5607050" cy="1407541"/>
+        </a:xfrm>
+        <a:prstGeom prst="rect">
+          <a:avLst/>
+        </a:prstGeom>
+      </dgm:spPr>
+    </dgm:pt>
+    <dgm:pt modelId="{1A8B8B62-3037-4506-89D7-28710774070B}" type="pres">
+      <dgm:prSet presAssocID="{C6D21269-399B-4BA2-8621-C7B9DA1E1B8F}" presName="iconRect" presStyleLbl="node1" presStyleIdx="2" presStyleCnt="3" custScaleX="68302" custScaleY="68302" custLinFactNeighborX="-9313" custLinFactNeighborY="-46783"/>
+      <dgm:spPr>
+        <a:blipFill>
+          <a:blip xmlns:r="http://schemas.openxmlformats.org/officeDocument/2006/relationships" r:embed="rId5">
+            <a:extLst>
+              <a:ext uri="{96DAC541-7B7A-43D3-8B79-37D633B846F1}">
+                <asvg:svgBlip xmlns:asvg="http://schemas.microsoft.com/office/drawing/2016/SVG/main" r:embed="rId6"/>
+              </a:ext>
+            </a:extLst>
+          </a:blip>
+          <a:srcRect/>
+          <a:stretch>
+            <a:fillRect/>
+          </a:stretch>
+        </a:blipFill>
+      </dgm:spPr>
+      <dgm:extLst>
+        <a:ext uri="{E40237B7-FDA0-4F09-8148-C483321AD2D9}">
+          <dgm14:cNvPr xmlns:dgm14="http://schemas.microsoft.com/office/drawing/2010/diagram" id="0" name="" descr="Cesta de la compra contorno"/>
+        </a:ext>
+      </dgm:extLst>
+    </dgm:pt>
+    <dgm:pt modelId="{2FFC6342-A780-4396-8FAC-8E7FAE77A6E2}" type="pres">
+      <dgm:prSet presAssocID="{C6D21269-399B-4BA2-8621-C7B9DA1E1B8F}" presName="spaceRect" presStyleCnt="0"/>
       <dgm:spPr/>
     </dgm:pt>
-    <dgm:pt modelId="{7F1386DD-3F5F-40D1-855C-3AA0BEF67EEA}" type="pres">
-      <dgm:prSet presAssocID="{3BF4C92A-BE32-4130-AB21-90FA76812967}" presName="desComposite" presStyleCnt="0"/>
-      <dgm:spPr/>
-    </dgm:pt>
-    <dgm:pt modelId="{1B7B2673-0339-44E0-8C0E-95BA89778014}" type="pres">
-      <dgm:prSet presAssocID="{3BF4C92A-BE32-4130-AB21-90FA76812967}" presName="desCircle" presStyleLbl="node1" presStyleIdx="2" presStyleCnt="5" custScaleX="57973" custScaleY="57973"/>
-      <dgm:spPr>
-        <a:xfrm>
-          <a:off x="2711215" y="2947927"/>
-          <a:ext cx="620974" cy="620974"/>
-        </a:xfrm>
-        <a:prstGeom prst="ellipse">
-          <a:avLst/>
-        </a:prstGeom>
-        <a:noFill/>
-        <a:ln w="19050">
-          <a:solidFill>
-            <a:schemeClr val="bg1">
-              <a:lumMod val="75000"/>
-            </a:schemeClr>
-          </a:solidFill>
-        </a:ln>
-        <a:effectLst/>
-        <a:scene3d>
-          <a:camera prst="orthographicFront"/>
-          <a:lightRig rig="flat" dir="t"/>
-        </a:scene3d>
-        <a:sp3d prstMaterial="dkEdge"/>
-      </dgm:spPr>
-    </dgm:pt>
-    <dgm:pt modelId="{D9AE80C5-FF95-4AE8-B7A0-6BF19841CD23}" type="pres">
-      <dgm:prSet presAssocID="{3BF4C92A-BE32-4130-AB21-90FA76812967}" presName="chTx" presStyleLbl="revTx" presStyleIdx="5" presStyleCnt="12" custLinFactNeighborY="5306"/>
-      <dgm:spPr/>
-    </dgm:pt>
-    <dgm:pt modelId="{036203D8-CFB2-4A4A-BB12-FCFFFB4534F3}" type="pres">
-      <dgm:prSet presAssocID="{3BF4C92A-BE32-4130-AB21-90FA76812967}" presName="desTx" presStyleLbl="revTx" presStyleIdx="6" presStyleCnt="12">
+    <dgm:pt modelId="{D5847293-6F0A-4807-B203-585610F4F535}" type="pres">
+      <dgm:prSet presAssocID="{C6D21269-399B-4BA2-8621-C7B9DA1E1B8F}" presName="parTx" presStyleLbl="revTx" presStyleIdx="2" presStyleCnt="3" custLinFactNeighborX="0" custLinFactNeighborY="-28866">
         <dgm:presLayoutVars>
-          <dgm:bulletEnabled val="1"/>
+          <dgm:chMax val="0"/>
+          <dgm:chPref val="0"/>
         </dgm:presLayoutVars>
       </dgm:prSet>
       <dgm:spPr/>
     </dgm:pt>
-    <dgm:pt modelId="{4A66CCD4-E4C0-46DF-A8CB-F5BEBA8D65DB}" type="pres">
-      <dgm:prSet presAssocID="{3BF4C92A-BE32-4130-AB21-90FA76812967}" presName="desBackupRightNorm" presStyleCnt="0"/>
-      <dgm:spPr/>
-    </dgm:pt>
-    <dgm:pt modelId="{F233BC77-65F9-4193-BBB4-BA224B8DC6D8}" type="pres">
-      <dgm:prSet presAssocID="{36BE8B1F-5183-4B05-9C94-6A3B4937697A}" presName="desSpace" presStyleCnt="0"/>
-      <dgm:spPr/>
-    </dgm:pt>
-    <dgm:pt modelId="{BB2FC4C1-DE0C-4007-94FF-07B09E2F45FC}" type="pres">
-      <dgm:prSet presAssocID="{90F27D1E-76E8-4AE9-AD01-BE57630B5110}" presName="parComposite" presStyleCnt="0"/>
-      <dgm:spPr/>
-    </dgm:pt>
-    <dgm:pt modelId="{1D3B3624-0AA7-4260-AE86-8595E24ED09E}" type="pres">
-      <dgm:prSet presAssocID="{90F27D1E-76E8-4AE9-AD01-BE57630B5110}" presName="parBigCircle" presStyleLbl="node0" presStyleIdx="1" presStyleCnt="2"/>
-      <dgm:spPr>
-        <a:gradFill rotWithShape="0">
-          <a:gsLst>
-            <a:gs pos="0">
-              <a:schemeClr val="tx2"/>
-            </a:gs>
-            <a:gs pos="100000">
-              <a:schemeClr val="tx2">
-                <a:lumMod val="50000"/>
-              </a:schemeClr>
-            </a:gs>
-          </a:gsLst>
-        </a:gradFill>
-      </dgm:spPr>
-    </dgm:pt>
-    <dgm:pt modelId="{E648DC65-DF54-488E-83A7-B6467C479D02}" type="pres">
-      <dgm:prSet presAssocID="{90F27D1E-76E8-4AE9-AD01-BE57630B5110}" presName="parTx" presStyleLbl="revTx" presStyleIdx="7" presStyleCnt="12" custLinFactNeighborY="-10479"/>
-      <dgm:spPr/>
-    </dgm:pt>
-    <dgm:pt modelId="{397B2BC9-2DC7-4323-A973-8EBE6C5525E1}" type="pres">
-      <dgm:prSet presAssocID="{90F27D1E-76E8-4AE9-AD01-BE57630B5110}" presName="bSpace" presStyleCnt="0"/>
-      <dgm:spPr/>
-    </dgm:pt>
-    <dgm:pt modelId="{EE0415B3-96F2-4DB9-B6AD-89D235C03A43}" type="pres">
-      <dgm:prSet presAssocID="{90F27D1E-76E8-4AE9-AD01-BE57630B5110}" presName="parBackupNorm" presStyleCnt="0"/>
-      <dgm:spPr/>
-    </dgm:pt>
-    <dgm:pt modelId="{8A2CF88D-EAB5-4031-81BE-BD70FF155C41}" type="pres">
-      <dgm:prSet presAssocID="{08C679DB-4162-43E7-A484-512B3F99942F}" presName="parSpace" presStyleCnt="0"/>
-      <dgm:spPr/>
-    </dgm:pt>
-    <dgm:pt modelId="{0164AEFD-1143-4899-AE17-946914F9D91B}" type="pres">
-      <dgm:prSet presAssocID="{25F95D6A-DC03-42B0-9E2A-8BB3CFE35643}" presName="desBackupLeftNorm" presStyleCnt="0"/>
-      <dgm:spPr/>
-    </dgm:pt>
-    <dgm:pt modelId="{74D01DDB-BEC1-43BC-AC8F-8E2EB8FCA24C}" type="pres">
-      <dgm:prSet presAssocID="{25F95D6A-DC03-42B0-9E2A-8BB3CFE35643}" presName="desComposite" presStyleCnt="0"/>
-      <dgm:spPr/>
-    </dgm:pt>
-    <dgm:pt modelId="{2E456752-9A8D-4597-8B9D-1337E2E3BB15}" type="pres">
-      <dgm:prSet presAssocID="{25F95D6A-DC03-42B0-9E2A-8BB3CFE35643}" presName="desCircle" presStyleLbl="node1" presStyleIdx="3" presStyleCnt="5" custScaleX="57973" custScaleY="57973" custLinFactNeighborY="32092"/>
-      <dgm:spPr>
-        <a:xfrm>
-          <a:off x="4907359" y="2948399"/>
-          <a:ext cx="620974" cy="620974"/>
-        </a:xfrm>
-        <a:prstGeom prst="ellipse">
-          <a:avLst/>
-        </a:prstGeom>
-        <a:noFill/>
-        <a:ln w="19050">
-          <a:solidFill>
-            <a:schemeClr val="bg1">
-              <a:lumMod val="75000"/>
-            </a:schemeClr>
-          </a:solidFill>
-        </a:ln>
-        <a:effectLst/>
-        <a:scene3d>
-          <a:camera prst="orthographicFront"/>
-          <a:lightRig rig="flat" dir="t"/>
-        </a:scene3d>
-        <a:sp3d prstMaterial="dkEdge"/>
-      </dgm:spPr>
-    </dgm:pt>
-    <dgm:pt modelId="{DB3BF36B-C726-491E-B973-D7822FF7B562}" type="pres">
-      <dgm:prSet presAssocID="{25F95D6A-DC03-42B0-9E2A-8BB3CFE35643}" presName="chTx" presStyleLbl="revTx" presStyleIdx="8" presStyleCnt="12" custScaleX="135919" custScaleY="127843" custLinFactNeighborX="488" custLinFactNeighborY="29683"/>
-      <dgm:spPr/>
-    </dgm:pt>
-    <dgm:pt modelId="{36887002-B3D0-42CD-A990-923EC387A697}" type="pres">
-      <dgm:prSet presAssocID="{25F95D6A-DC03-42B0-9E2A-8BB3CFE35643}" presName="desTx" presStyleLbl="revTx" presStyleIdx="9" presStyleCnt="12">
-        <dgm:presLayoutVars>
-          <dgm:bulletEnabled val="1"/>
-        </dgm:presLayoutVars>
-      </dgm:prSet>
-      <dgm:spPr/>
-    </dgm:pt>
-    <dgm:pt modelId="{B961B91F-2EBD-4DE8-BE5E-77E7BB85C06A}" type="pres">
-      <dgm:prSet presAssocID="{25F95D6A-DC03-42B0-9E2A-8BB3CFE35643}" presName="desBackupRightNorm" presStyleCnt="0"/>
-      <dgm:spPr/>
-    </dgm:pt>
-    <dgm:pt modelId="{AD21AC62-D464-4768-A2F6-D755B97237D7}" type="pres">
-      <dgm:prSet presAssocID="{A9D1ACF8-1A40-4192-A99B-C5F10A879850}" presName="desSpace" presStyleCnt="0"/>
-      <dgm:spPr/>
-    </dgm:pt>
-    <dgm:pt modelId="{34AF417E-99ED-402F-A980-B6140588A2C9}" type="pres">
-      <dgm:prSet presAssocID="{26EFAA8C-070B-4368-AD8E-0E28971C7F1A}" presName="desBackupLeftNorm" presStyleCnt="0"/>
-      <dgm:spPr/>
-    </dgm:pt>
-    <dgm:pt modelId="{4C1CC8BA-FA5F-47D2-A1F0-699E90D9D818}" type="pres">
-      <dgm:prSet presAssocID="{26EFAA8C-070B-4368-AD8E-0E28971C7F1A}" presName="desComposite" presStyleCnt="0"/>
-      <dgm:spPr/>
-    </dgm:pt>
-    <dgm:pt modelId="{EE45DA57-5C87-4318-9528-38910594B01E}" type="pres">
-      <dgm:prSet presAssocID="{26EFAA8C-070B-4368-AD8E-0E28971C7F1A}" presName="desCircle" presStyleLbl="node1" presStyleIdx="4" presStyleCnt="5" custScaleX="57973" custScaleY="57973"/>
-      <dgm:spPr>
-        <a:xfrm>
-          <a:off x="5618350" y="2947927"/>
-          <a:ext cx="620974" cy="620974"/>
-        </a:xfrm>
-        <a:prstGeom prst="ellipse">
-          <a:avLst/>
-        </a:prstGeom>
-        <a:noFill/>
-        <a:ln w="19050">
-          <a:solidFill>
-            <a:schemeClr val="bg1">
-              <a:lumMod val="75000"/>
-            </a:schemeClr>
-          </a:solidFill>
-        </a:ln>
-        <a:effectLst/>
-        <a:scene3d>
-          <a:camera prst="orthographicFront"/>
-          <a:lightRig rig="flat" dir="t"/>
-        </a:scene3d>
-        <a:sp3d prstMaterial="dkEdge"/>
-      </dgm:spPr>
-    </dgm:pt>
-    <dgm:pt modelId="{7B868461-920B-4257-AAE0-91738CB6D378}" type="pres">
-      <dgm:prSet presAssocID="{26EFAA8C-070B-4368-AD8E-0E28971C7F1A}" presName="chTx" presStyleLbl="revTx" presStyleIdx="10" presStyleCnt="12" custLinFactNeighborY="5306"/>
-      <dgm:spPr/>
-    </dgm:pt>
-    <dgm:pt modelId="{69707822-003F-4B4C-A950-F87BC193EFF9}" type="pres">
-      <dgm:prSet presAssocID="{26EFAA8C-070B-4368-AD8E-0E28971C7F1A}" presName="desTx" presStyleLbl="revTx" presStyleIdx="11" presStyleCnt="12">
-        <dgm:presLayoutVars>
-          <dgm:bulletEnabled val="1"/>
-        </dgm:presLayoutVars>
-      </dgm:prSet>
-      <dgm:spPr/>
-    </dgm:pt>
-    <dgm:pt modelId="{CFA614EE-2451-4C59-8599-4CC74D9964C8}" type="pres">
-      <dgm:prSet presAssocID="{26EFAA8C-070B-4368-AD8E-0E28971C7F1A}" presName="desBackupRightNorm" presStyleCnt="0"/>
-      <dgm:spPr/>
-    </dgm:pt>
-    <dgm:pt modelId="{7B16BD20-3BD9-4E46-BFE7-10183CF678F6}" type="pres">
-      <dgm:prSet presAssocID="{ECF84BED-6721-47AA-8789-78E6BC6F68EC}" presName="desSpace" presStyleCnt="0"/>
-      <dgm:spPr/>
-    </dgm:pt>
   </dgm:ptLst>
   <dgm:cxnLst>
-    <dgm:cxn modelId="{C5CADE01-2D3E-4A22-8178-52BFE623515A}" srcId="{BDB3E5F2-A63C-446D-94EF-53B51308F55B}" destId="{76F97871-E7EF-4C5A-A6CC-0AEA140887B0}" srcOrd="0" destOrd="0" parTransId="{AF4A39E6-5101-45C2-9ED9-1B4A4D161E75}" sibTransId="{0B4A6094-6626-4B4C-A34C-3C817645D4D2}"/>
-    <dgm:cxn modelId="{969D3802-D321-43DF-B9C7-B1F249CE5959}" srcId="{90F27D1E-76E8-4AE9-AD01-BE57630B5110}" destId="{25F95D6A-DC03-42B0-9E2A-8BB3CFE35643}" srcOrd="0" destOrd="0" parTransId="{0E7A7D3B-1ED1-4188-B2CE-37328AF7B3CE}" sibTransId="{A9D1ACF8-1A40-4192-A99B-C5F10A879850}"/>
-    <dgm:cxn modelId="{2CD6D42C-39E1-4895-97BB-C277B6C3573D}" srcId="{90F27D1E-76E8-4AE9-AD01-BE57630B5110}" destId="{26EFAA8C-070B-4368-AD8E-0E28971C7F1A}" srcOrd="1" destOrd="0" parTransId="{A01B2D2D-7198-4763-8BE4-5AFAC35FACF3}" sibTransId="{ECF84BED-6721-47AA-8789-78E6BC6F68EC}"/>
-    <dgm:cxn modelId="{D3495640-4F3F-4DC5-BE06-466CB73D04C6}" srcId="{EB633A28-325E-4F3C-9D74-7B235343A885}" destId="{90F27D1E-76E8-4AE9-AD01-BE57630B5110}" srcOrd="1" destOrd="0" parTransId="{7F336D41-A370-44FD-84FB-392EDC2E9628}" sibTransId="{08C679DB-4162-43E7-A484-512B3F99942F}"/>
-    <dgm:cxn modelId="{4FCC3C4F-65D9-4A1D-A5CF-6380A1EAEBF5}" type="presOf" srcId="{B7B3E22D-F717-4E9C-866E-07DC0AAAF31D}" destId="{713CAC38-2807-4574-93E9-2BD9E3D32931}" srcOrd="0" destOrd="0" presId="urn:microsoft.com/office/officeart/2008/layout/CircleAccentTimeline"/>
-    <dgm:cxn modelId="{E841B976-DDCA-4F3C-A228-DC6A3A9DCEE8}" srcId="{EB633A28-325E-4F3C-9D74-7B235343A885}" destId="{BDB3E5F2-A63C-446D-94EF-53B51308F55B}" srcOrd="0" destOrd="0" parTransId="{4DF81A4E-C143-4E1F-895C-805B7744E0C1}" sibTransId="{22693710-A273-4DE3-B56B-501EBF8AAC16}"/>
-    <dgm:cxn modelId="{63A57879-F5EB-460B-9BEB-3833FB163CDF}" type="presOf" srcId="{EB633A28-325E-4F3C-9D74-7B235343A885}" destId="{4194F495-0B49-4686-B89E-B97A23BB18B4}" srcOrd="0" destOrd="0" presId="urn:microsoft.com/office/officeart/2008/layout/CircleAccentTimeline"/>
-    <dgm:cxn modelId="{E2ABC98C-768D-4ECE-8F14-9483D5C94A01}" type="presOf" srcId="{25F95D6A-DC03-42B0-9E2A-8BB3CFE35643}" destId="{DB3BF36B-C726-491E-B973-D7822FF7B562}" srcOrd="0" destOrd="0" presId="urn:microsoft.com/office/officeart/2008/layout/CircleAccentTimeline"/>
-    <dgm:cxn modelId="{A40AABA1-BDA1-444F-8866-4302F7556320}" type="presOf" srcId="{90F27D1E-76E8-4AE9-AD01-BE57630B5110}" destId="{E648DC65-DF54-488E-83A7-B6467C479D02}" srcOrd="0" destOrd="0" presId="urn:microsoft.com/office/officeart/2008/layout/CircleAccentTimeline"/>
-    <dgm:cxn modelId="{0DA4BCA3-542A-41C0-97C0-77719A88DE6F}" type="presOf" srcId="{26EFAA8C-070B-4368-AD8E-0E28971C7F1A}" destId="{7B868461-920B-4257-AAE0-91738CB6D378}" srcOrd="0" destOrd="0" presId="urn:microsoft.com/office/officeart/2008/layout/CircleAccentTimeline"/>
-    <dgm:cxn modelId="{B01D28B6-30ED-4F74-B744-6E0A3C415F4C}" type="presOf" srcId="{3BF4C92A-BE32-4130-AB21-90FA76812967}" destId="{D9AE80C5-FF95-4AE8-B7A0-6BF19841CD23}" srcOrd="0" destOrd="0" presId="urn:microsoft.com/office/officeart/2008/layout/CircleAccentTimeline"/>
-    <dgm:cxn modelId="{74F39EB6-5C16-4483-8C84-81EE935A34AB}" srcId="{BDB3E5F2-A63C-446D-94EF-53B51308F55B}" destId="{3BF4C92A-BE32-4130-AB21-90FA76812967}" srcOrd="2" destOrd="0" parTransId="{45145B60-B4CF-43C8-A090-77DD0F136CC3}" sibTransId="{36BE8B1F-5183-4B05-9C94-6A3B4937697A}"/>
-    <dgm:cxn modelId="{49B03CBE-4424-4043-9B0D-708057B949E7}" type="presOf" srcId="{BDB3E5F2-A63C-446D-94EF-53B51308F55B}" destId="{54C7621A-D6FD-4F3F-A78E-16DC33A75367}" srcOrd="0" destOrd="0" presId="urn:microsoft.com/office/officeart/2008/layout/CircleAccentTimeline"/>
-    <dgm:cxn modelId="{2DE3C7CC-BC3D-4DC7-BDF4-E9EF00E2B35B}" srcId="{BDB3E5F2-A63C-446D-94EF-53B51308F55B}" destId="{B7B3E22D-F717-4E9C-866E-07DC0AAAF31D}" srcOrd="1" destOrd="0" parTransId="{F5B9D25D-B57A-4E96-8949-C8A2BD9993F2}" sibTransId="{23EEF184-9BDE-48DD-A4F5-B678462A2560}"/>
-    <dgm:cxn modelId="{CDE1ECD6-1D72-42D5-B8D4-ED9CA23D9ACE}" type="presOf" srcId="{76F97871-E7EF-4C5A-A6CC-0AEA140887B0}" destId="{6749C0EA-1B99-400E-B5E9-7F9E3C47DF67}" srcOrd="0" destOrd="0" presId="urn:microsoft.com/office/officeart/2008/layout/CircleAccentTimeline"/>
-    <dgm:cxn modelId="{34F38B2B-5850-4AF2-843D-52E0758B3D31}" type="presParOf" srcId="{4194F495-0B49-4686-B89E-B97A23BB18B4}" destId="{72BA280D-2F57-47BB-AE67-6C6F9DCEF2B7}" srcOrd="0" destOrd="0" presId="urn:microsoft.com/office/officeart/2008/layout/CircleAccentTimeline"/>
-    <dgm:cxn modelId="{A810E50A-FAB2-4567-B4C9-154D65186FBE}" type="presParOf" srcId="{72BA280D-2F57-47BB-AE67-6C6F9DCEF2B7}" destId="{A85A93E5-AB9A-439C-9142-AD5A4BFF47F6}" srcOrd="0" destOrd="0" presId="urn:microsoft.com/office/officeart/2008/layout/CircleAccentTimeline"/>
-    <dgm:cxn modelId="{29101706-20B5-4788-BAAA-3323831DA6E0}" type="presParOf" srcId="{72BA280D-2F57-47BB-AE67-6C6F9DCEF2B7}" destId="{54C7621A-D6FD-4F3F-A78E-16DC33A75367}" srcOrd="1" destOrd="0" presId="urn:microsoft.com/office/officeart/2008/layout/CircleAccentTimeline"/>
-    <dgm:cxn modelId="{843DA397-BDB3-438D-8D73-128606B8D117}" type="presParOf" srcId="{72BA280D-2F57-47BB-AE67-6C6F9DCEF2B7}" destId="{881FE880-CBDD-4C9E-976D-9F4A6678AD39}" srcOrd="2" destOrd="0" presId="urn:microsoft.com/office/officeart/2008/layout/CircleAccentTimeline"/>
-    <dgm:cxn modelId="{CA700570-A6C9-43A8-8696-F477E12E3A3F}" type="presParOf" srcId="{4194F495-0B49-4686-B89E-B97A23BB18B4}" destId="{7A6036F4-EEA5-4903-9DE5-D9694BAEBE8F}" srcOrd="1" destOrd="0" presId="urn:microsoft.com/office/officeart/2008/layout/CircleAccentTimeline"/>
-    <dgm:cxn modelId="{FF8332F9-44E5-41B6-9EBA-217B30D8AD4C}" type="presParOf" srcId="{4194F495-0B49-4686-B89E-B97A23BB18B4}" destId="{5A15437C-29B6-45E4-ABC8-804D55EA2C12}" srcOrd="2" destOrd="0" presId="urn:microsoft.com/office/officeart/2008/layout/CircleAccentTimeline"/>
-    <dgm:cxn modelId="{72D3A376-054A-4E4A-A08F-751130B09353}" type="presParOf" srcId="{4194F495-0B49-4686-B89E-B97A23BB18B4}" destId="{4521085B-57FF-4187-965D-FA4F9834B060}" srcOrd="3" destOrd="0" presId="urn:microsoft.com/office/officeart/2008/layout/CircleAccentTimeline"/>
-    <dgm:cxn modelId="{CA10B26A-8F72-4901-8770-18F686A823D8}" type="presParOf" srcId="{4194F495-0B49-4686-B89E-B97A23BB18B4}" destId="{D6F2FDF2-4FC9-4898-B249-F15720FF4B93}" srcOrd="4" destOrd="0" presId="urn:microsoft.com/office/officeart/2008/layout/CircleAccentTimeline"/>
-    <dgm:cxn modelId="{E4D7D07D-01C0-4914-9F38-E99EBDA878C4}" type="presParOf" srcId="{D6F2FDF2-4FC9-4898-B249-F15720FF4B93}" destId="{72AEB429-AFAD-4F8B-877D-CB3A79995C59}" srcOrd="0" destOrd="0" presId="urn:microsoft.com/office/officeart/2008/layout/CircleAccentTimeline"/>
-    <dgm:cxn modelId="{AF55A5F7-C28D-47C3-9C80-04AC0BBB23E1}" type="presParOf" srcId="{D6F2FDF2-4FC9-4898-B249-F15720FF4B93}" destId="{6749C0EA-1B99-400E-B5E9-7F9E3C47DF67}" srcOrd="1" destOrd="0" presId="urn:microsoft.com/office/officeart/2008/layout/CircleAccentTimeline"/>
-    <dgm:cxn modelId="{D63CD219-EF6C-406F-88A2-9D5481E6F33B}" type="presParOf" srcId="{D6F2FDF2-4FC9-4898-B249-F15720FF4B93}" destId="{D74D6160-1F48-48F0-82A2-4366561C4041}" srcOrd="2" destOrd="0" presId="urn:microsoft.com/office/officeart/2008/layout/CircleAccentTimeline"/>
-    <dgm:cxn modelId="{A8DAB5F6-9F43-4073-9CDD-65DD04F81DFE}" type="presParOf" srcId="{4194F495-0B49-4686-B89E-B97A23BB18B4}" destId="{660F1FA7-DA77-4396-B8D6-22808B8616BE}" srcOrd="5" destOrd="0" presId="urn:microsoft.com/office/officeart/2008/layout/CircleAccentTimeline"/>
-    <dgm:cxn modelId="{2BE8F31B-F130-42B7-9C6F-E6241C8B4B27}" type="presParOf" srcId="{4194F495-0B49-4686-B89E-B97A23BB18B4}" destId="{D9DB7CED-9F6A-410E-A044-A80D83E84995}" srcOrd="6" destOrd="0" presId="urn:microsoft.com/office/officeart/2008/layout/CircleAccentTimeline"/>
-    <dgm:cxn modelId="{0943DAC1-154B-4DBA-A776-CCB6F9326963}" type="presParOf" srcId="{4194F495-0B49-4686-B89E-B97A23BB18B4}" destId="{864F737A-FA72-4B29-B184-6439EF74AAF7}" srcOrd="7" destOrd="0" presId="urn:microsoft.com/office/officeart/2008/layout/CircleAccentTimeline"/>
-    <dgm:cxn modelId="{A0A67F21-55A5-437A-938D-78E18C6987B6}" type="presParOf" srcId="{4194F495-0B49-4686-B89E-B97A23BB18B4}" destId="{6A2CAB2B-C7B1-493E-A71F-E3B5B573893C}" srcOrd="8" destOrd="0" presId="urn:microsoft.com/office/officeart/2008/layout/CircleAccentTimeline"/>
-    <dgm:cxn modelId="{A9B1679F-C7AD-4C92-9C31-C10F93952DA0}" type="presParOf" srcId="{6A2CAB2B-C7B1-493E-A71F-E3B5B573893C}" destId="{8B67CF79-00AA-4519-A733-8B3C247B2366}" srcOrd="0" destOrd="0" presId="urn:microsoft.com/office/officeart/2008/layout/CircleAccentTimeline"/>
-    <dgm:cxn modelId="{4B0A5EB5-C147-4BDC-9B58-897A8ED3981E}" type="presParOf" srcId="{6A2CAB2B-C7B1-493E-A71F-E3B5B573893C}" destId="{713CAC38-2807-4574-93E9-2BD9E3D32931}" srcOrd="1" destOrd="0" presId="urn:microsoft.com/office/officeart/2008/layout/CircleAccentTimeline"/>
-    <dgm:cxn modelId="{3B746FE1-0EBB-4C8C-B404-6CA96FC19FBD}" type="presParOf" srcId="{6A2CAB2B-C7B1-493E-A71F-E3B5B573893C}" destId="{E34EC4A5-7504-473F-BCC0-A5B138B3F9BD}" srcOrd="2" destOrd="0" presId="urn:microsoft.com/office/officeart/2008/layout/CircleAccentTimeline"/>
-    <dgm:cxn modelId="{DFD37809-B79A-4B5C-A3AC-3BE1B9244E03}" type="presParOf" srcId="{4194F495-0B49-4686-B89E-B97A23BB18B4}" destId="{BAE4CFDA-115B-48C3-BC5B-0C57E123303D}" srcOrd="9" destOrd="0" presId="urn:microsoft.com/office/officeart/2008/layout/CircleAccentTimeline"/>
-    <dgm:cxn modelId="{903558A0-6A4A-41FF-A78B-65DAEAC53511}" type="presParOf" srcId="{4194F495-0B49-4686-B89E-B97A23BB18B4}" destId="{299BEAB5-09C2-4DD9-8445-0C348B128F80}" srcOrd="10" destOrd="0" presId="urn:microsoft.com/office/officeart/2008/layout/CircleAccentTimeline"/>
-    <dgm:cxn modelId="{EE23AF76-0A99-4B17-9294-37C29E31F6A6}" type="presParOf" srcId="{4194F495-0B49-4686-B89E-B97A23BB18B4}" destId="{DFFB04B7-67A0-4390-B208-09B0F7490460}" srcOrd="11" destOrd="0" presId="urn:microsoft.com/office/officeart/2008/layout/CircleAccentTimeline"/>
-    <dgm:cxn modelId="{2B01E353-A43A-4964-9343-85D887828D90}" type="presParOf" srcId="{4194F495-0B49-4686-B89E-B97A23BB18B4}" destId="{7F1386DD-3F5F-40D1-855C-3AA0BEF67EEA}" srcOrd="12" destOrd="0" presId="urn:microsoft.com/office/officeart/2008/layout/CircleAccentTimeline"/>
-    <dgm:cxn modelId="{E90BD173-F3F0-4C53-8D97-CB729A558F67}" type="presParOf" srcId="{7F1386DD-3F5F-40D1-855C-3AA0BEF67EEA}" destId="{1B7B2673-0339-44E0-8C0E-95BA89778014}" srcOrd="0" destOrd="0" presId="urn:microsoft.com/office/officeart/2008/layout/CircleAccentTimeline"/>
-    <dgm:cxn modelId="{6D5CD6DA-E83F-4683-A423-3619F347DA9D}" type="presParOf" srcId="{7F1386DD-3F5F-40D1-855C-3AA0BEF67EEA}" destId="{D9AE80C5-FF95-4AE8-B7A0-6BF19841CD23}" srcOrd="1" destOrd="0" presId="urn:microsoft.com/office/officeart/2008/layout/CircleAccentTimeline"/>
-    <dgm:cxn modelId="{A583509F-E5E3-4559-985F-B8E64D33CD9B}" type="presParOf" srcId="{7F1386DD-3F5F-40D1-855C-3AA0BEF67EEA}" destId="{036203D8-CFB2-4A4A-BB12-FCFFFB4534F3}" srcOrd="2" destOrd="0" presId="urn:microsoft.com/office/officeart/2008/layout/CircleAccentTimeline"/>
-    <dgm:cxn modelId="{D94AB757-077A-4A41-9D42-0DDB57C5C12F}" type="presParOf" srcId="{4194F495-0B49-4686-B89E-B97A23BB18B4}" destId="{4A66CCD4-E4C0-46DF-A8CB-F5BEBA8D65DB}" srcOrd="13" destOrd="0" presId="urn:microsoft.com/office/officeart/2008/layout/CircleAccentTimeline"/>
-    <dgm:cxn modelId="{0F8BBEE3-5D76-4021-B97E-64E9CD3DE01B}" type="presParOf" srcId="{4194F495-0B49-4686-B89E-B97A23BB18B4}" destId="{F233BC77-65F9-4193-BBB4-BA224B8DC6D8}" srcOrd="14" destOrd="0" presId="urn:microsoft.com/office/officeart/2008/layout/CircleAccentTimeline"/>
-    <dgm:cxn modelId="{B963DC8A-BE88-44BE-A047-653DAFE0CAFC}" type="presParOf" srcId="{4194F495-0B49-4686-B89E-B97A23BB18B4}" destId="{BB2FC4C1-DE0C-4007-94FF-07B09E2F45FC}" srcOrd="15" destOrd="0" presId="urn:microsoft.com/office/officeart/2008/layout/CircleAccentTimeline"/>
-    <dgm:cxn modelId="{BBDD277A-78EC-49BD-B8D3-4E9374BF1A60}" type="presParOf" srcId="{BB2FC4C1-DE0C-4007-94FF-07B09E2F45FC}" destId="{1D3B3624-0AA7-4260-AE86-8595E24ED09E}" srcOrd="0" destOrd="0" presId="urn:microsoft.com/office/officeart/2008/layout/CircleAccentTimeline"/>
-    <dgm:cxn modelId="{B0BD29E2-811D-4871-8706-AD5DFF6E0F14}" type="presParOf" srcId="{BB2FC4C1-DE0C-4007-94FF-07B09E2F45FC}" destId="{E648DC65-DF54-488E-83A7-B6467C479D02}" srcOrd="1" destOrd="0" presId="urn:microsoft.com/office/officeart/2008/layout/CircleAccentTimeline"/>
-    <dgm:cxn modelId="{2BB7700E-B761-421D-AF9E-80E4FCAA15C9}" type="presParOf" srcId="{BB2FC4C1-DE0C-4007-94FF-07B09E2F45FC}" destId="{397B2BC9-2DC7-4323-A973-8EBE6C5525E1}" srcOrd="2" destOrd="0" presId="urn:microsoft.com/office/officeart/2008/layout/CircleAccentTimeline"/>
-    <dgm:cxn modelId="{B6F7683A-11EE-4122-B761-00300B8EE15D}" type="presParOf" srcId="{4194F495-0B49-4686-B89E-B97A23BB18B4}" destId="{EE0415B3-96F2-4DB9-B6AD-89D235C03A43}" srcOrd="16" destOrd="0" presId="urn:microsoft.com/office/officeart/2008/layout/CircleAccentTimeline"/>
-    <dgm:cxn modelId="{E226A4C0-530A-410A-B93B-D66EE1704D94}" type="presParOf" srcId="{4194F495-0B49-4686-B89E-B97A23BB18B4}" destId="{8A2CF88D-EAB5-4031-81BE-BD70FF155C41}" srcOrd="17" destOrd="0" presId="urn:microsoft.com/office/officeart/2008/layout/CircleAccentTimeline"/>
-    <dgm:cxn modelId="{464A07FA-CF6C-41D4-BBCB-88EF611B97FD}" type="presParOf" srcId="{4194F495-0B49-4686-B89E-B97A23BB18B4}" destId="{0164AEFD-1143-4899-AE17-946914F9D91B}" srcOrd="18" destOrd="0" presId="urn:microsoft.com/office/officeart/2008/layout/CircleAccentTimeline"/>
-    <dgm:cxn modelId="{AA4828E6-A4B5-4FAA-A462-0D915839047A}" type="presParOf" srcId="{4194F495-0B49-4686-B89E-B97A23BB18B4}" destId="{74D01DDB-BEC1-43BC-AC8F-8E2EB8FCA24C}" srcOrd="19" destOrd="0" presId="urn:microsoft.com/office/officeart/2008/layout/CircleAccentTimeline"/>
-    <dgm:cxn modelId="{C4E823BC-5F93-44D7-9043-D0BE29E0D2E8}" type="presParOf" srcId="{74D01DDB-BEC1-43BC-AC8F-8E2EB8FCA24C}" destId="{2E456752-9A8D-4597-8B9D-1337E2E3BB15}" srcOrd="0" destOrd="0" presId="urn:microsoft.com/office/officeart/2008/layout/CircleAccentTimeline"/>
-    <dgm:cxn modelId="{DE03F2A8-042D-47E5-B967-CAF6F224382B}" type="presParOf" srcId="{74D01DDB-BEC1-43BC-AC8F-8E2EB8FCA24C}" destId="{DB3BF36B-C726-491E-B973-D7822FF7B562}" srcOrd="1" destOrd="0" presId="urn:microsoft.com/office/officeart/2008/layout/CircleAccentTimeline"/>
-    <dgm:cxn modelId="{B0DCAA75-BCF7-499B-842A-DAB1DB3371BA}" type="presParOf" srcId="{74D01DDB-BEC1-43BC-AC8F-8E2EB8FCA24C}" destId="{36887002-B3D0-42CD-A990-923EC387A697}" srcOrd="2" destOrd="0" presId="urn:microsoft.com/office/officeart/2008/layout/CircleAccentTimeline"/>
-    <dgm:cxn modelId="{CF2C4B72-6509-44B3-8C85-4D4FCD12D3F3}" type="presParOf" srcId="{4194F495-0B49-4686-B89E-B97A23BB18B4}" destId="{B961B91F-2EBD-4DE8-BE5E-77E7BB85C06A}" srcOrd="20" destOrd="0" presId="urn:microsoft.com/office/officeart/2008/layout/CircleAccentTimeline"/>
-    <dgm:cxn modelId="{84458A49-6B38-48EE-88A5-8444314CD042}" type="presParOf" srcId="{4194F495-0B49-4686-B89E-B97A23BB18B4}" destId="{AD21AC62-D464-4768-A2F6-D755B97237D7}" srcOrd="21" destOrd="0" presId="urn:microsoft.com/office/officeart/2008/layout/CircleAccentTimeline"/>
-    <dgm:cxn modelId="{4770908A-0F8F-4686-974A-0EB3B95EC481}" type="presParOf" srcId="{4194F495-0B49-4686-B89E-B97A23BB18B4}" destId="{34AF417E-99ED-402F-A980-B6140588A2C9}" srcOrd="22" destOrd="0" presId="urn:microsoft.com/office/officeart/2008/layout/CircleAccentTimeline"/>
-    <dgm:cxn modelId="{BE720A63-8267-4C21-ACD3-AEFE2E75EF19}" type="presParOf" srcId="{4194F495-0B49-4686-B89E-B97A23BB18B4}" destId="{4C1CC8BA-FA5F-47D2-A1F0-699E90D9D818}" srcOrd="23" destOrd="0" presId="urn:microsoft.com/office/officeart/2008/layout/CircleAccentTimeline"/>
-    <dgm:cxn modelId="{50BC4F52-4097-428B-8AC0-4C55D751E697}" type="presParOf" srcId="{4C1CC8BA-FA5F-47D2-A1F0-699E90D9D818}" destId="{EE45DA57-5C87-4318-9528-38910594B01E}" srcOrd="0" destOrd="0" presId="urn:microsoft.com/office/officeart/2008/layout/CircleAccentTimeline"/>
-    <dgm:cxn modelId="{B00F709D-63DA-4E26-AA14-6C04AA01ACAA}" type="presParOf" srcId="{4C1CC8BA-FA5F-47D2-A1F0-699E90D9D818}" destId="{7B868461-920B-4257-AAE0-91738CB6D378}" srcOrd="1" destOrd="0" presId="urn:microsoft.com/office/officeart/2008/layout/CircleAccentTimeline"/>
-    <dgm:cxn modelId="{9CC33DB0-1695-4730-8B97-49AA4B8D6357}" type="presParOf" srcId="{4C1CC8BA-FA5F-47D2-A1F0-699E90D9D818}" destId="{69707822-003F-4B4C-A950-F87BC193EFF9}" srcOrd="2" destOrd="0" presId="urn:microsoft.com/office/officeart/2008/layout/CircleAccentTimeline"/>
-    <dgm:cxn modelId="{15DA746C-E2B0-4DAD-AE1B-37735653CB23}" type="presParOf" srcId="{4194F495-0B49-4686-B89E-B97A23BB18B4}" destId="{CFA614EE-2451-4C59-8599-4CC74D9964C8}" srcOrd="24" destOrd="0" presId="urn:microsoft.com/office/officeart/2008/layout/CircleAccentTimeline"/>
-    <dgm:cxn modelId="{CFFBD8F1-A4EC-4439-B8E6-0BB8E3370794}" type="presParOf" srcId="{4194F495-0B49-4686-B89E-B97A23BB18B4}" destId="{7B16BD20-3BD9-4E46-BFE7-10183CF678F6}" srcOrd="25" destOrd="0" presId="urn:microsoft.com/office/officeart/2008/layout/CircleAccentTimeline"/>
+    <dgm:cxn modelId="{9C176326-2BDF-4E92-BD6C-4BCBC882ACEA}" type="presOf" srcId="{E1B432F4-5FDB-4518-9272-2F3934AC6AA2}" destId="{D40A0249-41A7-44A6-A657-361E8C18FD42}" srcOrd="0" destOrd="0" presId="urn:microsoft.com/office/officeart/2018/2/layout/IconVerticalSolidList"/>
+    <dgm:cxn modelId="{56ADA02B-9055-4F39-B74D-2D556F11DDB6}" srcId="{E1B432F4-5FDB-4518-9272-2F3934AC6AA2}" destId="{B633A646-2062-4841-AF18-847B074C6716}" srcOrd="0" destOrd="0" parTransId="{DB4A5689-BD48-4D3D-8017-D1E3C49B0DDB}" sibTransId="{1397C75F-5FD8-4120-9A24-A246D042942B}"/>
+    <dgm:cxn modelId="{E4AD895B-72A4-4A6B-A7F4-C77A53EC51BC}" srcId="{E1B432F4-5FDB-4518-9272-2F3934AC6AA2}" destId="{C6D21269-399B-4BA2-8621-C7B9DA1E1B8F}" srcOrd="2" destOrd="0" parTransId="{AA3929B3-1058-4240-AD5D-9518D4976567}" sibTransId="{C79B0F2C-DDB4-44EB-89F7-717146B88B10}"/>
+    <dgm:cxn modelId="{3E6B7CA5-EBA4-48C1-A48C-B9BCBCE8CF1E}" type="presOf" srcId="{14BC708E-A0A1-4102-88E4-E75128B4E51E}" destId="{80F6AD63-74FB-40E4-9D40-4178AFD87F60}" srcOrd="0" destOrd="0" presId="urn:microsoft.com/office/officeart/2018/2/layout/IconVerticalSolidList"/>
+    <dgm:cxn modelId="{3905E0BC-71EE-4610-827E-655844CE3113}" type="presOf" srcId="{C6D21269-399B-4BA2-8621-C7B9DA1E1B8F}" destId="{D5847293-6F0A-4807-B203-585610F4F535}" srcOrd="0" destOrd="0" presId="urn:microsoft.com/office/officeart/2018/2/layout/IconVerticalSolidList"/>
+    <dgm:cxn modelId="{EB9839C5-F324-41C4-8950-5284E09FB71E}" srcId="{E1B432F4-5FDB-4518-9272-2F3934AC6AA2}" destId="{14BC708E-A0A1-4102-88E4-E75128B4E51E}" srcOrd="1" destOrd="0" parTransId="{CF221EFF-354A-47A9-A498-1F0BBF01ECB8}" sibTransId="{7519C821-85FB-4CA3-BEB5-E4BFBC529B83}"/>
+    <dgm:cxn modelId="{EEAA52FF-E4A1-49BD-9B1E-000F5AABCD8E}" type="presOf" srcId="{B633A646-2062-4841-AF18-847B074C6716}" destId="{C95AF6F0-F4DA-48FE-85EB-61ADFB42AA13}" srcOrd="0" destOrd="0" presId="urn:microsoft.com/office/officeart/2018/2/layout/IconVerticalSolidList"/>
+    <dgm:cxn modelId="{C3FF57AE-FB3C-49DE-82B3-0A61FA5DDA91}" type="presParOf" srcId="{D40A0249-41A7-44A6-A657-361E8C18FD42}" destId="{7D1F47A2-8F6C-4C7F-B3B3-2100C986DE32}" srcOrd="0" destOrd="0" presId="urn:microsoft.com/office/officeart/2018/2/layout/IconVerticalSolidList"/>
+    <dgm:cxn modelId="{39AD4461-2A0A-410E-8C25-0B475A3D2CD5}" type="presParOf" srcId="{7D1F47A2-8F6C-4C7F-B3B3-2100C986DE32}" destId="{EC4D957C-BFAC-446D-9573-48333BEC34E6}" srcOrd="0" destOrd="0" presId="urn:microsoft.com/office/officeart/2018/2/layout/IconVerticalSolidList"/>
+    <dgm:cxn modelId="{F9297396-8F77-4FD5-AAFB-AB3160B70B42}" type="presParOf" srcId="{7D1F47A2-8F6C-4C7F-B3B3-2100C986DE32}" destId="{BE6B2CCF-B717-4C6F-9115-44EF0ECE6018}" srcOrd="1" destOrd="0" presId="urn:microsoft.com/office/officeart/2018/2/layout/IconVerticalSolidList"/>
+    <dgm:cxn modelId="{D1AB3CE4-FE44-4177-86CC-B147232F3BD0}" type="presParOf" srcId="{7D1F47A2-8F6C-4C7F-B3B3-2100C986DE32}" destId="{95420642-092B-41B9-94FA-E0EC36F9AF7E}" srcOrd="2" destOrd="0" presId="urn:microsoft.com/office/officeart/2018/2/layout/IconVerticalSolidList"/>
+    <dgm:cxn modelId="{1E58CE55-32AF-4065-B1F7-2380412F2F02}" type="presParOf" srcId="{7D1F47A2-8F6C-4C7F-B3B3-2100C986DE32}" destId="{C95AF6F0-F4DA-48FE-85EB-61ADFB42AA13}" srcOrd="3" destOrd="0" presId="urn:microsoft.com/office/officeart/2018/2/layout/IconVerticalSolidList"/>
+    <dgm:cxn modelId="{9D6ACACB-1091-40ED-952B-C2E92FA564C6}" type="presParOf" srcId="{D40A0249-41A7-44A6-A657-361E8C18FD42}" destId="{51DD96AA-8DD7-4B07-A561-5C9B41ACFA3C}" srcOrd="1" destOrd="0" presId="urn:microsoft.com/office/officeart/2018/2/layout/IconVerticalSolidList"/>
+    <dgm:cxn modelId="{A0B092F8-3BF3-4C70-95B1-0A0764FD7131}" type="presParOf" srcId="{D40A0249-41A7-44A6-A657-361E8C18FD42}" destId="{38E06421-A6BB-4D10-8565-2812C2C5C6B3}" srcOrd="2" destOrd="0" presId="urn:microsoft.com/office/officeart/2018/2/layout/IconVerticalSolidList"/>
+    <dgm:cxn modelId="{8C5E5818-6931-4902-AE43-414551022BCD}" type="presParOf" srcId="{38E06421-A6BB-4D10-8565-2812C2C5C6B3}" destId="{79919C57-A32A-40F6-B106-B4E0CE644E4C}" srcOrd="0" destOrd="0" presId="urn:microsoft.com/office/officeart/2018/2/layout/IconVerticalSolidList"/>
+    <dgm:cxn modelId="{117B7A1C-7A05-4787-8474-79753887F4C2}" type="presParOf" srcId="{38E06421-A6BB-4D10-8565-2812C2C5C6B3}" destId="{99FDF55F-B3E9-423D-AD21-A6446C5D7455}" srcOrd="1" destOrd="0" presId="urn:microsoft.com/office/officeart/2018/2/layout/IconVerticalSolidList"/>
+    <dgm:cxn modelId="{82818524-92E6-4F27-A68D-3BE1571532DC}" type="presParOf" srcId="{38E06421-A6BB-4D10-8565-2812C2C5C6B3}" destId="{E98BD5F1-E6F1-491F-A8EE-6A9AD649521E}" srcOrd="2" destOrd="0" presId="urn:microsoft.com/office/officeart/2018/2/layout/IconVerticalSolidList"/>
+    <dgm:cxn modelId="{0A438607-8D9F-471A-B9F9-D903D7FA2B52}" type="presParOf" srcId="{38E06421-A6BB-4D10-8565-2812C2C5C6B3}" destId="{80F6AD63-74FB-40E4-9D40-4178AFD87F60}" srcOrd="3" destOrd="0" presId="urn:microsoft.com/office/officeart/2018/2/layout/IconVerticalSolidList"/>
+    <dgm:cxn modelId="{E18EE60B-8650-4B85-8C8A-B807B9148FC8}" type="presParOf" srcId="{D40A0249-41A7-44A6-A657-361E8C18FD42}" destId="{1375F890-B8F8-4966-ABCD-B672FD4512B7}" srcOrd="3" destOrd="0" presId="urn:microsoft.com/office/officeart/2018/2/layout/IconVerticalSolidList"/>
+    <dgm:cxn modelId="{F370D9F7-088E-4B78-8272-0E311B15486B}" type="presParOf" srcId="{D40A0249-41A7-44A6-A657-361E8C18FD42}" destId="{9887B295-B446-4B8E-AEA4-76754DE9DD89}" srcOrd="4" destOrd="0" presId="urn:microsoft.com/office/officeart/2018/2/layout/IconVerticalSolidList"/>
+    <dgm:cxn modelId="{968D7DEE-AF0E-4BA0-9080-0C524E005C39}" type="presParOf" srcId="{9887B295-B446-4B8E-AEA4-76754DE9DD89}" destId="{436A8B1C-2D30-44BB-9150-7099503C8960}" srcOrd="0" destOrd="0" presId="urn:microsoft.com/office/officeart/2018/2/layout/IconVerticalSolidList"/>
+    <dgm:cxn modelId="{CE4D3AA4-D0A5-472B-A6D2-E2D35A5DE21A}" type="presParOf" srcId="{9887B295-B446-4B8E-AEA4-76754DE9DD89}" destId="{1A8B8B62-3037-4506-89D7-28710774070B}" srcOrd="1" destOrd="0" presId="urn:microsoft.com/office/officeart/2018/2/layout/IconVerticalSolidList"/>
+    <dgm:cxn modelId="{C939EEF1-F0C3-4C00-83D5-BE315DAD62D3}" type="presParOf" srcId="{9887B295-B446-4B8E-AEA4-76754DE9DD89}" destId="{2FFC6342-A780-4396-8FAC-8E7FAE77A6E2}" srcOrd="2" destOrd="0" presId="urn:microsoft.com/office/officeart/2018/2/layout/IconVerticalSolidList"/>
+    <dgm:cxn modelId="{1493C073-EB9E-467F-8BBD-604D0CFE685E}" type="presParOf" srcId="{9887B295-B446-4B8E-AEA4-76754DE9DD89}" destId="{D5847293-6F0A-4807-B203-585610F4F535}" srcOrd="3" destOrd="0" presId="urn:microsoft.com/office/officeart/2018/2/layout/IconVerticalSolidList"/>
   </dgm:cxnLst>
   <dgm:bg/>
   <dgm:whole/>
   <dgm:extLst>
     <a:ext uri="http://schemas.microsoft.com/office/drawing/2008/diagram">
-      <dsp:dataModelExt xmlns:dsp="http://schemas.microsoft.com/office/drawing/2008/diagram" relId="rId7" minVer="http://schemas.openxmlformats.org/drawingml/2006/diagram"/>
+      <dsp:dataModelExt xmlns:dsp="http://schemas.microsoft.com/office/drawing/2008/diagram" relId="rId8" minVer="http://schemas.openxmlformats.org/drawingml/2006/diagram"/>
     </a:ext>
   </dgm:extLst>
 </dgm:dataModel>
@@ -4755,69 +3421,110 @@
       <dsp:cNvGrpSpPr/>
     </dsp:nvGrpSpPr>
     <dsp:grpSpPr/>
-    <dsp:sp modelId="{A85A93E5-AB9A-439C-9142-AD5A4BFF47F6}">
+    <dsp:sp modelId="{EC4D957C-BFAC-446D-9573-48333BEC34E6}">
       <dsp:nvSpPr>
         <dsp:cNvPr id="0" name=""/>
         <dsp:cNvSpPr/>
       </dsp:nvSpPr>
       <dsp:spPr>
         <a:xfrm>
-          <a:off x="2784" y="2660246"/>
-          <a:ext cx="1196336" cy="1196336"/>
+          <a:off x="0" y="0"/>
+          <a:ext cx="5607050" cy="1407541"/>
         </a:xfrm>
-        <a:prstGeom prst="donut">
-          <a:avLst>
-            <a:gd name="adj" fmla="val 20000"/>
-          </a:avLst>
+        <a:prstGeom prst="rect">
+          <a:avLst/>
         </a:prstGeom>
-        <a:gradFill rotWithShape="0">
-          <a:gsLst>
-            <a:gs pos="0">
-              <a:schemeClr val="accent1">
-                <a:lumMod val="20000"/>
-                <a:lumOff val="80000"/>
-              </a:schemeClr>
-            </a:gs>
-            <a:gs pos="100000">
-              <a:schemeClr val="accent1"/>
-            </a:gs>
-          </a:gsLst>
-          <a:lin ang="5400000" scaled="0"/>
-        </a:gradFill>
+        <a:solidFill>
+          <a:schemeClr val="bg1">
+            <a:lumMod val="95000"/>
+            <a:hueOff val="0"/>
+            <a:satOff val="0"/>
+            <a:lumOff val="0"/>
+            <a:alphaOff val="0"/>
+          </a:schemeClr>
+        </a:solidFill>
         <a:ln>
           <a:noFill/>
         </a:ln>
         <a:effectLst/>
-        <a:scene3d>
-          <a:camera prst="orthographicFront"/>
-          <a:lightRig rig="flat" dir="t"/>
-        </a:scene3d>
-        <a:sp3d prstMaterial="dkEdge"/>
       </dsp:spPr>
       <dsp:style>
         <a:lnRef idx="0">
           <a:scrgbClr r="0" g="0" b="0"/>
         </a:lnRef>
-        <a:fillRef idx="2">
+        <a:fillRef idx="1">
+          <a:scrgbClr r="0" g="0" b="0"/>
+        </a:fillRef>
+        <a:effectRef idx="0">
+          <a:scrgbClr r="0" g="0" b="0"/>
+        </a:effectRef>
+        <a:fontRef idx="minor"/>
+      </dsp:style>
+    </dsp:sp>
+    <dsp:sp modelId="{BE6B2CCF-B717-4C6F-9115-44EF0ECE6018}">
+      <dsp:nvSpPr>
+        <dsp:cNvPr id="0" name=""/>
+        <dsp:cNvSpPr/>
+      </dsp:nvSpPr>
+      <dsp:spPr>
+        <a:xfrm>
+          <a:off x="522039" y="413556"/>
+          <a:ext cx="581632" cy="581632"/>
+        </a:xfrm>
+        <a:prstGeom prst="rect">
+          <a:avLst/>
+        </a:prstGeom>
+        <a:blipFill>
+          <a:blip xmlns:r="http://schemas.openxmlformats.org/officeDocument/2006/relationships" r:embed="rId1">
+            <a:extLst>
+              <a:ext uri="{96DAC541-7B7A-43D3-8B79-37D633B846F1}">
+                <asvg:svgBlip xmlns:asvg="http://schemas.microsoft.com/office/drawing/2016/SVG/main" r:embed="rId2"/>
+              </a:ext>
+            </a:extLst>
+          </a:blip>
+          <a:srcRect/>
+          <a:stretch>
+            <a:fillRect/>
+          </a:stretch>
+        </a:blipFill>
+        <a:ln w="31750" cap="flat" cmpd="sng" algn="ctr">
+          <a:solidFill>
+            <a:schemeClr val="lt1">
+              <a:alpha val="0"/>
+              <a:hueOff val="0"/>
+              <a:satOff val="0"/>
+              <a:lumOff val="0"/>
+              <a:alphaOff val="0"/>
+            </a:schemeClr>
+          </a:solidFill>
+          <a:prstDash val="solid"/>
+        </a:ln>
+        <a:effectLst/>
+      </dsp:spPr>
+      <dsp:style>
+        <a:lnRef idx="3">
+          <a:scrgbClr r="0" g="0" b="0"/>
+        </a:lnRef>
+        <a:fillRef idx="1">
           <a:scrgbClr r="0" g="0" b="0"/>
         </a:fillRef>
         <a:effectRef idx="1">
           <a:scrgbClr r="0" g="0" b="0"/>
         </a:effectRef>
         <a:fontRef idx="minor">
-          <a:schemeClr val="dk1"/>
+          <a:schemeClr val="lt1"/>
         </a:fontRef>
       </dsp:style>
     </dsp:sp>
-    <dsp:sp modelId="{54C7621A-D6FD-4F3F-A78E-16DC33A75367}">
+    <dsp:sp modelId="{C95AF6F0-F4DA-48FE-85EB-61ADFB42AA13}">
       <dsp:nvSpPr>
         <dsp:cNvPr id="0" name=""/>
         <dsp:cNvSpPr/>
       </dsp:nvSpPr>
       <dsp:spPr>
-        <a:xfrm rot="17700000">
-          <a:off x="424319" y="1512007"/>
-          <a:ext cx="1487179" cy="716705"/>
+        <a:xfrm>
+          <a:off x="1625711" y="601"/>
+          <a:ext cx="3981338" cy="1407541"/>
         </a:xfrm>
         <a:prstGeom prst="rect">
           <a:avLst/>
@@ -4841,14 +3548,14 @@
         <a:fontRef idx="minor"/>
       </dsp:style>
       <dsp:txBody>
-        <a:bodyPr spcFirstLastPara="0" vert="horz" wrap="square" lIns="45720" tIns="0" rIns="0" bIns="0" numCol="1" spcCol="1270" rtlCol="0" anchor="ctr" anchorCtr="0">
+        <a:bodyPr spcFirstLastPara="0" vert="horz" wrap="square" lIns="148965" tIns="148965" rIns="148965" bIns="148965" numCol="1" spcCol="1270" rtlCol="0" anchor="ctr" anchorCtr="0">
           <a:noAutofit/>
         </a:bodyPr>
         <a:lstStyle/>
         <a:p>
-          <a:pPr marL="0" lvl="0" indent="0" algn="l" defTabSz="800100" rtl="0">
+          <a:pPr marL="0" lvl="0" indent="0" algn="l" defTabSz="1111250">
             <a:lnSpc>
-              <a:spcPct val="90000"/>
+              <a:spcPct val="100000"/>
             </a:lnSpc>
             <a:spcBef>
               <a:spcPct val="0"/>
@@ -4859,68 +3566,149 @@
             <a:buNone/>
           </a:pPr>
           <a:r>
-            <a:rPr lang="es-ES" sz="1800" b="1" kern="1200" noProof="0" dirty="0"/>
-            <a:t>Hito 1</a:t>
+            <a:rPr lang="es-ES" sz="2500" kern="1200" noProof="0" dirty="0">
+              <a:effectLst>
+                <a:glow rad="152400">
+                  <a:schemeClr val="bg1">
+                    <a:alpha val="19000"/>
+                  </a:schemeClr>
+                </a:glow>
+              </a:effectLst>
+            </a:rPr>
+            <a:t>Visualización con </a:t>
           </a:r>
+          <a:r>
+            <a:rPr lang="es-ES" sz="2500" kern="1200" noProof="0" dirty="0" err="1">
+              <a:effectLst>
+                <a:glow rad="152400">
+                  <a:schemeClr val="bg1">
+                    <a:alpha val="19000"/>
+                  </a:schemeClr>
+                </a:glow>
+              </a:effectLst>
+            </a:rPr>
+            <a:t>Shinny</a:t>
+          </a:r>
+          <a:endParaRPr lang="es-ES" sz="2500" kern="1200" noProof="0" dirty="0">
+            <a:effectLst>
+              <a:glow rad="152400">
+                <a:schemeClr val="bg1">
+                  <a:alpha val="19000"/>
+                </a:schemeClr>
+              </a:glow>
+            </a:effectLst>
+          </a:endParaRPr>
         </a:p>
       </dsp:txBody>
       <dsp:txXfrm>
-        <a:off x="424319" y="1512007"/>
-        <a:ext cx="1487179" cy="716705"/>
+        <a:off x="1625711" y="601"/>
+        <a:ext cx="3981338" cy="1407541"/>
       </dsp:txXfrm>
     </dsp:sp>
-    <dsp:sp modelId="{72AEB429-AFAD-4F8B-877D-CB3A79995C59}">
+    <dsp:sp modelId="{79919C57-A32A-40F6-B106-B4E0CE644E4C}">
       <dsp:nvSpPr>
         <dsp:cNvPr id="0" name=""/>
         <dsp:cNvSpPr/>
       </dsp:nvSpPr>
       <dsp:spPr>
         <a:xfrm>
-          <a:off x="1419721" y="3078416"/>
-          <a:ext cx="359997" cy="359997"/>
+          <a:off x="0" y="1526503"/>
+          <a:ext cx="5607050" cy="1407541"/>
         </a:xfrm>
-        <a:prstGeom prst="ellipse">
+        <a:prstGeom prst="rect">
           <a:avLst/>
         </a:prstGeom>
-        <a:noFill/>
-        <a:ln w="19050">
-          <a:solidFill>
-            <a:schemeClr val="bg1">
-              <a:lumMod val="75000"/>
-            </a:schemeClr>
-          </a:solidFill>
+        <a:solidFill>
+          <a:schemeClr val="bg1">
+            <a:lumMod val="95000"/>
+            <a:hueOff val="0"/>
+            <a:satOff val="0"/>
+            <a:lumOff val="0"/>
+            <a:alphaOff val="0"/>
+          </a:schemeClr>
+        </a:solidFill>
+        <a:ln>
+          <a:noFill/>
         </a:ln>
         <a:effectLst/>
-        <a:scene3d>
-          <a:camera prst="orthographicFront"/>
-          <a:lightRig rig="flat" dir="t"/>
-        </a:scene3d>
-        <a:sp3d prstMaterial="dkEdge"/>
       </dsp:spPr>
       <dsp:style>
         <a:lnRef idx="0">
           <a:scrgbClr r="0" g="0" b="0"/>
         </a:lnRef>
-        <a:fillRef idx="2">
+        <a:fillRef idx="1">
+          <a:scrgbClr r="0" g="0" b="0"/>
+        </a:fillRef>
+        <a:effectRef idx="0">
+          <a:scrgbClr r="0" g="0" b="0"/>
+        </a:effectRef>
+        <a:fontRef idx="minor"/>
+      </dsp:style>
+    </dsp:sp>
+    <dsp:sp modelId="{99FDF55F-B3E9-423D-AD21-A6446C5D7455}">
+      <dsp:nvSpPr>
+        <dsp:cNvPr id="0" name=""/>
+        <dsp:cNvSpPr/>
+      </dsp:nvSpPr>
+      <dsp:spPr>
+        <a:xfrm>
+          <a:off x="476379" y="1901164"/>
+          <a:ext cx="581632" cy="581632"/>
+        </a:xfrm>
+        <a:prstGeom prst="rect">
+          <a:avLst/>
+        </a:prstGeom>
+        <a:blipFill>
+          <a:blip xmlns:r="http://schemas.openxmlformats.org/officeDocument/2006/relationships" r:embed="rId3">
+            <a:extLst>
+              <a:ext uri="{96DAC541-7B7A-43D3-8B79-37D633B846F1}">
+                <asvg:svgBlip xmlns:asvg="http://schemas.microsoft.com/office/drawing/2016/SVG/main" r:embed="rId4"/>
+              </a:ext>
+            </a:extLst>
+          </a:blip>
+          <a:srcRect/>
+          <a:stretch>
+            <a:fillRect/>
+          </a:stretch>
+        </a:blipFill>
+        <a:ln w="31750" cap="flat" cmpd="sng" algn="ctr">
+          <a:solidFill>
+            <a:schemeClr val="lt1">
+              <a:alpha val="0"/>
+              <a:hueOff val="0"/>
+              <a:satOff val="0"/>
+              <a:lumOff val="0"/>
+              <a:alphaOff val="0"/>
+            </a:schemeClr>
+          </a:solidFill>
+          <a:prstDash val="solid"/>
+        </a:ln>
+        <a:effectLst/>
+      </dsp:spPr>
+      <dsp:style>
+        <a:lnRef idx="3">
+          <a:scrgbClr r="0" g="0" b="0"/>
+        </a:lnRef>
+        <a:fillRef idx="1">
           <a:scrgbClr r="0" g="0" b="0"/>
         </a:fillRef>
         <a:effectRef idx="1">
           <a:scrgbClr r="0" g="0" b="0"/>
         </a:effectRef>
         <a:fontRef idx="minor">
-          <a:schemeClr val="dk1"/>
+          <a:schemeClr val="lt1"/>
         </a:fontRef>
       </dsp:style>
     </dsp:sp>
-    <dsp:sp modelId="{6749C0EA-1B99-400E-B5E9-7F9E3C47DF67}">
+    <dsp:sp modelId="{80F6AD63-74FB-40E4-9D40-4178AFD87F60}">
       <dsp:nvSpPr>
         <dsp:cNvPr id="0" name=""/>
         <dsp:cNvSpPr/>
       </dsp:nvSpPr>
       <dsp:spPr>
-        <a:xfrm rot="17700000">
-          <a:off x="553773" y="3888000"/>
-          <a:ext cx="1286480" cy="620292"/>
+        <a:xfrm>
+          <a:off x="1625711" y="1526517"/>
+          <a:ext cx="3981338" cy="1407541"/>
         </a:xfrm>
         <a:prstGeom prst="rect">
           <a:avLst/>
@@ -4944,14 +3732,14 @@
         <a:fontRef idx="minor"/>
       </dsp:style>
       <dsp:txBody>
-        <a:bodyPr spcFirstLastPara="0" vert="horz" wrap="square" lIns="0" tIns="0" rIns="35560" bIns="0" numCol="1" spcCol="1270" rtlCol="0" anchor="ctr" anchorCtr="0">
+        <a:bodyPr spcFirstLastPara="0" vert="horz" wrap="square" lIns="148965" tIns="148965" rIns="148965" bIns="148965" numCol="1" spcCol="1270" rtlCol="0" anchor="ctr" anchorCtr="0">
           <a:noAutofit/>
         </a:bodyPr>
         <a:lstStyle/>
         <a:p>
-          <a:pPr marL="0" lvl="0" indent="0" algn="r" defTabSz="622300" rtl="0">
+          <a:pPr marL="0" lvl="0" indent="0" algn="l" defTabSz="1111250">
             <a:lnSpc>
-              <a:spcPct val="90000"/>
+              <a:spcPct val="100000"/>
             </a:lnSpc>
             <a:spcBef>
               <a:spcPct val="0"/>
@@ -4962,30 +3750,46 @@
             <a:buNone/>
           </a:pPr>
           <a:r>
-            <a:rPr lang="es-ES" sz="1400" kern="1200" noProof="0" dirty="0"/>
-            <a:t> Planeación</a:t>
+            <a:rPr lang="es-ES" sz="2500" kern="1200" noProof="0" dirty="0">
+              <a:effectLst>
+                <a:glow rad="152400">
+                  <a:schemeClr val="bg1">
+                    <a:alpha val="19000"/>
+                  </a:schemeClr>
+                </a:glow>
+              </a:effectLst>
+            </a:rPr>
+            <a:t>Análisis por producto</a:t>
           </a:r>
         </a:p>
       </dsp:txBody>
       <dsp:txXfrm>
-        <a:off x="553773" y="3888000"/>
-        <a:ext cx="1286480" cy="620292"/>
+        <a:off x="1625711" y="1526517"/>
+        <a:ext cx="3981338" cy="1407541"/>
       </dsp:txXfrm>
     </dsp:sp>
-    <dsp:sp modelId="{D74D6160-1F48-48F0-82A2-4366561C4041}">
+    <dsp:sp modelId="{436A8B1C-2D30-44BB-9150-7099503C8960}">
       <dsp:nvSpPr>
         <dsp:cNvPr id="0" name=""/>
         <dsp:cNvSpPr/>
       </dsp:nvSpPr>
       <dsp:spPr>
-        <a:xfrm rot="17700000">
-          <a:off x="1359186" y="2084311"/>
-          <a:ext cx="1286480" cy="620292"/>
+        <a:xfrm>
+          <a:off x="0" y="3113155"/>
+          <a:ext cx="5607050" cy="1407541"/>
         </a:xfrm>
         <a:prstGeom prst="rect">
           <a:avLst/>
         </a:prstGeom>
-        <a:noFill/>
+        <a:solidFill>
+          <a:schemeClr val="bg1">
+            <a:lumMod val="95000"/>
+            <a:hueOff val="0"/>
+            <a:satOff val="0"/>
+            <a:lumOff val="0"/>
+            <a:alphaOff val="0"/>
+          </a:schemeClr>
+        </a:solidFill>
         <a:ln>
           <a:noFill/>
         </a:ln>
@@ -4995,7 +3799,7 @@
         <a:lnRef idx="0">
           <a:scrgbClr r="0" g="0" b="0"/>
         </a:lnRef>
-        <a:fillRef idx="0">
+        <a:fillRef idx="1">
           <a:scrgbClr r="0" g="0" b="0"/>
         </a:fillRef>
         <a:effectRef idx="0">
@@ -5004,58 +3808,70 @@
         <a:fontRef idx="minor"/>
       </dsp:style>
     </dsp:sp>
-    <dsp:sp modelId="{8B67CF79-00AA-4519-A733-8B3C247B2366}">
+    <dsp:sp modelId="{1A8B8B62-3037-4506-89D7-28710774070B}">
       <dsp:nvSpPr>
         <dsp:cNvPr id="0" name=""/>
         <dsp:cNvSpPr/>
       </dsp:nvSpPr>
       <dsp:spPr>
         <a:xfrm>
-          <a:off x="2130712" y="3078416"/>
-          <a:ext cx="359997" cy="359997"/>
+          <a:off x="476379" y="3596678"/>
+          <a:ext cx="528758" cy="528758"/>
         </a:xfrm>
-        <a:prstGeom prst="ellipse">
+        <a:prstGeom prst="rect">
           <a:avLst/>
         </a:prstGeom>
-        <a:noFill/>
-        <a:ln w="19050">
+        <a:blipFill>
+          <a:blip xmlns:r="http://schemas.openxmlformats.org/officeDocument/2006/relationships" r:embed="rId5">
+            <a:extLst>
+              <a:ext uri="{96DAC541-7B7A-43D3-8B79-37D633B846F1}">
+                <asvg:svgBlip xmlns:asvg="http://schemas.microsoft.com/office/drawing/2016/SVG/main" r:embed="rId6"/>
+              </a:ext>
+            </a:extLst>
+          </a:blip>
+          <a:srcRect/>
+          <a:stretch>
+            <a:fillRect/>
+          </a:stretch>
+        </a:blipFill>
+        <a:ln w="31750" cap="flat" cmpd="sng" algn="ctr">
           <a:solidFill>
-            <a:schemeClr val="bg1">
-              <a:lumMod val="75000"/>
+            <a:schemeClr val="lt1">
+              <a:alpha val="0"/>
+              <a:hueOff val="0"/>
+              <a:satOff val="0"/>
+              <a:lumOff val="0"/>
+              <a:alphaOff val="0"/>
             </a:schemeClr>
           </a:solidFill>
+          <a:prstDash val="solid"/>
         </a:ln>
         <a:effectLst/>
-        <a:scene3d>
-          <a:camera prst="orthographicFront"/>
-          <a:lightRig rig="flat" dir="t"/>
-        </a:scene3d>
-        <a:sp3d prstMaterial="dkEdge"/>
       </dsp:spPr>
       <dsp:style>
-        <a:lnRef idx="0">
+        <a:lnRef idx="3">
           <a:scrgbClr r="0" g="0" b="0"/>
         </a:lnRef>
-        <a:fillRef idx="2">
+        <a:fillRef idx="1">
           <a:scrgbClr r="0" g="0" b="0"/>
         </a:fillRef>
         <a:effectRef idx="1">
           <a:scrgbClr r="0" g="0" b="0"/>
         </a:effectRef>
         <a:fontRef idx="minor">
-          <a:schemeClr val="dk1"/>
+          <a:schemeClr val="lt1"/>
         </a:fontRef>
       </dsp:style>
     </dsp:sp>
-    <dsp:sp modelId="{713CAC38-2807-4574-93E9-2BD9E3D32931}">
+    <dsp:sp modelId="{D5847293-6F0A-4807-B203-585610F4F535}">
       <dsp:nvSpPr>
         <dsp:cNvPr id="0" name=""/>
         <dsp:cNvSpPr/>
       </dsp:nvSpPr>
       <dsp:spPr>
-        <a:xfrm rot="17700000">
-          <a:off x="1264765" y="3888000"/>
-          <a:ext cx="1286480" cy="620292"/>
+        <a:xfrm>
+          <a:off x="1625711" y="3113155"/>
+          <a:ext cx="3981338" cy="1407541"/>
         </a:xfrm>
         <a:prstGeom prst="rect">
           <a:avLst/>
@@ -5079,14 +3895,14 @@
         <a:fontRef idx="minor"/>
       </dsp:style>
       <dsp:txBody>
-        <a:bodyPr spcFirstLastPara="0" vert="horz" wrap="square" lIns="0" tIns="0" rIns="35560" bIns="0" numCol="1" spcCol="1270" rtlCol="0" anchor="ctr" anchorCtr="0">
+        <a:bodyPr spcFirstLastPara="0" vert="horz" wrap="square" lIns="148965" tIns="148965" rIns="148965" bIns="148965" numCol="1" spcCol="1270" rtlCol="0" anchor="ctr" anchorCtr="0">
           <a:noAutofit/>
         </a:bodyPr>
         <a:lstStyle/>
         <a:p>
-          <a:pPr marL="0" lvl="0" indent="0" algn="r" defTabSz="622300" rtl="0">
+          <a:pPr marL="0" lvl="0" indent="0" algn="l" defTabSz="1111250">
             <a:lnSpc>
-              <a:spcPct val="90000"/>
+              <a:spcPct val="100000"/>
             </a:lnSpc>
             <a:spcBef>
               <a:spcPct val="0"/>
@@ -5097,567 +3913,23 @@
             <a:buNone/>
           </a:pPr>
           <a:r>
-            <a:rPr lang="es-ES" sz="1400" kern="1200" noProof="0" dirty="0"/>
-            <a:t>Inversión inicial</a:t>
+            <a:rPr lang="es-ES" sz="2500" kern="1200" noProof="0" dirty="0">
+              <a:effectLst>
+                <a:glow rad="152400">
+                  <a:schemeClr val="bg1">
+                    <a:alpha val="19000"/>
+                  </a:schemeClr>
+                </a:glow>
+              </a:effectLst>
+            </a:rPr>
+            <a:t>Seguimiento del comercio exterior</a:t>
           </a:r>
         </a:p>
       </dsp:txBody>
       <dsp:txXfrm>
-        <a:off x="1264765" y="3888000"/>
-        <a:ext cx="1286480" cy="620292"/>
+        <a:off x="1625711" y="3113155"/>
+        <a:ext cx="3981338" cy="1407541"/>
       </dsp:txXfrm>
-    </dsp:sp>
-    <dsp:sp modelId="{E34EC4A5-7504-473F-BCC0-A5B138B3F9BD}">
-      <dsp:nvSpPr>
-        <dsp:cNvPr id="0" name=""/>
-        <dsp:cNvSpPr/>
-      </dsp:nvSpPr>
-      <dsp:spPr>
-        <a:xfrm rot="17700000">
-          <a:off x="2070177" y="2084311"/>
-          <a:ext cx="1286480" cy="620292"/>
-        </a:xfrm>
-        <a:prstGeom prst="rect">
-          <a:avLst/>
-        </a:prstGeom>
-        <a:noFill/>
-        <a:ln>
-          <a:noFill/>
-        </a:ln>
-        <a:effectLst/>
-      </dsp:spPr>
-      <dsp:style>
-        <a:lnRef idx="0">
-          <a:scrgbClr r="0" g="0" b="0"/>
-        </a:lnRef>
-        <a:fillRef idx="0">
-          <a:scrgbClr r="0" g="0" b="0"/>
-        </a:fillRef>
-        <a:effectRef idx="0">
-          <a:scrgbClr r="0" g="0" b="0"/>
-        </a:effectRef>
-        <a:fontRef idx="minor"/>
-      </dsp:style>
-    </dsp:sp>
-    <dsp:sp modelId="{1B7B2673-0339-44E0-8C0E-95BA89778014}">
-      <dsp:nvSpPr>
-        <dsp:cNvPr id="0" name=""/>
-        <dsp:cNvSpPr/>
-      </dsp:nvSpPr>
-      <dsp:spPr>
-        <a:xfrm>
-          <a:off x="2841703" y="3078416"/>
-          <a:ext cx="359997" cy="359997"/>
-        </a:xfrm>
-        <a:prstGeom prst="ellipse">
-          <a:avLst/>
-        </a:prstGeom>
-        <a:noFill/>
-        <a:ln w="19050">
-          <a:solidFill>
-            <a:schemeClr val="bg1">
-              <a:lumMod val="75000"/>
-            </a:schemeClr>
-          </a:solidFill>
-        </a:ln>
-        <a:effectLst/>
-        <a:scene3d>
-          <a:camera prst="orthographicFront"/>
-          <a:lightRig rig="flat" dir="t"/>
-        </a:scene3d>
-        <a:sp3d prstMaterial="dkEdge"/>
-      </dsp:spPr>
-      <dsp:style>
-        <a:lnRef idx="0">
-          <a:scrgbClr r="0" g="0" b="0"/>
-        </a:lnRef>
-        <a:fillRef idx="2">
-          <a:scrgbClr r="0" g="0" b="0"/>
-        </a:fillRef>
-        <a:effectRef idx="1">
-          <a:scrgbClr r="0" g="0" b="0"/>
-        </a:effectRef>
-        <a:fontRef idx="minor">
-          <a:schemeClr val="dk1"/>
-        </a:fontRef>
-      </dsp:style>
-    </dsp:sp>
-    <dsp:sp modelId="{D9AE80C5-FF95-4AE8-B7A0-6BF19841CD23}">
-      <dsp:nvSpPr>
-        <dsp:cNvPr id="0" name=""/>
-        <dsp:cNvSpPr/>
-      </dsp:nvSpPr>
-      <dsp:spPr>
-        <a:xfrm rot="17700000">
-          <a:off x="1975756" y="3888000"/>
-          <a:ext cx="1286480" cy="620292"/>
-        </a:xfrm>
-        <a:prstGeom prst="rect">
-          <a:avLst/>
-        </a:prstGeom>
-        <a:noFill/>
-        <a:ln>
-          <a:noFill/>
-        </a:ln>
-        <a:effectLst/>
-      </dsp:spPr>
-      <dsp:style>
-        <a:lnRef idx="0">
-          <a:scrgbClr r="0" g="0" b="0"/>
-        </a:lnRef>
-        <a:fillRef idx="0">
-          <a:scrgbClr r="0" g="0" b="0"/>
-        </a:fillRef>
-        <a:effectRef idx="0">
-          <a:scrgbClr r="0" g="0" b="0"/>
-        </a:effectRef>
-        <a:fontRef idx="minor"/>
-      </dsp:style>
-      <dsp:txBody>
-        <a:bodyPr spcFirstLastPara="0" vert="horz" wrap="square" lIns="0" tIns="0" rIns="35560" bIns="0" numCol="1" spcCol="1270" rtlCol="0" anchor="ctr" anchorCtr="0">
-          <a:noAutofit/>
-        </a:bodyPr>
-        <a:lstStyle/>
-        <a:p>
-          <a:pPr marL="0" lvl="0" indent="0" algn="r" defTabSz="622300" rtl="0">
-            <a:lnSpc>
-              <a:spcPct val="90000"/>
-            </a:lnSpc>
-            <a:spcBef>
-              <a:spcPct val="0"/>
-            </a:spcBef>
-            <a:spcAft>
-              <a:spcPct val="35000"/>
-            </a:spcAft>
-            <a:buNone/>
-          </a:pPr>
-          <a:r>
-            <a:rPr lang="es-ES" sz="1400" kern="1200" noProof="0" dirty="0"/>
-            <a:t>Comunicación</a:t>
-          </a:r>
-        </a:p>
-      </dsp:txBody>
-      <dsp:txXfrm>
-        <a:off x="1975756" y="3888000"/>
-        <a:ext cx="1286480" cy="620292"/>
-      </dsp:txXfrm>
-    </dsp:sp>
-    <dsp:sp modelId="{036203D8-CFB2-4A4A-BB12-FCFFFB4534F3}">
-      <dsp:nvSpPr>
-        <dsp:cNvPr id="0" name=""/>
-        <dsp:cNvSpPr/>
-      </dsp:nvSpPr>
-      <dsp:spPr>
-        <a:xfrm rot="17700000">
-          <a:off x="2781169" y="2084311"/>
-          <a:ext cx="1286480" cy="620292"/>
-        </a:xfrm>
-        <a:prstGeom prst="rect">
-          <a:avLst/>
-        </a:prstGeom>
-        <a:noFill/>
-        <a:ln>
-          <a:noFill/>
-        </a:ln>
-        <a:effectLst/>
-      </dsp:spPr>
-      <dsp:style>
-        <a:lnRef idx="0">
-          <a:scrgbClr r="0" g="0" b="0"/>
-        </a:lnRef>
-        <a:fillRef idx="0">
-          <a:scrgbClr r="0" g="0" b="0"/>
-        </a:fillRef>
-        <a:effectRef idx="0">
-          <a:scrgbClr r="0" g="0" b="0"/>
-        </a:effectRef>
-        <a:fontRef idx="minor"/>
-      </dsp:style>
-    </dsp:sp>
-    <dsp:sp modelId="{1D3B3624-0AA7-4260-AE86-8595E24ED09E}">
-      <dsp:nvSpPr>
-        <dsp:cNvPr id="0" name=""/>
-        <dsp:cNvSpPr/>
-      </dsp:nvSpPr>
-      <dsp:spPr>
-        <a:xfrm>
-          <a:off x="3422302" y="2660246"/>
-          <a:ext cx="1196336" cy="1196336"/>
-        </a:xfrm>
-        <a:prstGeom prst="donut">
-          <a:avLst>
-            <a:gd name="adj" fmla="val 20000"/>
-          </a:avLst>
-        </a:prstGeom>
-        <a:gradFill rotWithShape="0">
-          <a:gsLst>
-            <a:gs pos="0">
-              <a:schemeClr val="tx2"/>
-            </a:gs>
-            <a:gs pos="100000">
-              <a:schemeClr val="tx2">
-                <a:lumMod val="50000"/>
-              </a:schemeClr>
-            </a:gs>
-          </a:gsLst>
-          <a:lin ang="5400000" scaled="0"/>
-        </a:gradFill>
-        <a:ln>
-          <a:noFill/>
-        </a:ln>
-        <a:effectLst/>
-        <a:scene3d>
-          <a:camera prst="orthographicFront"/>
-          <a:lightRig rig="flat" dir="t"/>
-        </a:scene3d>
-        <a:sp3d prstMaterial="dkEdge">
-          <a:bevelT w="8200" h="38100"/>
-        </a:sp3d>
-      </dsp:spPr>
-      <dsp:style>
-        <a:lnRef idx="0">
-          <a:scrgbClr r="0" g="0" b="0"/>
-        </a:lnRef>
-        <a:fillRef idx="2">
-          <a:scrgbClr r="0" g="0" b="0"/>
-        </a:fillRef>
-        <a:effectRef idx="1">
-          <a:scrgbClr r="0" g="0" b="0"/>
-        </a:effectRef>
-        <a:fontRef idx="minor">
-          <a:schemeClr val="dk1"/>
-        </a:fontRef>
-      </dsp:style>
-    </dsp:sp>
-    <dsp:sp modelId="{E648DC65-DF54-488E-83A7-B6467C479D02}">
-      <dsp:nvSpPr>
-        <dsp:cNvPr id="0" name=""/>
-        <dsp:cNvSpPr/>
-      </dsp:nvSpPr>
-      <dsp:spPr>
-        <a:xfrm rot="17700000">
-          <a:off x="3843837" y="1512007"/>
-          <a:ext cx="1487179" cy="716705"/>
-        </a:xfrm>
-        <a:prstGeom prst="rect">
-          <a:avLst/>
-        </a:prstGeom>
-        <a:noFill/>
-        <a:ln>
-          <a:noFill/>
-        </a:ln>
-        <a:effectLst/>
-      </dsp:spPr>
-      <dsp:style>
-        <a:lnRef idx="0">
-          <a:scrgbClr r="0" g="0" b="0"/>
-        </a:lnRef>
-        <a:fillRef idx="0">
-          <a:scrgbClr r="0" g="0" b="0"/>
-        </a:fillRef>
-        <a:effectRef idx="0">
-          <a:scrgbClr r="0" g="0" b="0"/>
-        </a:effectRef>
-        <a:fontRef idx="minor"/>
-      </dsp:style>
-      <dsp:txBody>
-        <a:bodyPr spcFirstLastPara="0" vert="horz" wrap="square" lIns="45720" tIns="0" rIns="0" bIns="0" numCol="1" spcCol="1270" rtlCol="0" anchor="ctr" anchorCtr="0">
-          <a:noAutofit/>
-        </a:bodyPr>
-        <a:lstStyle/>
-        <a:p>
-          <a:pPr marL="0" lvl="0" indent="0" algn="l" defTabSz="800100" rtl="0">
-            <a:lnSpc>
-              <a:spcPct val="90000"/>
-            </a:lnSpc>
-            <a:spcBef>
-              <a:spcPct val="0"/>
-            </a:spcBef>
-            <a:spcAft>
-              <a:spcPct val="35000"/>
-            </a:spcAft>
-            <a:buNone/>
-          </a:pPr>
-          <a:r>
-            <a:rPr lang="es-ES" sz="1800" b="1" kern="1200" noProof="0" dirty="0"/>
-            <a:t>Hito 2</a:t>
-          </a:r>
-        </a:p>
-      </dsp:txBody>
-      <dsp:txXfrm>
-        <a:off x="3843837" y="1512007"/>
-        <a:ext cx="1487179" cy="716705"/>
-      </dsp:txXfrm>
-    </dsp:sp>
-    <dsp:sp modelId="{2E456752-9A8D-4597-8B9D-1337E2E3BB15}">
-      <dsp:nvSpPr>
-        <dsp:cNvPr id="0" name=""/>
-        <dsp:cNvSpPr/>
-      </dsp:nvSpPr>
-      <dsp:spPr>
-        <a:xfrm>
-          <a:off x="5037847" y="3078887"/>
-          <a:ext cx="359997" cy="359997"/>
-        </a:xfrm>
-        <a:prstGeom prst="ellipse">
-          <a:avLst/>
-        </a:prstGeom>
-        <a:noFill/>
-        <a:ln w="19050">
-          <a:solidFill>
-            <a:schemeClr val="bg1">
-              <a:lumMod val="75000"/>
-            </a:schemeClr>
-          </a:solidFill>
-        </a:ln>
-        <a:effectLst/>
-        <a:scene3d>
-          <a:camera prst="orthographicFront"/>
-          <a:lightRig rig="flat" dir="t"/>
-        </a:scene3d>
-        <a:sp3d prstMaterial="dkEdge"/>
-      </dsp:spPr>
-      <dsp:style>
-        <a:lnRef idx="0">
-          <a:scrgbClr r="0" g="0" b="0"/>
-        </a:lnRef>
-        <a:fillRef idx="2">
-          <a:scrgbClr r="0" g="0" b="0"/>
-        </a:fillRef>
-        <a:effectRef idx="1">
-          <a:scrgbClr r="0" g="0" b="0"/>
-        </a:effectRef>
-        <a:fontRef idx="minor">
-          <a:schemeClr val="dk1"/>
-        </a:fontRef>
-      </dsp:style>
-    </dsp:sp>
-    <dsp:sp modelId="{DB3BF36B-C726-491E-B973-D7822FF7B562}">
-      <dsp:nvSpPr>
-        <dsp:cNvPr id="0" name=""/>
-        <dsp:cNvSpPr/>
-      </dsp:nvSpPr>
-      <dsp:spPr>
-        <a:xfrm rot="17700000">
-          <a:off x="4027558" y="3887999"/>
-          <a:ext cx="1585955" cy="918924"/>
-        </a:xfrm>
-        <a:prstGeom prst="rect">
-          <a:avLst/>
-        </a:prstGeom>
-        <a:noFill/>
-        <a:ln>
-          <a:noFill/>
-        </a:ln>
-        <a:effectLst/>
-      </dsp:spPr>
-      <dsp:style>
-        <a:lnRef idx="0">
-          <a:scrgbClr r="0" g="0" b="0"/>
-        </a:lnRef>
-        <a:fillRef idx="0">
-          <a:scrgbClr r="0" g="0" b="0"/>
-        </a:fillRef>
-        <a:effectRef idx="0">
-          <a:scrgbClr r="0" g="0" b="0"/>
-        </a:effectRef>
-        <a:fontRef idx="minor"/>
-      </dsp:style>
-      <dsp:txBody>
-        <a:bodyPr spcFirstLastPara="0" vert="horz" wrap="square" lIns="0" tIns="0" rIns="35560" bIns="0" numCol="1" spcCol="1270" rtlCol="0" anchor="ctr" anchorCtr="0">
-          <a:noAutofit/>
-        </a:bodyPr>
-        <a:lstStyle/>
-        <a:p>
-          <a:pPr marL="0" lvl="0" indent="0" algn="r" defTabSz="622300" rtl="0">
-            <a:lnSpc>
-              <a:spcPct val="90000"/>
-            </a:lnSpc>
-            <a:spcBef>
-              <a:spcPct val="0"/>
-            </a:spcBef>
-            <a:spcAft>
-              <a:spcPct val="35000"/>
-            </a:spcAft>
-            <a:buNone/>
-          </a:pPr>
-          <a:r>
-            <a:rPr lang="es-ES" sz="1400" kern="1200" noProof="0" dirty="0"/>
-            <a:t>Segunda inversión</a:t>
-          </a:r>
-        </a:p>
-      </dsp:txBody>
-      <dsp:txXfrm>
-        <a:off x="4027558" y="3887999"/>
-        <a:ext cx="1585955" cy="918924"/>
-      </dsp:txXfrm>
-    </dsp:sp>
-    <dsp:sp modelId="{36887002-B3D0-42CD-A990-923EC387A697}">
-      <dsp:nvSpPr>
-        <dsp:cNvPr id="0" name=""/>
-        <dsp:cNvSpPr/>
-      </dsp:nvSpPr>
-      <dsp:spPr>
-        <a:xfrm rot="17700000">
-          <a:off x="4977312" y="1885499"/>
-          <a:ext cx="1286480" cy="620292"/>
-        </a:xfrm>
-        <a:prstGeom prst="rect">
-          <a:avLst/>
-        </a:prstGeom>
-        <a:noFill/>
-        <a:ln>
-          <a:noFill/>
-        </a:ln>
-        <a:effectLst/>
-      </dsp:spPr>
-      <dsp:style>
-        <a:lnRef idx="0">
-          <a:scrgbClr r="0" g="0" b="0"/>
-        </a:lnRef>
-        <a:fillRef idx="0">
-          <a:scrgbClr r="0" g="0" b="0"/>
-        </a:fillRef>
-        <a:effectRef idx="0">
-          <a:scrgbClr r="0" g="0" b="0"/>
-        </a:effectRef>
-        <a:fontRef idx="minor"/>
-      </dsp:style>
-    </dsp:sp>
-    <dsp:sp modelId="{EE45DA57-5C87-4318-9528-38910594B01E}">
-      <dsp:nvSpPr>
-        <dsp:cNvPr id="0" name=""/>
-        <dsp:cNvSpPr/>
-      </dsp:nvSpPr>
-      <dsp:spPr>
-        <a:xfrm>
-          <a:off x="5748838" y="3078416"/>
-          <a:ext cx="359997" cy="359997"/>
-        </a:xfrm>
-        <a:prstGeom prst="ellipse">
-          <a:avLst/>
-        </a:prstGeom>
-        <a:noFill/>
-        <a:ln w="19050">
-          <a:solidFill>
-            <a:schemeClr val="bg1">
-              <a:lumMod val="75000"/>
-            </a:schemeClr>
-          </a:solidFill>
-        </a:ln>
-        <a:effectLst/>
-        <a:scene3d>
-          <a:camera prst="orthographicFront"/>
-          <a:lightRig rig="flat" dir="t"/>
-        </a:scene3d>
-        <a:sp3d prstMaterial="dkEdge"/>
-      </dsp:spPr>
-      <dsp:style>
-        <a:lnRef idx="0">
-          <a:scrgbClr r="0" g="0" b="0"/>
-        </a:lnRef>
-        <a:fillRef idx="2">
-          <a:scrgbClr r="0" g="0" b="0"/>
-        </a:fillRef>
-        <a:effectRef idx="1">
-          <a:scrgbClr r="0" g="0" b="0"/>
-        </a:effectRef>
-        <a:fontRef idx="minor">
-          <a:schemeClr val="dk1"/>
-        </a:fontRef>
-      </dsp:style>
-    </dsp:sp>
-    <dsp:sp modelId="{7B868461-920B-4257-AAE0-91738CB6D378}">
-      <dsp:nvSpPr>
-        <dsp:cNvPr id="0" name=""/>
-        <dsp:cNvSpPr/>
-      </dsp:nvSpPr>
-      <dsp:spPr>
-        <a:xfrm rot="17700000">
-          <a:off x="4882890" y="3888000"/>
-          <a:ext cx="1286480" cy="620292"/>
-        </a:xfrm>
-        <a:prstGeom prst="rect">
-          <a:avLst/>
-        </a:prstGeom>
-        <a:noFill/>
-        <a:ln>
-          <a:noFill/>
-        </a:ln>
-        <a:effectLst/>
-      </dsp:spPr>
-      <dsp:style>
-        <a:lnRef idx="0">
-          <a:scrgbClr r="0" g="0" b="0"/>
-        </a:lnRef>
-        <a:fillRef idx="0">
-          <a:scrgbClr r="0" g="0" b="0"/>
-        </a:fillRef>
-        <a:effectRef idx="0">
-          <a:scrgbClr r="0" g="0" b="0"/>
-        </a:effectRef>
-        <a:fontRef idx="minor"/>
-      </dsp:style>
-      <dsp:txBody>
-        <a:bodyPr spcFirstLastPara="0" vert="horz" wrap="square" lIns="0" tIns="0" rIns="35560" bIns="0" numCol="1" spcCol="1270" rtlCol="0" anchor="ctr" anchorCtr="0">
-          <a:noAutofit/>
-        </a:bodyPr>
-        <a:lstStyle/>
-        <a:p>
-          <a:pPr marL="0" lvl="0" indent="0" algn="r" defTabSz="622300" rtl="0">
-            <a:lnSpc>
-              <a:spcPct val="90000"/>
-            </a:lnSpc>
-            <a:spcBef>
-              <a:spcPct val="0"/>
-            </a:spcBef>
-            <a:spcAft>
-              <a:spcPct val="35000"/>
-            </a:spcAft>
-            <a:buNone/>
-          </a:pPr>
-          <a:r>
-            <a:rPr lang="es-ES" sz="1400" kern="1200" noProof="0" dirty="0"/>
-            <a:t>Devoluciones</a:t>
-          </a:r>
-        </a:p>
-      </dsp:txBody>
-      <dsp:txXfrm>
-        <a:off x="4882890" y="3888000"/>
-        <a:ext cx="1286480" cy="620292"/>
-      </dsp:txXfrm>
-    </dsp:sp>
-    <dsp:sp modelId="{69707822-003F-4B4C-A950-F87BC193EFF9}">
-      <dsp:nvSpPr>
-        <dsp:cNvPr id="0" name=""/>
-        <dsp:cNvSpPr/>
-      </dsp:nvSpPr>
-      <dsp:spPr>
-        <a:xfrm rot="17700000">
-          <a:off x="5688303" y="2084311"/>
-          <a:ext cx="1286480" cy="620292"/>
-        </a:xfrm>
-        <a:prstGeom prst="rect">
-          <a:avLst/>
-        </a:prstGeom>
-        <a:noFill/>
-        <a:ln>
-          <a:noFill/>
-        </a:ln>
-        <a:effectLst/>
-      </dsp:spPr>
-      <dsp:style>
-        <a:lnRef idx="0">
-          <a:scrgbClr r="0" g="0" b="0"/>
-        </a:lnRef>
-        <a:fillRef idx="0">
-          <a:scrgbClr r="0" g="0" b="0"/>
-        </a:fillRef>
-        <a:effectRef idx="0">
-          <a:scrgbClr r="0" g="0" b="0"/>
-        </a:effectRef>
-        <a:fontRef idx="minor"/>
-      </dsp:style>
     </dsp:sp>
   </dsp:spTree>
 </dsp:drawing>
@@ -5958,497 +4230,296 @@
 </file>
 
 <file path=ppt/diagrams/layout2.xml><?xml version="1.0" encoding="utf-8"?>
-<dgm:layoutDef xmlns:dgm="http://schemas.openxmlformats.org/drawingml/2006/diagram" xmlns:a="http://schemas.openxmlformats.org/drawingml/2006/main" uniqueId="urn:microsoft.com/office/officeart/2008/layout/CircleAccentTimeline">
-  <dgm:title val=""/>
-  <dgm:desc val=""/>
+<dgm:layoutDef xmlns:dgm="http://schemas.openxmlformats.org/drawingml/2006/diagram" xmlns:a="http://schemas.openxmlformats.org/drawingml/2006/main" uniqueId="urn:microsoft.com/office/officeart/2018/2/layout/IconVerticalSolidList">
+  <dgm:title val="Lista sólida vertical de iconos"/>
+  <dgm:desc val="Se usa para mostrar una serie de elementos visuales de arriba a abajo con texto de nivel 1 o nivel 1 y nivel 2 agrupados en una forma. Funciona mejor con iconos o imágenes pequeñas con descripciones más largas."/>
   <dgm:catLst>
-    <dgm:cat type="process" pri="7500"/>
+    <dgm:cat type="icon" pri="500"/>
   </dgm:catLst>
-  <dgm:sampData>
+  <dgm:sampData useDef="1">
     <dgm:dataModel>
-      <dgm:ptLst>
-        <dgm:pt modelId="0" type="doc"/>
-        <dgm:pt modelId="1">
-          <dgm:prSet phldr="1"/>
-        </dgm:pt>
-        <dgm:pt modelId="11">
-          <dgm:prSet phldr="1"/>
-        </dgm:pt>
-        <dgm:pt modelId="12">
-          <dgm:prSet phldr="1"/>
-        </dgm:pt>
-        <dgm:pt modelId="2">
-          <dgm:prSet phldr="1"/>
-        </dgm:pt>
-        <dgm:pt modelId="21">
-          <dgm:prSet phldr="1"/>
-        </dgm:pt>
-        <dgm:pt modelId="22">
-          <dgm:prSet phldr="1"/>
-        </dgm:pt>
-      </dgm:ptLst>
-      <dgm:cxnLst>
-        <dgm:cxn modelId="4" srcId="0" destId="1" srcOrd="0" destOrd="0"/>
-        <dgm:cxn modelId="41" srcId="1" destId="11" srcOrd="0" destOrd="0"/>
-        <dgm:cxn modelId="42" srcId="1" destId="12" srcOrd="1" destOrd="0"/>
-        <dgm:cxn modelId="5" srcId="0" destId="2" srcOrd="0" destOrd="0"/>
-        <dgm:cxn modelId="51" srcId="2" destId="21" srcOrd="0" destOrd="0"/>
-        <dgm:cxn modelId="52" srcId="2" destId="22" srcOrd="1" destOrd="0"/>
-      </dgm:cxnLst>
+      <dgm:ptLst/>
       <dgm:bg/>
       <dgm:whole/>
     </dgm:dataModel>
   </dgm:sampData>
-  <dgm:styleData>
+  <dgm:styleData useDef="1">
     <dgm:dataModel>
-      <dgm:ptLst>
-        <dgm:pt modelId="0" type="doc"/>
-        <dgm:pt modelId="1">
-          <dgm:prSet phldr="1"/>
-        </dgm:pt>
-        <dgm:pt modelId="11">
-          <dgm:prSet phldr="1"/>
-        </dgm:pt>
-        <dgm:pt modelId="2">
-          <dgm:prSet phldr="1"/>
-        </dgm:pt>
-        <dgm:pt modelId="21">
-          <dgm:prSet phldr="1"/>
-        </dgm:pt>
-      </dgm:ptLst>
-      <dgm:cxnLst>
-        <dgm:cxn modelId="4" srcId="0" destId="1" srcOrd="0" destOrd="0"/>
-        <dgm:cxn modelId="41" srcId="1" destId="11" srcOrd="0" destOrd="0"/>
-        <dgm:cxn modelId="5" srcId="0" destId="2" srcOrd="0" destOrd="0"/>
-        <dgm:cxn modelId="51" srcId="2" destId="21" srcOrd="0" destOrd="0"/>
-      </dgm:cxnLst>
+      <dgm:ptLst/>
       <dgm:bg/>
       <dgm:whole/>
     </dgm:dataModel>
   </dgm:styleData>
-  <dgm:clrData>
+  <dgm:clrData useDef="1">
     <dgm:dataModel>
-      <dgm:ptLst>
-        <dgm:pt modelId="0" type="doc"/>
-        <dgm:pt modelId="1">
-          <dgm:prSet phldr="1"/>
-        </dgm:pt>
-        <dgm:pt modelId="11">
-          <dgm:prSet phldr="1"/>
-        </dgm:pt>
-        <dgm:pt modelId="2">
-          <dgm:prSet phldr="1"/>
-        </dgm:pt>
-        <dgm:pt modelId="21">
-          <dgm:prSet phldr="1"/>
-        </dgm:pt>
-      </dgm:ptLst>
-      <dgm:cxnLst>
-        <dgm:cxn modelId="4" srcId="0" destId="1" srcOrd="0" destOrd="0"/>
-        <dgm:cxn modelId="41" srcId="1" destId="11" srcOrd="0" destOrd="0"/>
-        <dgm:cxn modelId="5" srcId="0" destId="2" srcOrd="0" destOrd="0"/>
-        <dgm:cxn modelId="51" srcId="2" destId="21" srcOrd="0" destOrd="0"/>
-      </dgm:cxnLst>
+      <dgm:ptLst/>
       <dgm:bg/>
       <dgm:whole/>
     </dgm:dataModel>
   </dgm:clrData>
-  <dgm:layoutNode name="Name0">
+  <dgm:layoutNode name="root">
     <dgm:varLst>
       <dgm:dir/>
+      <dgm:resizeHandles val="exact"/>
     </dgm:varLst>
-    <dgm:choose name="Name1">
-      <dgm:if name="Name2" func="var" arg="dir" op="equ" val="norm">
+    <dgm:choose name="Name0">
+      <dgm:if name="Name1" axis="self" func="var" arg="dir" op="equ" val="norm">
         <dgm:alg type="lin">
-          <dgm:param type="fallback" val="2D"/>
-          <dgm:param type="nodeVertAlign" val="b"/>
+          <dgm:param type="linDir" val="fromT"/>
+          <dgm:param type="nodeHorzAlign" val="l"/>
         </dgm:alg>
       </dgm:if>
-      <dgm:else name="Name3">
+      <dgm:else name="Name2">
         <dgm:alg type="lin">
-          <dgm:param type="fallback" val="2D"/>
-          <dgm:param type="nodeVertAlign" val="b"/>
-          <dgm:param type="linDir" val="fromR"/>
+          <dgm:param type="linDir" val="fromT"/>
+          <dgm:param type="nodeHorzAlign" val="r"/>
         </dgm:alg>
       </dgm:else>
     </dgm:choose>
     <dgm:shape xmlns:r="http://schemas.openxmlformats.org/officeDocument/2006/relationships" r:blip="">
       <dgm:adjLst/>
     </dgm:shape>
-    <dgm:constrLst>
-      <dgm:constr type="h" for="ch" forName="parComposite" refType="h"/>
-      <dgm:constr type="w" for="ch" forName="parComposite" refType="h" refFor="ch" refForName="parComposite" fact="0.4986"/>
-      <dgm:constr type="h" for="ch" forName="desComposite" refType="h" fact="0.8722"/>
-      <dgm:constr type="w" for="ch" forName="desComposite" refType="h" refFor="ch" refForName="desComposite" fact="0.6056"/>
-      <dgm:constr type="w" for="ch" forName="parBackupNorm" refType="w" refFor="ch" refForName="parComposite" fact="-0.3369"/>
-      <dgm:constr type="w" for="ch" forName="parBackupRTL" refType="w" refFor="ch" refForName="parComposite" fact="-0.3369"/>
-      <dgm:constr type="w" for="ch" forName="parBackupRev" refType="w" refFor="ch" refForName="parComposite" fact="0"/>
-      <dgm:constr type="w" for="ch" forName="desBackupLeftNorm" refType="w" refFor="ch" refForName="desComposite" fact="-0.3376"/>
-      <dgm:constr type="w" for="ch" forName="desBackupLeftRev" refType="w" refFor="ch" refForName="desComposite" fact="-0.3376"/>
-      <dgm:constr type="w" for="ch" forName="desBackupRightNorm" refType="w" refFor="ch" refForName="desComposite" fact="-0.3376"/>
-      <dgm:constr type="w" for="ch" forName="desBackupRightRev" refType="w" refFor="ch" refForName="desComposite" fact="-0.3376"/>
-      <dgm:constr type="w" for="ch" forName="parSpace" refType="w" refFor="ch" refForName="parComposite" fact="0.05"/>
-      <dgm:constr type="w" for="ch" forName="desSpace" refType="w" refFor="ch" refForName="parComposite" fact="0.05"/>
-      <dgm:constr type="primFontSz" for="des" forName="parTx" op="equ" val="65"/>
-      <dgm:constr type="primFontSz" for="des" forName="chTx" refType="primFontSz" refFor="des" refForName="parTx" op="lte" val="65"/>
-      <dgm:constr type="primFontSz" for="des" forName="desTx" refType="primFontSz" refFor="des" refForName="chTx" op="lte" val="65"/>
-      <dgm:constr type="primFontSz" for="des" forName="desTx" refType="primFontSz" refFor="des" refForName="parTx" op="lte"/>
-    </dgm:constrLst>
-    <dgm:forEach name="Name4" axis="ch" ptType="node">
-      <dgm:layoutNode name="parComposite">
+    <dgm:presOf/>
+    <dgm:choose name="Name3">
+      <dgm:if name="Name4" axis="ch" ptType="node" func="cnt" op="lte" val="3">
+        <dgm:constrLst>
+          <dgm:constr type="h" for="ch" forName="compNode" refType="h" fact="0.3"/>
+          <dgm:constr type="w" for="ch" forName="compNode" refType="w"/>
+          <dgm:constr type="h" for="ch" forName="sibTrans" refType="h" refFor="ch" refForName="compNode" fact="0.25"/>
+          <dgm:constr type="primFontSz" for="des" forName="parTx" val="25"/>
+          <dgm:constr type="primFontSz" for="des" forName="desTx" refType="primFontSz" refFor="des" refForName="parTx" op="lte" fact="0.75"/>
+          <dgm:constr type="h" for="des" forName="compNode" op="equ"/>
+          <dgm:constr type="h" for="des" forName="bgRect" op="equ"/>
+          <dgm:constr type="h" for="des" forName="iconRect" op="equ"/>
+          <dgm:constr type="w" for="des" forName="iconRect" op="equ"/>
+          <dgm:constr type="h" for="des" forName="spaceRect" op="equ"/>
+          <dgm:constr type="h" for="des" forName="parTx" op="equ"/>
+          <dgm:constr type="h" for="des" forName="desTx" op="equ"/>
+        </dgm:constrLst>
+      </dgm:if>
+      <dgm:if name="Name5" axis="ch" ptType="node" func="cnt" op="lte" val="4">
+        <dgm:constrLst>
+          <dgm:constr type="h" for="ch" forName="compNode" refType="h" fact="0.3"/>
+          <dgm:constr type="w" for="ch" forName="compNode" refType="w"/>
+          <dgm:constr type="h" for="ch" forName="sibTrans" refType="h" refFor="ch" refForName="compNode" fact="0.25"/>
+          <dgm:constr type="primFontSz" for="des" forName="parTx" val="22"/>
+          <dgm:constr type="primFontSz" for="des" forName="desTx" refType="primFontSz" refFor="des" refForName="parTx" op="lte" fact="0.75"/>
+          <dgm:constr type="h" for="des" forName="compNode" op="equ"/>
+          <dgm:constr type="h" for="des" forName="bgRect" op="equ"/>
+          <dgm:constr type="h" for="des" forName="iconRect" op="equ"/>
+          <dgm:constr type="w" for="des" forName="iconRect" op="equ"/>
+          <dgm:constr type="h" for="des" forName="spaceRect" op="equ"/>
+          <dgm:constr type="h" for="des" forName="parTx" op="equ"/>
+          <dgm:constr type="h" for="des" forName="desTx" op="equ"/>
+        </dgm:constrLst>
+      </dgm:if>
+      <dgm:if name="Name6" axis="ch" ptType="node" func="cnt" op="lte" val="6">
+        <dgm:constrLst>
+          <dgm:constr type="h" for="ch" forName="compNode" refType="h" fact="0.3"/>
+          <dgm:constr type="w" for="ch" forName="compNode" refType="w"/>
+          <dgm:constr type="h" for="ch" forName="sibTrans" refType="h" refFor="ch" refForName="compNode" fact="0.25"/>
+          <dgm:constr type="primFontSz" for="des" forName="parTx" val="19"/>
+          <dgm:constr type="primFontSz" for="des" forName="desTx" refType="primFontSz" refFor="des" refForName="parTx" op="lte" fact="0.75"/>
+          <dgm:constr type="h" for="des" forName="compNode" op="equ"/>
+          <dgm:constr type="h" for="des" forName="bgRect" op="equ"/>
+          <dgm:constr type="h" for="des" forName="iconRect" op="equ"/>
+          <dgm:constr type="w" for="des" forName="iconRect" op="equ"/>
+          <dgm:constr type="h" for="des" forName="spaceRect" op="equ"/>
+          <dgm:constr type="h" for="des" forName="parTx" op="equ"/>
+          <dgm:constr type="h" for="des" forName="desTx" op="equ"/>
+        </dgm:constrLst>
+      </dgm:if>
+      <dgm:else name="Name7">
+        <dgm:constrLst>
+          <dgm:constr type="h" for="ch" forName="compNode" refType="h" fact="0.3"/>
+          <dgm:constr type="w" for="ch" forName="compNode" refType="w"/>
+          <dgm:constr type="h" for="ch" forName="sibTrans" refType="h" refFor="ch" refForName="compNode" fact="0.25"/>
+          <dgm:constr type="primFontSz" for="des" forName="parTx" val="16"/>
+          <dgm:constr type="primFontSz" for="des" forName="desTx" refType="primFontSz" refFor="des" refForName="parTx" op="lte" fact="0.75"/>
+          <dgm:constr type="h" for="des" forName="compNode" op="equ"/>
+          <dgm:constr type="h" for="des" forName="bgRect" op="equ"/>
+          <dgm:constr type="h" for="des" forName="iconRect" op="equ"/>
+          <dgm:constr type="w" for="des" forName="iconRect" op="equ"/>
+          <dgm:constr type="h" for="des" forName="spaceRect" op="equ"/>
+          <dgm:constr type="h" for="des" forName="parTx" op="equ"/>
+          <dgm:constr type="h" for="des" forName="desTx" op="equ"/>
+        </dgm:constrLst>
+      </dgm:else>
+    </dgm:choose>
+    <dgm:ruleLst>
+      <dgm:rule type="h" for="ch" forName="compNode" val="0" fact="NaN" max="NaN"/>
+    </dgm:ruleLst>
+    <dgm:forEach name="Name8" axis="ch" ptType="node">
+      <dgm:layoutNode name="compNode">
         <dgm:alg type="composite"/>
         <dgm:shape xmlns:r="http://schemas.openxmlformats.org/officeDocument/2006/relationships" r:blip="">
           <dgm:adjLst/>
         </dgm:shape>
-        <dgm:choose name="Name5">
-          <dgm:if name="Name6" func="var" arg="dir" op="equ" val="norm">
+        <dgm:presOf axis="self"/>
+        <dgm:choose name="Name9">
+          <dgm:if name="Name10" axis="ch" ptType="node" func="cnt" op="gte" val="1">
             <dgm:constrLst>
-              <dgm:constr type="l" for="ch" forName="parBigCircle"/>
-              <dgm:constr type="ctrY" for="ch" forName="parBigCircle" refType="h" fact="0.5639"/>
-              <dgm:constr type="w" for="ch" forName="parBigCircle" refType="w" fact="0.6631"/>
-              <dgm:constr type="h" for="ch" forName="parBigCircle" refType="w" refFor="ch" refForName="parBigCircle"/>
-              <dgm:constr type="r" for="ch" forName="parTx" refType="w"/>
+              <dgm:constr type="w" for="ch" forName="bgRect" refType="w"/>
+              <dgm:constr type="h" for="ch" forName="bgRect" refType="h"/>
+              <dgm:constr type="l" for="ch" forName="bgRect"/>
+              <dgm:constr type="t" for="ch" forName="bgRect"/>
+              <dgm:constr type="h" for="ch" forName="iconRect" refType="h" fact="0.55"/>
+              <dgm:constr type="w" for="ch" forName="iconRect" refType="h" refFor="ch" refForName="iconRect"/>
+              <dgm:constr type="l" for="ch" forName="iconRect" refType="h" refFor="ch" refForName="iconRect" fact="0.55"/>
+              <dgm:constr type="ctrY" for="ch" forName="iconRect" refType="ctrY" refFor="ch" refForName="bgRect"/>
+              <dgm:constr type="w" for="ch" forName="spaceRect" refType="l" refFor="ch" refForName="iconRect"/>
+              <dgm:constr type="h" for="ch" forName="spaceRect" refType="h"/>
+              <dgm:constr type="l" for="ch" forName="spaceRect" refType="r" refFor="ch" refForName="iconRect"/>
+              <dgm:constr type="t" for="ch" forName="spaceRect"/>
+              <dgm:constr type="w" for="ch" forName="parTx" refType="w" fact="0.45"/>
+              <dgm:constr type="h" for="ch" forName="parTx" refType="h"/>
+              <dgm:constr type="l" for="ch" forName="parTx" refType="r" refFor="ch" refForName="spaceRect"/>
               <dgm:constr type="t" for="ch" forName="parTx"/>
-              <dgm:constr type="w" for="ch" forName="parTx" refType="w" fact="0.7084"/>
-              <dgm:constr type="h" for="ch" forName="parTx" refType="h" fact="0.4562"/>
-              <dgm:constr type="t" for="ch" forName="bSpace" refType="ctrY" refFor="ch" refForName="parBigCircle"/>
-              <dgm:constr type="b" for="ch" forName="bSpace" refType="h"/>
-              <dgm:constr type="l" for="ch" forName="bSpace"/>
-              <dgm:constr type="w" for="ch" forName="bSpace" val="1"/>
+              <dgm:constr type="h" for="ch" forName="desTx" refType="h"/>
+              <dgm:constr type="l" for="ch" forName="desTx" refType="r" refFor="ch" refForName="parTx"/>
+              <dgm:constr type="t" for="ch" forName="desTx"/>
             </dgm:constrLst>
           </dgm:if>
-          <dgm:else name="Name7">
+          <dgm:else name="Name11">
             <dgm:constrLst>
-              <dgm:constr type="r" for="ch" forName="parBigCircle" refType="w"/>
-              <dgm:constr type="ctrY" for="ch" forName="parBigCircle" refType="h" fact="0.5639"/>
-              <dgm:constr type="w" for="ch" forName="parBigCircle" refType="w" fact="0.6631"/>
-              <dgm:constr type="h" for="ch" forName="parBigCircle" refType="w" refFor="ch" refForName="parBigCircle"/>
-              <dgm:constr type="l" for="ch" forName="parTx" fact="0"/>
+              <dgm:constr type="w" for="ch" forName="bgRect" refType="w"/>
+              <dgm:constr type="h" for="ch" forName="bgRect" refType="h"/>
+              <dgm:constr type="l" for="ch" forName="bgRect"/>
+              <dgm:constr type="t" for="ch" forName="bgRect"/>
+              <dgm:constr type="h" for="ch" forName="iconRect" refType="h" fact="0.55"/>
+              <dgm:constr type="w" for="ch" forName="iconRect" refType="h" refFor="ch" refForName="iconRect"/>
+              <dgm:constr type="l" for="ch" forName="iconRect" refType="h" refFor="ch" refForName="iconRect" fact="0.55"/>
+              <dgm:constr type="ctrY" for="ch" forName="iconRect" refType="ctrY" refFor="ch" refForName="bgRect"/>
+              <dgm:constr type="w" for="ch" forName="spaceRect" refType="l" refFor="ch" refForName="iconRect"/>
+              <dgm:constr type="h" for="ch" forName="spaceRect" refType="h"/>
+              <dgm:constr type="l" for="ch" forName="spaceRect" refType="r" refFor="ch" refForName="iconRect"/>
+              <dgm:constr type="t" for="ch" forName="spaceRect"/>
+              <dgm:constr type="h" for="ch" forName="parTx" refType="h"/>
+              <dgm:constr type="l" for="ch" forName="parTx" refType="r" refFor="ch" refForName="spaceRect"/>
               <dgm:constr type="t" for="ch" forName="parTx"/>
-              <dgm:constr type="w" for="ch" forName="parTx" refType="w" fact="0.7084"/>
-              <dgm:constr type="h" for="ch" forName="parTx" refType="h" fact="0.4562"/>
-              <dgm:constr type="t" for="ch" forName="bSpace" refType="ctrY" refFor="ch" refForName="parBigCircle"/>
-              <dgm:constr type="b" for="ch" forName="bSpace" refType="h"/>
-              <dgm:constr type="r" for="ch" forName="bSpace"/>
-              <dgm:constr type="w" for="ch" forName="bSpace" val="1"/>
             </dgm:constrLst>
           </dgm:else>
         </dgm:choose>
-        <dgm:layoutNode name="parBigCircle" styleLbl="node0">
+        <dgm:ruleLst>
+          <dgm:rule type="h" val="INF" fact="NaN" max="NaN"/>
+        </dgm:ruleLst>
+        <dgm:layoutNode name="bgRect" styleLbl="bgShp">
           <dgm:alg type="sp"/>
-          <dgm:shape xmlns:r="http://schemas.openxmlformats.org/officeDocument/2006/relationships" type="donut" r:blip="">
+          <dgm:shape xmlns:r="http://schemas.openxmlformats.org/officeDocument/2006/relationships" type="roundRect" r:blip="">
             <dgm:adjLst>
-              <dgm:adj idx="1" val="0.2"/>
+              <dgm:adj idx="1" val="0.1"/>
             </dgm:adjLst>
           </dgm:shape>
           <dgm:presOf/>
-          <dgm:constrLst>
-            <dgm:constr type="h" refType="w" op="equ"/>
-          </dgm:constrLst>
+          <dgm:constrLst/>
+          <dgm:ruleLst/>
         </dgm:layoutNode>
-        <dgm:layoutNode name="parTx" styleLbl="revTx">
-          <dgm:choose name="Name8">
-            <dgm:if name="Name9" func="var" arg="dir" op="equ" val="norm">
-              <dgm:alg type="tx">
-                <dgm:param type="autoTxRot" val="grav"/>
-                <dgm:param type="parTxLTRAlign" val="l"/>
-              </dgm:alg>
-              <dgm:shape xmlns:r="http://schemas.openxmlformats.org/officeDocument/2006/relationships" rot="295" type="rect" r:blip="">
-                <dgm:adjLst/>
-              </dgm:shape>
-              <dgm:presOf axis="self" ptType="node"/>
-              <dgm:constrLst>
-                <dgm:constr type="lMarg" refType="primFontSz" fact="0.2"/>
-                <dgm:constr type="rMarg"/>
-                <dgm:constr type="tMarg"/>
-                <dgm:constr type="bMarg"/>
-              </dgm:constrLst>
-            </dgm:if>
-            <dgm:else name="Name10">
-              <dgm:alg type="tx">
-                <dgm:param type="autoTxRot" val="grav"/>
-                <dgm:param type="parTxLTRAlign" val="r"/>
-              </dgm:alg>
-              <dgm:shape xmlns:r="http://schemas.openxmlformats.org/officeDocument/2006/relationships" rot="65" type="rect" r:blip="">
-                <dgm:adjLst/>
-              </dgm:shape>
-              <dgm:presOf axis="self" ptType="node"/>
-              <dgm:constrLst>
-                <dgm:constr type="lMarg"/>
-                <dgm:constr type="rMarg" refType="primFontSz" fact="0.2"/>
-                <dgm:constr type="tMarg"/>
-                <dgm:constr type="bMarg"/>
-              </dgm:constrLst>
-            </dgm:else>
-          </dgm:choose>
-          <dgm:ruleLst>
-            <dgm:rule type="primFontSz" val="5" fact="NaN" max="NaN"/>
-          </dgm:ruleLst>
+        <dgm:layoutNode name="iconRect" styleLbl="node1">
+          <dgm:alg type="sp"/>
+          <dgm:shape xmlns:r="http://schemas.openxmlformats.org/officeDocument/2006/relationships" type="rect" r:blip="" blipPhldr="1">
+            <dgm:adjLst/>
+          </dgm:shape>
+          <dgm:presOf/>
+          <dgm:constrLst/>
+          <dgm:ruleLst/>
         </dgm:layoutNode>
-        <dgm:layoutNode name="bSpace">
+        <dgm:layoutNode name="spaceRect">
           <dgm:alg type="sp"/>
           <dgm:shape xmlns:r="http://schemas.openxmlformats.org/officeDocument/2006/relationships" r:blip="">
             <dgm:adjLst/>
           </dgm:shape>
           <dgm:presOf/>
+          <dgm:constrLst/>
+          <dgm:ruleLst/>
         </dgm:layoutNode>
+        <dgm:layoutNode name="parTx" styleLbl="revTx">
+          <dgm:varLst>
+            <dgm:chMax val="0"/>
+            <dgm:chPref val="0"/>
+          </dgm:varLst>
+          <dgm:alg type="tx">
+            <dgm:param type="txAnchorVert" val="mid"/>
+            <dgm:param type="parTxLTRAlign" val="l"/>
+            <dgm:param type="shpTxLTRAlignCh" val="l"/>
+            <dgm:param type="parTxRTLAlign" val="r"/>
+            <dgm:param type="shpTxRTLAlignCh" val="r"/>
+          </dgm:alg>
+          <dgm:shape xmlns:r="http://schemas.openxmlformats.org/officeDocument/2006/relationships" type="rect" r:blip="">
+            <dgm:adjLst/>
+          </dgm:shape>
+          <dgm:presOf axis="self" ptType="node"/>
+          <dgm:constrLst>
+            <dgm:constr type="lMarg" refType="h" fact="0.3"/>
+            <dgm:constr type="rMarg" refType="h" fact="0.3"/>
+            <dgm:constr type="tMarg" refType="h" fact="0.3"/>
+            <dgm:constr type="bMarg" refType="h" fact="0.3"/>
+          </dgm:constrLst>
+          <dgm:ruleLst>
+            <dgm:rule type="primFontSz" val="14" fact="NaN" max="NaN"/>
+            <dgm:rule type="h" val="INF" fact="NaN" max="NaN"/>
+          </dgm:ruleLst>
+        </dgm:layoutNode>
+        <dgm:choose name="Name12">
+          <dgm:if name="Name13" axis="ch" ptType="node" func="cnt" op="gte" val="1">
+            <dgm:layoutNode name="desTx" styleLbl="revTx">
+              <dgm:varLst/>
+              <dgm:alg type="tx">
+                <dgm:param type="txAnchorVertCh" val="mid"/>
+                <dgm:param type="parTxLTRAlign" val="l"/>
+                <dgm:param type="shpTxLTRAlignCh" val="l"/>
+                <dgm:param type="parTxRTLAlign" val="r"/>
+                <dgm:param type="shpTxRTLAlignCh" val="r"/>
+                <dgm:param type="stBulletLvl" val="0"/>
+              </dgm:alg>
+              <dgm:shape xmlns:r="http://schemas.openxmlformats.org/officeDocument/2006/relationships" type="rect" r:blip="">
+                <dgm:adjLst/>
+              </dgm:shape>
+              <dgm:presOf axis="des" ptType="node"/>
+              <dgm:constrLst>
+                <dgm:constr type="primFontSz" val="18"/>
+                <dgm:constr type="secFontSz" refType="primFontSz"/>
+                <dgm:constr type="lMarg" refType="h" fact="0.3"/>
+                <dgm:constr type="rMarg" refType="h" fact="0.3"/>
+                <dgm:constr type="tMarg" refType="h" fact="0.3"/>
+                <dgm:constr type="bMarg" refType="h" fact="0.3"/>
+              </dgm:constrLst>
+              <dgm:ruleLst>
+                <dgm:rule type="primFontSz" val="11" fact="NaN" max="NaN"/>
+              </dgm:ruleLst>
+            </dgm:layoutNode>
+          </dgm:if>
+          <dgm:else name="Name14"/>
+        </dgm:choose>
       </dgm:layoutNode>
-      <dgm:choose name="Name11">
-        <dgm:if name="Name12" func="var" arg="dir" op="equ" val="norm">
-          <dgm:layoutNode name="parBackupNorm">
-            <dgm:alg type="sp"/>
-            <dgm:shape xmlns:r="http://schemas.openxmlformats.org/officeDocument/2006/relationships" r:blip="">
-              <dgm:adjLst/>
-            </dgm:shape>
-            <dgm:presOf/>
-          </dgm:layoutNode>
-        </dgm:if>
-        <dgm:else name="Name13">
-          <dgm:layoutNode name="parBackupRTL">
-            <dgm:alg type="sp"/>
-            <dgm:shape xmlns:r="http://schemas.openxmlformats.org/officeDocument/2006/relationships" r:blip="">
-              <dgm:adjLst/>
-            </dgm:shape>
-            <dgm:presOf/>
-          </dgm:layoutNode>
-        </dgm:else>
-      </dgm:choose>
-      <dgm:forEach name="Name14" axis="followSib" ptType="sibTrans" hideLastTrans="0" cnt="1">
-        <dgm:layoutNode name="parSpace">
+      <dgm:forEach name="Name15" axis="followSib" ptType="sibTrans" cnt="1">
+        <dgm:layoutNode name="sibTrans">
           <dgm:alg type="sp"/>
           <dgm:shape xmlns:r="http://schemas.openxmlformats.org/officeDocument/2006/relationships" r:blip="">
             <dgm:adjLst/>
           </dgm:shape>
-          <dgm:presOf/>
+          <dgm:presOf axis="self"/>
+          <dgm:constrLst/>
+          <dgm:ruleLst/>
         </dgm:layoutNode>
       </dgm:forEach>
-      <dgm:forEach name="Name15" axis="ch" ptType="node">
-        <dgm:choose name="Name16">
-          <dgm:if name="Name17" func="var" arg="dir" op="equ" val="norm">
-            <dgm:layoutNode name="desBackupLeftNorm">
-              <dgm:alg type="sp"/>
-              <dgm:shape xmlns:r="http://schemas.openxmlformats.org/officeDocument/2006/relationships" r:blip="">
-                <dgm:adjLst/>
-              </dgm:shape>
-              <dgm:presOf/>
-            </dgm:layoutNode>
-          </dgm:if>
-          <dgm:else name="Name18">
-            <dgm:choose name="Name19">
-              <dgm:if name="Name20" axis="self" ptType="node" func="pos" op="equ" val="1">
-                <dgm:layoutNode name="desBackupRightRev">
-                  <dgm:alg type="sp"/>
-                  <dgm:shape xmlns:r="http://schemas.openxmlformats.org/officeDocument/2006/relationships" r:blip="">
-                    <dgm:adjLst/>
-                  </dgm:shape>
-                  <dgm:presOf/>
-                </dgm:layoutNode>
-              </dgm:if>
-              <dgm:else name="Name21"/>
-            </dgm:choose>
-          </dgm:else>
-        </dgm:choose>
-        <dgm:layoutNode name="desComposite">
-          <dgm:alg type="composite"/>
-          <dgm:shape xmlns:r="http://schemas.openxmlformats.org/officeDocument/2006/relationships" r:blip="">
-            <dgm:adjLst/>
-          </dgm:shape>
-          <dgm:choose name="Name22">
-            <dgm:if name="Name23" func="var" arg="dir" op="equ" val="norm">
-              <dgm:constrLst>
-                <dgm:constr type="ctrX" for="ch" forName="desCircle" refType="w" fact="0.5"/>
-                <dgm:constr type="ctrY" for="ch" forName="desCircle" refType="h" fact="0.5"/>
-                <dgm:constr type="w" for="ch" forName="desCircle" refType="w" fact="0.3249"/>
-                <dgm:constr type="h" for="ch" forName="desCircle" refType="w" refFor="ch" refForName="desCircle"/>
-                <dgm:constr type="l" for="ch" forName="chTx"/>
-                <dgm:constr type="b" for="ch" forName="chTx" refType="h"/>
-                <dgm:constr type="w" for="ch" forName="chTx" refType="w" fact="0.5786"/>
-                <dgm:constr type="h" for="ch" forName="chTx" refType="h" fact="0.4525"/>
-                <dgm:constr type="r" for="ch" forName="desTx" refType="w"/>
-                <dgm:constr type="t" for="ch" forName="desTx"/>
-                <dgm:constr type="w" for="ch" forName="desTx" refType="w" fact="0.5786"/>
-                <dgm:constr type="h" for="ch" forName="desTx" refType="h" fact="0.4525"/>
-              </dgm:constrLst>
-            </dgm:if>
-            <dgm:else name="Name24">
-              <dgm:constrLst>
-                <dgm:constr type="ctrX" for="ch" forName="desCircle" refType="w" fact="0.5"/>
-                <dgm:constr type="ctrY" for="ch" forName="desCircle" refType="h" fact="0.5"/>
-                <dgm:constr type="w" for="ch" forName="desCircle" refType="w" fact="0.3249"/>
-                <dgm:constr type="h" for="ch" forName="desCircle" refType="w" refFor="ch" refForName="desCircle"/>
-                <dgm:constr type="r" for="ch" forName="chTx" refType="w"/>
-                <dgm:constr type="b" for="ch" forName="chTx" refType="h"/>
-                <dgm:constr type="w" for="ch" forName="chTx" refType="w" fact="0.5786"/>
-                <dgm:constr type="h" for="ch" forName="chTx" refType="h" fact="0.4525"/>
-                <dgm:constr type="l" for="ch" forName="desTx"/>
-                <dgm:constr type="t" for="ch" forName="desTx"/>
-                <dgm:constr type="w" for="ch" forName="desTx" refType="w" fact="0.5786"/>
-                <dgm:constr type="h" for="ch" forName="desTx" refType="h" fact="0.4525"/>
-              </dgm:constrLst>
-            </dgm:else>
-          </dgm:choose>
-          <dgm:layoutNode name="desCircle" styleLbl="node1">
-            <dgm:alg type="sp"/>
-            <dgm:shape xmlns:r="http://schemas.openxmlformats.org/officeDocument/2006/relationships" type="ellipse" r:blip="">
-              <dgm:adjLst/>
-            </dgm:shape>
-            <dgm:presOf/>
-            <dgm:constrLst>
-              <dgm:constr type="h" refType="w" op="equ"/>
-            </dgm:constrLst>
-          </dgm:layoutNode>
-          <dgm:layoutNode name="chTx" styleLbl="revTx">
-            <dgm:choose name="Name25">
-              <dgm:if name="Name26" func="var" arg="dir" op="equ" val="norm">
-                <dgm:alg type="tx">
-                  <dgm:param type="autoTxRot" val="grav"/>
-                  <dgm:param type="parTxLTRAlign" val="r"/>
-                  <dgm:param type="txAnchorVert" val="mid"/>
-                  <dgm:param type="txAnchorVertCh" val="mid"/>
-                </dgm:alg>
-                <dgm:shape xmlns:r="http://schemas.openxmlformats.org/officeDocument/2006/relationships" rot="295" type="rect" r:blip="">
-                  <dgm:adjLst/>
-                </dgm:shape>
-                <dgm:presOf axis="self" ptType="node"/>
-              </dgm:if>
-              <dgm:else name="Name27">
-                <dgm:alg type="tx">
-                  <dgm:param type="autoTxRot" val="grav"/>
-                  <dgm:param type="parTxLTRAlign" val="l"/>
-                  <dgm:param type="txAnchorVert" val="mid"/>
-                  <dgm:param type="txAnchorVertCh" val="mid"/>
-                </dgm:alg>
-                <dgm:shape xmlns:r="http://schemas.openxmlformats.org/officeDocument/2006/relationships" rot="65" type="rect" r:blip="">
-                  <dgm:adjLst/>
-                </dgm:shape>
-                <dgm:presOf axis="self" ptType="node"/>
-              </dgm:else>
-            </dgm:choose>
-            <dgm:choose name="Name28">
-              <dgm:if name="Name29" func="var" arg="dir" op="equ" val="norm">
-                <dgm:constrLst>
-                  <dgm:constr type="lMarg"/>
-                  <dgm:constr type="rMarg" refType="primFontSz" fact="0.2"/>
-                  <dgm:constr type="tMarg"/>
-                  <dgm:constr type="bMarg"/>
-                </dgm:constrLst>
-              </dgm:if>
-              <dgm:else name="Name30">
-                <dgm:constrLst>
-                  <dgm:constr type="rMarg"/>
-                  <dgm:constr type="lMarg" refType="primFontSz" fact="0.2"/>
-                  <dgm:constr type="tMarg"/>
-                  <dgm:constr type="bMarg"/>
-                </dgm:constrLst>
-              </dgm:else>
-            </dgm:choose>
-            <dgm:ruleLst>
-              <dgm:rule type="primFontSz" val="5" fact="NaN" max="NaN"/>
-            </dgm:ruleLst>
-          </dgm:layoutNode>
-          <dgm:layoutNode name="desTx" styleLbl="revTx">
-            <dgm:varLst>
-              <dgm:bulletEnabled val="1"/>
-            </dgm:varLst>
-            <dgm:choose name="Name31">
-              <dgm:if name="Name32" func="var" arg="dir" op="equ" val="norm">
-                <dgm:alg type="tx">
-                  <dgm:param type="autoTxRot" val="grav"/>
-                  <dgm:param type="parTxLTRAlign" val="l"/>
-                  <dgm:param type="shpTxLTRAlignCh" val="l"/>
-                  <dgm:param type="stBulletLvl" val="1"/>
-                  <dgm:param type="txAnchorVert" val="mid"/>
-                </dgm:alg>
-                <dgm:shape xmlns:r="http://schemas.openxmlformats.org/officeDocument/2006/relationships" rot="295" type="rect" r:blip="">
-                  <dgm:adjLst/>
-                </dgm:shape>
-                <dgm:presOf axis="des" ptType="node"/>
-              </dgm:if>
-              <dgm:else name="Name33">
-                <dgm:alg type="tx">
-                  <dgm:param type="autoTxRot" val="grav"/>
-                  <dgm:param type="parTxLTRAlign" val="r"/>
-                  <dgm:param type="shpTxLTRAlignCh" val="r"/>
-                  <dgm:param type="stBulletLvl" val="1"/>
-                  <dgm:param type="txAnchorVert" val="mid"/>
-                </dgm:alg>
-                <dgm:shape xmlns:r="http://schemas.openxmlformats.org/officeDocument/2006/relationships" rot="65" type="rect" r:blip="">
-                  <dgm:adjLst/>
-                </dgm:shape>
-                <dgm:presOf axis="des" ptType="node"/>
-              </dgm:else>
-            </dgm:choose>
-            <dgm:choose name="Name34">
-              <dgm:if name="Name35" func="var" arg="dir" op="equ" val="norm">
-                <dgm:constrLst>
-                  <dgm:constr type="rMarg"/>
-                  <dgm:constr type="lMarg" refType="primFontSz" fact="0.2"/>
-                  <dgm:constr type="tMarg"/>
-                  <dgm:constr type="bMarg"/>
-                </dgm:constrLst>
-              </dgm:if>
-              <dgm:else name="Name36">
-                <dgm:constrLst>
-                  <dgm:constr type="lMarg"/>
-                  <dgm:constr type="rMarg" refType="primFontSz" fact="0.2"/>
-                  <dgm:constr type="tMarg"/>
-                  <dgm:constr type="bMarg"/>
-                </dgm:constrLst>
-              </dgm:else>
-            </dgm:choose>
-            <dgm:ruleLst>
-              <dgm:rule type="primFontSz" val="5" fact="NaN" max="NaN"/>
-            </dgm:ruleLst>
-          </dgm:layoutNode>
-        </dgm:layoutNode>
-        <dgm:layoutNode name="desBackupRightNorm">
-          <dgm:alg type="sp"/>
-          <dgm:shape xmlns:r="http://schemas.openxmlformats.org/officeDocument/2006/relationships" r:blip="">
-            <dgm:adjLst/>
-          </dgm:shape>
-          <dgm:presOf/>
-        </dgm:layoutNode>
-        <dgm:choose name="Name37">
-          <dgm:if name="Name38" func="var" arg="dir" op="neq" val="norm">
-            <dgm:choose name="Name39">
-              <dgm:if name="Name40" axis="self" ptType="node" func="revPos" op="neq" val="1">
-                <dgm:layoutNode name="desBackupLeftRev">
-                  <dgm:alg type="sp"/>
-                  <dgm:shape xmlns:r="http://schemas.openxmlformats.org/officeDocument/2006/relationships" r:blip="">
-                    <dgm:adjLst/>
-                  </dgm:shape>
-                  <dgm:presOf/>
-                </dgm:layoutNode>
-              </dgm:if>
-              <dgm:else name="Name41"/>
-            </dgm:choose>
-          </dgm:if>
-          <dgm:else name="Name42"/>
-        </dgm:choose>
-        <dgm:forEach name="Name43" axis="followSib" ptType="sibTrans" hideLastTrans="0" cnt="1">
-          <dgm:layoutNode name="desSpace">
-            <dgm:alg type="sp"/>
-            <dgm:shape xmlns:r="http://schemas.openxmlformats.org/officeDocument/2006/relationships" r:blip="">
-              <dgm:adjLst/>
-            </dgm:shape>
-            <dgm:presOf/>
-          </dgm:layoutNode>
-        </dgm:forEach>
-      </dgm:forEach>
-      <dgm:choose name="Name44">
-        <dgm:if name="Name45" func="var" arg="dir" op="neq" val="norm">
-          <dgm:layoutNode name="parBackupRev">
-            <dgm:alg type="sp"/>
-            <dgm:shape xmlns:r="http://schemas.openxmlformats.org/officeDocument/2006/relationships" r:blip="">
-              <dgm:adjLst/>
-            </dgm:shape>
-            <dgm:presOf/>
-          </dgm:layoutNode>
-        </dgm:if>
-        <dgm:else name="Name46"/>
-      </dgm:choose>
     </dgm:forEach>
   </dgm:layoutNode>
+  <dgm:extLst>
+    <a:ext uri="{68A01E43-0DF5-4B5B-8FA6-DAF915123BFB}">
+      <dgm1612:lstStyle xmlns:dgm1612="http://schemas.microsoft.com/office/drawing/2016/12/diagram">
+        <a:lvl1pPr>
+          <a:lnSpc>
+            <a:spcPct val="100000"/>
+          </a:lnSpc>
+        </a:lvl1pPr>
+        <a:lvl2pPr>
+          <a:lnSpc>
+            <a:spcPct val="100000"/>
+          </a:lnSpc>
+        </a:lvl2pPr>
+      </dgm1612:lstStyle>
+    </a:ext>
+  </dgm:extLst>
 </dgm:layoutDef>
 </file>
 
@@ -7487,11 +5558,11 @@
 </file>
 
 <file path=ppt/diagrams/quickStyle2.xml><?xml version="1.0" encoding="utf-8"?>
-<dgm:styleDef xmlns:dgm="http://schemas.openxmlformats.org/drawingml/2006/diagram" xmlns:a="http://schemas.openxmlformats.org/drawingml/2006/main" uniqueId="urn:microsoft.com/office/officeart/2005/8/quickstyle/simple3">
+<dgm:styleDef xmlns:dgm="http://schemas.openxmlformats.org/drawingml/2006/diagram" xmlns:a="http://schemas.openxmlformats.org/drawingml/2006/main" uniqueId="urn:microsoft.com/office/officeart/2005/8/quickstyle/simple2">
   <dgm:title val=""/>
   <dgm:desc val=""/>
   <dgm:catLst>
-    <dgm:cat type="simple" pri="10300"/>
+    <dgm:cat type="simple" pri="10200"/>
   </dgm:catLst>
   <dgm:scene3d>
     <a:camera prst="orthographicFront"/>
@@ -7500,65 +5571,59 @@
   <dgm:styleLbl name="node0">
     <dgm:scene3d>
       <a:camera prst="orthographicFront"/>
-      <a:lightRig rig="flat" dir="t"/>
+      <a:lightRig rig="threePt" dir="t"/>
     </dgm:scene3d>
-    <dgm:sp3d prstMaterial="dkEdge">
-      <a:bevelT w="8200" h="38100"/>
-    </dgm:sp3d>
+    <dgm:sp3d/>
     <dgm:txPr/>
     <dgm:style>
-      <a:lnRef idx="0">
+      <a:lnRef idx="3">
         <a:scrgbClr r="0" g="0" b="0"/>
       </a:lnRef>
-      <a:fillRef idx="2">
+      <a:fillRef idx="1">
         <a:scrgbClr r="0" g="0" b="0"/>
       </a:fillRef>
       <a:effectRef idx="1">
         <a:scrgbClr r="0" g="0" b="0"/>
       </a:effectRef>
       <a:fontRef idx="minor">
-        <a:schemeClr val="dk1"/>
+        <a:schemeClr val="lt1"/>
       </a:fontRef>
     </dgm:style>
   </dgm:styleLbl>
   <dgm:styleLbl name="lnNode1">
     <dgm:scene3d>
       <a:camera prst="orthographicFront"/>
-      <a:lightRig rig="flat" dir="t"/>
+      <a:lightRig rig="threePt" dir="t"/>
     </dgm:scene3d>
-    <dgm:sp3d prstMaterial="dkEdge">
-      <a:bevelT w="8200" h="38100"/>
-    </dgm:sp3d>
+    <dgm:sp3d/>
     <dgm:txPr/>
     <dgm:style>
-      <a:lnRef idx="1">
+      <a:lnRef idx="3">
         <a:scrgbClr r="0" g="0" b="0"/>
       </a:lnRef>
-      <a:fillRef idx="2">
+      <a:fillRef idx="1">
         <a:scrgbClr r="0" g="0" b="0"/>
       </a:fillRef>
-      <a:effectRef idx="0">
+      <a:effectRef idx="1">
         <a:scrgbClr r="0" g="0" b="0"/>
       </a:effectRef>
       <a:fontRef idx="minor">
-        <a:schemeClr val="dk1"/>
+        <a:schemeClr val="lt1"/>
       </a:fontRef>
     </dgm:style>
   </dgm:styleLbl>
   <dgm:styleLbl name="vennNode1">
     <dgm:scene3d>
       <a:camera prst="orthographicFront"/>
-      <a:lightRig rig="flat" dir="t"/>
+      <a:lightRig rig="threePt" dir="t"/>
     </dgm:scene3d>
-    <dgm:sp3d prstMaterial="dkEdge">
-      <a:bevelT w="8200" h="38100"/>
-    </dgm:sp3d>
+    <dgm:sp3d/>
     <dgm:txPr/>
     <dgm:style>
-      <a:lnRef idx="0">
+      <a:lnRef idx="3">
         <a:scrgbClr r="0" g="0" b="0"/>
       </a:lnRef>
-      <a:fillRef idx="2">
+      <a:fillRef idx="1">
         <a:scrgbClr r="0" g="0" b="0"/>
       </a:fillRef>
       <a:effectRef idx="0">
@@ -7577,113 +5642,105 @@
     <dgm:sp3d/>
     <dgm:txPr/>
     <dgm:style>
-      <a:lnRef idx="1">
+      <a:lnRef idx="2">
         <a:scrgbClr r="0" g="0" b="0"/>
       </a:lnRef>
-      <a:fillRef idx="2">
+      <a:fillRef idx="1">
         <a:scrgbClr r="0" g="0" b="0"/>
       </a:fillRef>
       <a:effectRef idx="1">
         <a:scrgbClr r="0" g="0" b="0"/>
       </a:effectRef>
       <a:fontRef idx="minor">
-        <a:schemeClr val="dk1"/>
+        <a:schemeClr val="lt1"/>
       </a:fontRef>
     </dgm:style>
   </dgm:styleLbl>
   <dgm:styleLbl name="node1">
     <dgm:scene3d>
       <a:camera prst="orthographicFront"/>
-      <a:lightRig rig="flat" dir="t"/>
+      <a:lightRig rig="threePt" dir="t"/>
     </dgm:scene3d>
-    <dgm:sp3d prstMaterial="dkEdge">
-      <a:bevelT w="8200" h="38100"/>
-    </dgm:sp3d>
+    <dgm:sp3d/>
     <dgm:txPr/>
     <dgm:style>
-      <a:lnRef idx="0">
+      <a:lnRef idx="3">
         <a:scrgbClr r="0" g="0" b="0"/>
       </a:lnRef>
-      <a:fillRef idx="2">
+      <a:fillRef idx="1">
         <a:scrgbClr r="0" g="0" b="0"/>
       </a:fillRef>
       <a:effectRef idx="1">
         <a:scrgbClr r="0" g="0" b="0"/>
       </a:effectRef>
       <a:fontRef idx="minor">
-        <a:schemeClr val="dk1"/>
+        <a:schemeClr val="lt1"/>
       </a:fontRef>
     </dgm:style>
   </dgm:styleLbl>
   <dgm:styleLbl name="node2">
     <dgm:scene3d>
       <a:camera prst="orthographicFront"/>
-      <a:lightRig rig="flat" dir="t"/>
+      <a:lightRig rig="threePt" dir="t"/>
     </dgm:scene3d>
-    <dgm:sp3d prstMaterial="dkEdge">
-      <a:bevelT w="8200" h="38100"/>
-    </dgm:sp3d>
+    <dgm:sp3d/>
     <dgm:txPr/>
     <dgm:style>
-      <a:lnRef idx="0">
+      <a:lnRef idx="3">
         <a:scrgbClr r="0" g="0" b="0"/>
       </a:lnRef>
-      <a:fillRef idx="2">
+      <a:fillRef idx="1">
         <a:scrgbClr r="0" g="0" b="0"/>
       </a:fillRef>
       <a:effectRef idx="1">
         <a:scrgbClr r="0" g="0" b="0"/>
       </a:effectRef>
       <a:fontRef idx="minor">
-        <a:schemeClr val="dk1"/>
+        <a:schemeClr val="lt1"/>
       </a:fontRef>
     </dgm:style>
   </dgm:styleLbl>
   <dgm:styleLbl name="node3">
     <dgm:scene3d>
       <a:camera prst="orthographicFront"/>
-      <a:lightRig rig="flat" dir="t"/>
+      <a:lightRig rig="threePt" dir="t"/>
     </dgm:scene3d>
-    <dgm:sp3d prstMaterial="dkEdge">
-      <a:bevelT w="8200" h="38100"/>
-    </dgm:sp3d>
+    <dgm:sp3d/>
     <dgm:txPr/>
     <dgm:style>
-      <a:lnRef idx="0">
+      <a:lnRef idx="3">
         <a:scrgbClr r="0" g="0" b="0"/>
       </a:lnRef>
-      <a:fillRef idx="2">
+      <a:fillRef idx="1">
         <a:scrgbClr r="0" g="0" b="0"/>
       </a:fillRef>
       <a:effectRef idx="1">
         <a:scrgbClr r="0" g="0" b="0"/>
       </a:effectRef>
       <a:fontRef idx="minor">
-        <a:schemeClr val="dk1"/>
+        <a:schemeClr val="lt1"/>
       </a:fontRef>
     </dgm:style>
   </dgm:styleLbl>
   <dgm:styleLbl name="node4">
     <dgm:scene3d>
       <a:camera prst="orthographicFront"/>
-      <a:lightRig rig="flat" dir="t"/>
+      <a:lightRig rig="threePt" dir="t"/>
     </dgm:scene3d>
-    <dgm:sp3d prstMaterial="dkEdge">
-      <a:bevelT w="8200" h="38100"/>
-    </dgm:sp3d>
+    <dgm:sp3d/>
     <dgm:txPr/>
     <dgm:style>
-      <a:lnRef idx="0">
+      <a:lnRef idx="3">
         <a:scrgbClr r="0" g="0" b="0"/>
       </a:lnRef>
-      <a:fillRef idx="2">
+      <a:fillRef idx="1">
         <a:scrgbClr r="0" g="0" b="0"/>
       </a:fillRef>
       <a:effectRef idx="1">
         <a:scrgbClr r="0" g="0" b="0"/>
       </a:effectRef>
       <a:fontRef idx="minor">
-        <a:schemeClr val="dk1"/>
+        <a:schemeClr val="lt1"/>
       </a:fontRef>
     </dgm:style>
   </dgm:styleLbl>
@@ -7695,7 +5752,7 @@
     <dgm:sp3d/>
     <dgm:txPr/>
     <dgm:style>
-      <a:lnRef idx="1">
+      <a:lnRef idx="3">
         <a:scrgbClr r="0" g="0" b="0"/>
       </a:lnRef>
       <a:fillRef idx="1">
@@ -7715,7 +5772,7 @@
     <dgm:sp3d/>
     <dgm:txPr/>
     <dgm:style>
-      <a:lnRef idx="1">
+      <a:lnRef idx="3">
         <a:scrgbClr r="0" g="0" b="0"/>
       </a:lnRef>
       <a:fillRef idx="1">
@@ -7735,7 +5792,7 @@
     <dgm:sp3d/>
     <dgm:txPr/>
     <dgm:style>
-      <a:lnRef idx="1">
+      <a:lnRef idx="3">
         <a:scrgbClr r="0" g="0" b="0"/>
       </a:lnRef>
       <a:fillRef idx="1">
@@ -7758,14 +5815,14 @@
       <a:lnRef idx="0">
         <a:scrgbClr r="0" g="0" b="0"/>
       </a:lnRef>
-      <a:fillRef idx="2">
+      <a:fillRef idx="1">
         <a:scrgbClr r="0" g="0" b="0"/>
       </a:fillRef>
       <a:effectRef idx="1">
         <a:scrgbClr r="0" g="0" b="0"/>
       </a:effectRef>
       <a:fontRef idx="minor">
-        <a:schemeClr val="dk1"/>
+        <a:schemeClr val="lt1"/>
       </a:fontRef>
     </dgm:style>
   </dgm:styleLbl>
@@ -7780,14 +5837,14 @@
       <a:lnRef idx="0">
         <a:scrgbClr r="0" g="0" b="0"/>
       </a:lnRef>
-      <a:fillRef idx="2">
+      <a:fillRef idx="1">
         <a:scrgbClr r="0" g="0" b="0"/>
       </a:fillRef>
       <a:effectRef idx="1">
         <a:scrgbClr r="0" g="0" b="0"/>
       </a:effectRef>
       <a:fontRef idx="minor">
-        <a:schemeClr val="dk1"/>
+        <a:schemeClr val="lt1"/>
       </a:fontRef>
     </dgm:style>
   </dgm:styleLbl>
@@ -7802,14 +5859,14 @@
       <a:lnRef idx="0">
         <a:scrgbClr r="0" g="0" b="0"/>
       </a:lnRef>
-      <a:fillRef idx="2">
+      <a:fillRef idx="1">
         <a:scrgbClr r="0" g="0" b="0"/>
       </a:fillRef>
       <a:effectRef idx="1">
         <a:scrgbClr r="0" g="0" b="0"/>
       </a:effectRef>
       <a:fontRef idx="minor">
-        <a:schemeClr val="dk1"/>
+        <a:schemeClr val="lt1"/>
       </a:fontRef>
     </dgm:style>
   </dgm:styleLbl>
@@ -7841,10 +5898,10 @@
     <dgm:sp3d/>
     <dgm:txPr/>
     <dgm:style>
-      <a:lnRef idx="1">
+      <a:lnRef idx="2">
         <a:scrgbClr r="0" g="0" b="0"/>
       </a:lnRef>
-      <a:fillRef idx="2">
+      <a:fillRef idx="1">
         <a:scrgbClr r="0" g="0" b="0"/>
       </a:fillRef>
       <a:effectRef idx="1">
@@ -7856,120 +5913,110 @@
   <dgm:styleLbl name="asst0">
     <dgm:scene3d>
       <a:camera prst="orthographicFront"/>
-      <a:lightRig rig="flat" dir="t"/>
+      <a:lightRig rig="threePt" dir="t"/>
     </dgm:scene3d>
-    <dgm:sp3d prstMaterial="dkEdge">
-      <a:bevelT w="8200" h="38100"/>
-    </dgm:sp3d>
+    <dgm:sp3d/>
     <dgm:txPr/>
     <dgm:style>
-      <a:lnRef idx="0">
+      <a:lnRef idx="3">
         <a:scrgbClr r="0" g="0" b="0"/>
       </a:lnRef>
-      <a:fillRef idx="2">
+      <a:fillRef idx="1">
         <a:scrgbClr r="0" g="0" b="0"/>
       </a:fillRef>
       <a:effectRef idx="1">
         <a:scrgbClr r="0" g="0" b="0"/>
       </a:effectRef>
       <a:fontRef idx="minor">
-        <a:schemeClr val="dk1"/>
+        <a:schemeClr val="lt1"/>
       </a:fontRef>
     </dgm:style>
   </dgm:styleLbl>
   <dgm:styleLbl name="asst1">
     <dgm:scene3d>
       <a:camera prst="orthographicFront"/>
-      <a:lightRig rig="flat" dir="t"/>
+      <a:lightRig rig="threePt" dir="t"/>
     </dgm:scene3d>
-    <dgm:sp3d prstMaterial="dkEdge">
-      <a:bevelT w="8200" h="38100"/>
-    </dgm:sp3d>
+    <dgm:sp3d/>
     <dgm:txPr/>
     <dgm:style>
-      <a:lnRef idx="0">
+      <a:lnRef idx="3">
         <a:scrgbClr r="0" g="0" b="0"/>
       </a:lnRef>
-      <a:fillRef idx="2">
+      <a:fillRef idx="1">
         <a:scrgbClr r="0" g="0" b="0"/>
       </a:fillRef>
       <a:effectRef idx="1">
         <a:scrgbClr r="0" g="0" b="0"/>
       </a:effectRef>
       <a:fontRef idx="minor">
-        <a:schemeClr val="dk1"/>
+        <a:schemeClr val="lt1"/>
       </a:fontRef>
     </dgm:style>
   </dgm:styleLbl>
   <dgm:styleLbl name="asst2">
     <dgm:scene3d>
       <a:camera prst="orthographicFront"/>
-      <a:lightRig rig="flat" dir="t"/>
+      <a:lightRig rig="threePt" dir="t"/>
     </dgm:scene3d>
-    <dgm:sp3d prstMaterial="dkEdge">
-      <a:bevelT w="8200" h="38100"/>
-    </dgm:sp3d>
+    <dgm:sp3d/>
     <dgm:txPr/>
     <dgm:style>
-      <a:lnRef idx="0">
+      <a:lnRef idx="3">
         <a:scrgbClr r="0" g="0" b="0"/>
       </a:lnRef>
-      <a:fillRef idx="2">
+      <a:fillRef idx="1">
         <a:scrgbClr r="0" g="0" b="0"/>
       </a:fillRef>
       <a:effectRef idx="1">
         <a:scrgbClr r="0" g="0" b="0"/>
       </a:effectRef>
       <a:fontRef idx="minor">
-        <a:schemeClr val="dk1"/>
+        <a:schemeClr val="lt1"/>
       </a:fontRef>
     </dgm:style>
   </dgm:styleLbl>
   <dgm:styleLbl name="asst3">
     <dgm:scene3d>
       <a:camera prst="orthographicFront"/>
-      <a:lightRig rig="flat" dir="t"/>
+      <a:lightRig rig="threePt" dir="t"/>
     </dgm:scene3d>
-    <dgm:sp3d prstMaterial="dkEdge">
-      <a:bevelT w="8200" h="38100"/>
-    </dgm:sp3d>
+    <dgm:sp3d/>
     <dgm:txPr/>
     <dgm:style>
-      <a:lnRef idx="0">
+      <a:lnRef idx="3">
         <a:scrgbClr r="0" g="0" b="0"/>
       </a:lnRef>
-      <a:fillRef idx="2">
+      <a:fillRef idx="1">
         <a:scrgbClr r="0" g="0" b="0"/>
       </a:fillRef>
       <a:effectRef idx="1">
         <a:scrgbClr r="0" g="0" b="0"/>
       </a:effectRef>
       <a:fontRef idx="minor">
-        <a:schemeClr val="dk1"/>
+        <a:schemeClr val="lt1"/>
       </a:fontRef>
     </dgm:style>
   </dgm:styleLbl>
   <dgm:styleLbl name="asst4">
     <dgm:scene3d>
       <a:camera prst="orthographicFront"/>
-      <a:lightRig rig="flat" dir="t"/>
+      <a:lightRig rig="threePt" dir="t"/>
     </dgm:scene3d>
-    <dgm:sp3d prstMaterial="dkEdge">
-      <a:bevelT w="8200" h="38100"/>
-    </dgm:sp3d>
+    <dgm:sp3d/>
     <dgm:txPr/>
     <dgm:style>
-      <a:lnRef idx="0">
+      <a:lnRef idx="3">
         <a:scrgbClr r="0" g="0" b="0"/>
       </a:lnRef>
-      <a:fillRef idx="2">
+      <a:fillRef idx="1">
         <a:scrgbClr r="0" g="0" b="0"/>
       </a:fillRef>
       <a:effectRef idx="1">
         <a:scrgbClr r="0" g="0" b="0"/>
       </a:effectRef>
       <a:fontRef idx="minor">
-        <a:schemeClr val="dk1"/>
+        <a:schemeClr val="lt1"/>
       </a:fontRef>
     </dgm:style>
   </dgm:styleLbl>
@@ -7981,17 +6028,17 @@
     <dgm:sp3d/>
     <dgm:txPr/>
     <dgm:style>
-      <a:lnRef idx="1">
+      <a:lnRef idx="3">
         <a:scrgbClr r="0" g="0" b="0"/>
       </a:lnRef>
-      <a:fillRef idx="2">
+      <a:fillRef idx="1">
         <a:scrgbClr r="0" g="0" b="0"/>
       </a:fillRef>
       <a:effectRef idx="1">
         <a:scrgbClr r="0" g="0" b="0"/>
       </a:effectRef>
       <a:fontRef idx="minor">
-        <a:schemeClr val="dk1"/>
+        <a:schemeClr val="lt1"/>
       </a:fontRef>
     </dgm:style>
   </dgm:styleLbl>
@@ -8003,17 +6050,17 @@
     <dgm:sp3d/>
     <dgm:txPr/>
     <dgm:style>
-      <a:lnRef idx="1">
+      <a:lnRef idx="3">
         <a:scrgbClr r="0" g="0" b="0"/>
       </a:lnRef>
-      <a:fillRef idx="2">
+      <a:fillRef idx="1">
         <a:scrgbClr r="0" g="0" b="0"/>
       </a:fillRef>
       <a:effectRef idx="1">
         <a:scrgbClr r="0" g="0" b="0"/>
       </a:effectRef>
       <a:fontRef idx="minor">
-        <a:schemeClr val="dk1"/>
+        <a:schemeClr val="lt1"/>
       </a:fontRef>
     </dgm:style>
   </dgm:styleLbl>
@@ -8025,17 +6072,17 @@
     <dgm:sp3d/>
     <dgm:txPr/>
     <dgm:style>
-      <a:lnRef idx="1">
+      <a:lnRef idx="3">
         <a:scrgbClr r="0" g="0" b="0"/>
       </a:lnRef>
-      <a:fillRef idx="2">
+      <a:fillRef idx="1">
         <a:scrgbClr r="0" g="0" b="0"/>
       </a:fillRef>
       <a:effectRef idx="1">
         <a:scrgbClr r="0" g="0" b="0"/>
       </a:effectRef>
       <a:fontRef idx="minor">
-        <a:schemeClr val="dk1"/>
+        <a:schemeClr val="lt1"/>
       </a:fontRef>
     </dgm:style>
   </dgm:styleLbl>
@@ -8047,17 +6094,17 @@
     <dgm:sp3d/>
     <dgm:txPr/>
     <dgm:style>
-      <a:lnRef idx="1">
+      <a:lnRef idx="3">
         <a:scrgbClr r="0" g="0" b="0"/>
       </a:lnRef>
-      <a:fillRef idx="2">
+      <a:fillRef idx="1">
         <a:scrgbClr r="0" g="0" b="0"/>
       </a:fillRef>
       <a:effectRef idx="1">
         <a:scrgbClr r="0" g="0" b="0"/>
       </a:effectRef>
       <a:fontRef idx="minor">
-        <a:schemeClr val="dk1"/>
+        <a:schemeClr val="lt1"/>
       </a:fontRef>
     </dgm:style>
   </dgm:styleLbl>
@@ -8149,7 +6196,7 @@
     <dgm:sp3d/>
     <dgm:txPr/>
     <dgm:style>
-      <a:lnRef idx="1">
+      <a:lnRef idx="2">
         <a:scrgbClr r="0" g="0" b="0"/>
       </a:lnRef>
       <a:fillRef idx="1">
@@ -8169,7 +6216,7 @@
     <dgm:sp3d/>
     <dgm:txPr/>
     <dgm:style>
-      <a:lnRef idx="1">
+      <a:lnRef idx="2">
         <a:scrgbClr r="0" g="0" b="0"/>
       </a:lnRef>
       <a:fillRef idx="1">
@@ -8189,7 +6236,7 @@
     <dgm:sp3d/>
     <dgm:txPr/>
     <dgm:style>
-      <a:lnRef idx="1">
+      <a:lnRef idx="2">
         <a:scrgbClr r="0" g="0" b="0"/>
       </a:lnRef>
       <a:fillRef idx="1">
@@ -8229,7 +6276,7 @@
     <dgm:sp3d/>
     <dgm:txPr/>
     <dgm:style>
-      <a:lnRef idx="1">
+      <a:lnRef idx="2">
         <a:scrgbClr r="0" g="0" b="0"/>
       </a:lnRef>
       <a:fillRef idx="1">
@@ -8249,10 +6296,10 @@
     <dgm:sp3d/>
     <dgm:txPr/>
     <dgm:style>
-      <a:lnRef idx="1">
+      <a:lnRef idx="2">
         <a:scrgbClr r="0" g="0" b="0"/>
       </a:lnRef>
-      <a:fillRef idx="2">
+      <a:fillRef idx="1">
         <a:scrgbClr r="0" g="0" b="0"/>
       </a:fillRef>
       <a:effectRef idx="0">
@@ -8269,7 +6316,7 @@
     <dgm:sp3d/>
     <dgm:txPr/>
     <dgm:style>
-      <a:lnRef idx="1">
+      <a:lnRef idx="2">
         <a:scrgbClr r="0" g="0" b="0"/>
       </a:lnRef>
       <a:fillRef idx="1">
@@ -8289,7 +6336,7 @@
     <dgm:sp3d/>
     <dgm:txPr/>
     <dgm:style>
-      <a:lnRef idx="1">
+      <a:lnRef idx="2">
         <a:scrgbClr r="0" g="0" b="0"/>
       </a:lnRef>
       <a:fillRef idx="1">
@@ -8309,7 +6356,7 @@
     <dgm:sp3d/>
     <dgm:txPr/>
     <dgm:style>
-      <a:lnRef idx="1">
+      <a:lnRef idx="2">
         <a:scrgbClr r="0" g="0" b="0"/>
       </a:lnRef>
       <a:fillRef idx="1">
@@ -8329,7 +6376,7 @@
     <dgm:sp3d/>
     <dgm:txPr/>
     <dgm:style>
-      <a:lnRef idx="1">
+      <a:lnRef idx="2">
         <a:scrgbClr r="0" g="0" b="0"/>
       </a:lnRef>
       <a:fillRef idx="1">
@@ -8349,7 +6396,7 @@
     <dgm:sp3d/>
     <dgm:txPr/>
     <dgm:style>
-      <a:lnRef idx="1">
+      <a:lnRef idx="2">
         <a:scrgbClr r="0" g="0" b="0"/>
       </a:lnRef>
       <a:fillRef idx="1">
@@ -8369,7 +6416,7 @@
     <dgm:sp3d/>
     <dgm:txPr/>
     <dgm:style>
-      <a:lnRef idx="1">
+      <a:lnRef idx="2">
         <a:scrgbClr r="0" g="0" b="0"/>
       </a:lnRef>
       <a:fillRef idx="1">
@@ -8389,7 +6436,7 @@
     <dgm:sp3d/>
     <dgm:txPr/>
     <dgm:style>
-      <a:lnRef idx="1">
+      <a:lnRef idx="2">
         <a:scrgbClr r="0" g="0" b="0"/>
       </a:lnRef>
       <a:fillRef idx="1">
@@ -8409,7 +6456,7 @@
     <dgm:sp3d/>
     <dgm:txPr/>
     <dgm:style>
-      <a:lnRef idx="1">
+      <a:lnRef idx="2">
         <a:scrgbClr r="0" g="0" b="0"/>
       </a:lnRef>
       <a:fillRef idx="1">
@@ -8429,7 +6476,7 @@
     <dgm:sp3d/>
     <dgm:txPr/>
     <dgm:style>
-      <a:lnRef idx="1">
+      <a:lnRef idx="2">
         <a:scrgbClr r="0" g="0" b="0"/>
       </a:lnRef>
       <a:fillRef idx="1">
@@ -8455,7 +6502,7 @@
       <a:fillRef idx="1">
         <a:scrgbClr r="0" g="0" b="0"/>
       </a:fillRef>
-      <a:effectRef idx="1">
+      <a:effectRef idx="0">
         <a:scrgbClr r="0" g="0" b="0"/>
       </a:effectRef>
       <a:fontRef idx="minor"/>
@@ -8475,7 +6522,7 @@
       <a:fillRef idx="1">
         <a:scrgbClr r="0" g="0" b="0"/>
       </a:fillRef>
-      <a:effectRef idx="1">
+      <a:effectRef idx="0">
         <a:scrgbClr r="0" g="0" b="0"/>
       </a:effectRef>
       <a:fontRef idx="minor"/>
@@ -8504,17 +6551,15 @@
   <dgm:styleLbl name="fgShp">
     <dgm:scene3d>
       <a:camera prst="orthographicFront"/>
-      <a:lightRig rig="flat" dir="t"/>
+      <a:lightRig rig="threePt" dir="t"/>
     </dgm:scene3d>
-    <dgm:sp3d prstMaterial="dkEdge">
-      <a:bevelT w="8200" h="38100"/>
-    </dgm:sp3d>
+    <dgm:sp3d/>
     <dgm:txPr/>
     <dgm:style>
-      <a:lnRef idx="1">
+      <a:lnRef idx="3">
         <a:scrgbClr r="0" g="0" b="0"/>
       </a:lnRef>
-      <a:fillRef idx="2">
+      <a:fillRef idx="1">
         <a:scrgbClr r="0" g="0" b="0"/>
       </a:fillRef>
       <a:effectRef idx="1">
@@ -9303,7 +7348,7 @@
     </p:spTree>
     <p:extLst>
       <p:ext uri="{BB962C8B-B14F-4D97-AF65-F5344CB8AC3E}">
-        <p14:creationId xmlns:p14="http://schemas.microsoft.com/office/powerpoint/2010/main" val="2222909348"/>
+        <p14:creationId xmlns:p14="http://schemas.microsoft.com/office/powerpoint/2010/main" val="3426835046"/>
       </p:ext>
     </p:extLst>
   </p:cSld>
@@ -9387,7 +7432,7 @@
     </p:spTree>
     <p:extLst>
       <p:ext uri="{BB962C8B-B14F-4D97-AF65-F5344CB8AC3E}">
-        <p14:creationId xmlns:p14="http://schemas.microsoft.com/office/powerpoint/2010/main" val="2757211763"/>
+        <p14:creationId xmlns:p14="http://schemas.microsoft.com/office/powerpoint/2010/main" val="2222909348"/>
       </p:ext>
     </p:extLst>
   </p:cSld>
@@ -9463,6 +7508,174 @@
             <a:fld id="{3583E773-7C4B-4260-8A45-886C6E4C8EB6}" type="slidenum">
               <a:rPr lang="es-ES" smtClean="0"/>
               <a:t>5</a:t>
+            </a:fld>
+            <a:endParaRPr lang="es-ES" dirty="0"/>
+          </a:p>
+        </p:txBody>
+      </p:sp>
+    </p:spTree>
+    <p:extLst>
+      <p:ext uri="{BB962C8B-B14F-4D97-AF65-F5344CB8AC3E}">
+        <p14:creationId xmlns:p14="http://schemas.microsoft.com/office/powerpoint/2010/main" val="1923436782"/>
+      </p:ext>
+    </p:extLst>
+  </p:cSld>
+  <p:clrMapOvr>
+    <a:masterClrMapping/>
+  </p:clrMapOvr>
+</p:notes>
+</file>
+
+<file path=ppt/notesSlides/notesSlide6.xml><?xml version="1.0" encoding="utf-8"?>
+<p:notes xmlns:a="http://schemas.openxmlformats.org/drawingml/2006/main" xmlns:r="http://schemas.openxmlformats.org/officeDocument/2006/relationships" xmlns:p="http://schemas.openxmlformats.org/presentationml/2006/main">
+  <p:cSld>
+    <p:spTree>
+      <p:nvGrpSpPr>
+        <p:cNvPr id="1" name=""/>
+        <p:cNvGrpSpPr/>
+        <p:nvPr/>
+      </p:nvGrpSpPr>
+      <p:grpSpPr>
+        <a:xfrm>
+          <a:off x="0" y="0"/>
+          <a:ext cx="0" cy="0"/>
+          <a:chOff x="0" y="0"/>
+          <a:chExt cx="0" cy="0"/>
+        </a:xfrm>
+      </p:grpSpPr>
+      <p:sp>
+        <p:nvSpPr>
+          <p:cNvPr id="2" name="Marcador de imagen de diapositiva 1"/>
+          <p:cNvSpPr>
+            <a:spLocks noGrp="1" noRot="1" noChangeAspect="1"/>
+          </p:cNvSpPr>
+          <p:nvPr>
+            <p:ph type="sldImg"/>
+          </p:nvPr>
+        </p:nvSpPr>
+        <p:spPr/>
+      </p:sp>
+      <p:sp>
+        <p:nvSpPr>
+          <p:cNvPr id="3" name="Marcador de notas 2"/>
+          <p:cNvSpPr>
+            <a:spLocks noGrp="1"/>
+          </p:cNvSpPr>
+          <p:nvPr>
+            <p:ph type="body" idx="1"/>
+          </p:nvPr>
+        </p:nvSpPr>
+        <p:spPr/>
+        <p:txBody>
+          <a:bodyPr/>
+          <a:lstStyle/>
+          <a:p>
+            <a:endParaRPr lang="es-ES" dirty="0"/>
+          </a:p>
+        </p:txBody>
+      </p:sp>
+      <p:sp>
+        <p:nvSpPr>
+          <p:cNvPr id="4" name="Marcador de número de diapositiva 3"/>
+          <p:cNvSpPr>
+            <a:spLocks noGrp="1"/>
+          </p:cNvSpPr>
+          <p:nvPr>
+            <p:ph type="sldNum" sz="quarter" idx="10"/>
+          </p:nvPr>
+        </p:nvSpPr>
+        <p:spPr/>
+        <p:txBody>
+          <a:bodyPr/>
+          <a:lstStyle/>
+          <a:p>
+            <a:fld id="{3583E773-7C4B-4260-8A45-886C6E4C8EB6}" type="slidenum">
+              <a:rPr lang="es-ES" smtClean="0"/>
+              <a:t>6</a:t>
+            </a:fld>
+            <a:endParaRPr lang="es-ES" dirty="0"/>
+          </a:p>
+        </p:txBody>
+      </p:sp>
+    </p:spTree>
+    <p:extLst>
+      <p:ext uri="{BB962C8B-B14F-4D97-AF65-F5344CB8AC3E}">
+        <p14:creationId xmlns:p14="http://schemas.microsoft.com/office/powerpoint/2010/main" val="2724005076"/>
+      </p:ext>
+    </p:extLst>
+  </p:cSld>
+  <p:clrMapOvr>
+    <a:masterClrMapping/>
+  </p:clrMapOvr>
+</p:notes>
+</file>
+
+<file path=ppt/notesSlides/notesSlide7.xml><?xml version="1.0" encoding="utf-8"?>
+<p:notes xmlns:a="http://schemas.openxmlformats.org/drawingml/2006/main" xmlns:r="http://schemas.openxmlformats.org/officeDocument/2006/relationships" xmlns:p="http://schemas.openxmlformats.org/presentationml/2006/main">
+  <p:cSld>
+    <p:spTree>
+      <p:nvGrpSpPr>
+        <p:cNvPr id="1" name=""/>
+        <p:cNvGrpSpPr/>
+        <p:nvPr/>
+      </p:nvGrpSpPr>
+      <p:grpSpPr>
+        <a:xfrm>
+          <a:off x="0" y="0"/>
+          <a:ext cx="0" cy="0"/>
+          <a:chOff x="0" y="0"/>
+          <a:chExt cx="0" cy="0"/>
+        </a:xfrm>
+      </p:grpSpPr>
+      <p:sp>
+        <p:nvSpPr>
+          <p:cNvPr id="2" name="Marcador de imagen de diapositiva 1"/>
+          <p:cNvSpPr>
+            <a:spLocks noGrp="1" noRot="1" noChangeAspect="1"/>
+          </p:cNvSpPr>
+          <p:nvPr>
+            <p:ph type="sldImg"/>
+          </p:nvPr>
+        </p:nvSpPr>
+        <p:spPr/>
+      </p:sp>
+      <p:sp>
+        <p:nvSpPr>
+          <p:cNvPr id="3" name="Marcador de notas 2"/>
+          <p:cNvSpPr>
+            <a:spLocks noGrp="1"/>
+          </p:cNvSpPr>
+          <p:nvPr>
+            <p:ph type="body" idx="1"/>
+          </p:nvPr>
+        </p:nvSpPr>
+        <p:spPr/>
+        <p:txBody>
+          <a:bodyPr/>
+          <a:lstStyle/>
+          <a:p>
+            <a:endParaRPr lang="es-ES" dirty="0"/>
+          </a:p>
+        </p:txBody>
+      </p:sp>
+      <p:sp>
+        <p:nvSpPr>
+          <p:cNvPr id="4" name="Marcador de número de diapositiva 3"/>
+          <p:cNvSpPr>
+            <a:spLocks noGrp="1"/>
+          </p:cNvSpPr>
+          <p:nvPr>
+            <p:ph type="sldNum" sz="quarter" idx="10"/>
+          </p:nvPr>
+        </p:nvSpPr>
+        <p:spPr/>
+        <p:txBody>
+          <a:bodyPr/>
+          <a:lstStyle/>
+          <a:p>
+            <a:fld id="{3583E773-7C4B-4260-8A45-886C6E4C8EB6}" type="slidenum">
+              <a:rPr lang="es-ES" smtClean="0"/>
+              <a:t>7</a:t>
             </a:fld>
             <a:endParaRPr lang="es-ES" dirty="0"/>
           </a:p>
@@ -13485,10 +11698,10 @@
       </p:grpSpPr>
       <p:sp useBgFill="1">
         <p:nvSpPr>
-          <p:cNvPr id="18" name="Rectángulo 17">
+          <p:cNvPr id="10" name="Rectángulo 9">
             <a:extLst>
               <a:ext uri="{FF2B5EF4-FFF2-40B4-BE49-F238E27FC236}">
-                <a16:creationId xmlns:a16="http://schemas.microsoft.com/office/drawing/2014/main" id="{0AF33C27-9C85-4B30-9AD7-879D48AFE4FF}"/>
+                <a16:creationId xmlns:a16="http://schemas.microsoft.com/office/drawing/2014/main" id="{93F0ADB5-A0B4-4B01-A8C4-FDC34CE22BD4}"/>
               </a:ext>
               <a:ext uri="{C183D7F6-B498-43B3-948B-1728B52AA6E4}">
                 <adec:decorative xmlns:adec="http://schemas.microsoft.com/office/drawing/2017/decorative" val="1"/>
@@ -13545,10 +11758,10 @@
       </p:sp>
       <p:sp>
         <p:nvSpPr>
-          <p:cNvPr id="20" name="Rectángulo 19">
+          <p:cNvPr id="12" name="Rectángulo 11">
             <a:extLst>
               <a:ext uri="{FF2B5EF4-FFF2-40B4-BE49-F238E27FC236}">
-                <a16:creationId xmlns:a16="http://schemas.microsoft.com/office/drawing/2014/main" id="{6D5089DD-882D-4413-B8BF-4798BFD84A98}"/>
+                <a16:creationId xmlns:a16="http://schemas.microsoft.com/office/drawing/2014/main" id="{AA6D0FDE-0241-4C21-A720-A69475358235}"/>
               </a:ext>
               <a:ext uri="{C183D7F6-B498-43B3-948B-1728B52AA6E4}">
                 <adec:decorative xmlns:adec="http://schemas.microsoft.com/office/drawing/2017/decorative" val="1"/>
@@ -13568,7 +11781,7 @@
         </p:nvSpPr>
         <p:spPr>
           <a:xfrm>
-            <a:off x="7537704" y="0"/>
+            <a:off x="0" y="0"/>
             <a:ext cx="4654296" cy="6858000"/>
           </a:xfrm>
           <a:prstGeom prst="rect">
@@ -13585,16 +11798,14 @@
           </a:ln>
         </p:spPr>
         <p:style>
-          <a:lnRef idx="2">
-            <a:schemeClr val="accent1">
-              <a:shade val="50000"/>
-            </a:schemeClr>
+          <a:lnRef idx="0">
+            <a:scrgbClr r="0" g="0" b="0"/>
           </a:lnRef>
-          <a:fillRef idx="1">
-            <a:schemeClr val="accent1"/>
+          <a:fillRef idx="0">
+            <a:scrgbClr r="0" g="0" b="0"/>
           </a:fillRef>
           <a:effectRef idx="0">
-            <a:schemeClr val="accent1"/>
+            <a:scrgbClr r="0" g="0" b="0"/>
           </a:effectRef>
           <a:fontRef idx="minor">
             <a:schemeClr val="lt1"/>
@@ -13606,6 +11817,357 @@
           <a:p>
             <a:pPr algn="ctr" rtl="0"/>
             <a:endParaRPr lang="es-ES" dirty="0"/>
+          </a:p>
+        </p:txBody>
+      </p:sp>
+      <p:sp>
+        <p:nvSpPr>
+          <p:cNvPr id="2" name="Título 1">
+            <a:extLst>
+              <a:ext uri="{FF2B5EF4-FFF2-40B4-BE49-F238E27FC236}">
+                <a16:creationId xmlns:a16="http://schemas.microsoft.com/office/drawing/2014/main" id="{9C9DE503-F7C2-4A40-83F4-4DE931E7D9DE}"/>
+              </a:ext>
+            </a:extLst>
+          </p:cNvPr>
+          <p:cNvSpPr>
+            <a:spLocks noGrp="1"/>
+          </p:cNvSpPr>
+          <p:nvPr>
+            <p:ph type="title"/>
+          </p:nvPr>
+        </p:nvSpPr>
+        <p:spPr>
+          <a:xfrm>
+            <a:off x="643467" y="2681103"/>
+            <a:ext cx="3363974" cy="1495794"/>
+          </a:xfrm>
+          <a:noFill/>
+          <a:ln>
+            <a:solidFill>
+              <a:schemeClr val="bg1"/>
+            </a:solidFill>
+          </a:ln>
+          <a:effectLst>
+            <a:glow rad="152400">
+              <a:schemeClr val="bg1">
+                <a:alpha val="13000"/>
+              </a:schemeClr>
+            </a:glow>
+          </a:effectLst>
+        </p:spPr>
+        <p:txBody>
+          <a:bodyPr wrap="square" rtlCol="0">
+            <a:normAutofit fontScale="90000"/>
+          </a:bodyPr>
+          <a:lstStyle/>
+          <a:p>
+            <a:pPr rtl="0"/>
+            <a:r>
+              <a:rPr lang="es-ES" dirty="0">
+                <a:solidFill>
+                  <a:schemeClr val="bg1"/>
+                </a:solidFill>
+              </a:rPr>
+              <a:t>Lo que se necesita saber</a:t>
+            </a:r>
+          </a:p>
+        </p:txBody>
+      </p:sp>
+      <p:pic>
+        <p:nvPicPr>
+          <p:cNvPr id="4" name="Imagen 3" descr="Números comerciales de finanzas">
+            <a:extLst>
+              <a:ext uri="{FF2B5EF4-FFF2-40B4-BE49-F238E27FC236}">
+                <a16:creationId xmlns:a16="http://schemas.microsoft.com/office/drawing/2014/main" id="{32F354A1-38C7-4598-A0E1-7A286A3019B8}"/>
+              </a:ext>
+            </a:extLst>
+          </p:cNvPr>
+          <p:cNvPicPr>
+            <a:picLocks noChangeAspect="1"/>
+          </p:cNvPicPr>
+          <p:nvPr/>
+        </p:nvPicPr>
+        <p:blipFill rotWithShape="1">
+          <a:blip r:embed="rId3" cstate="print">
+            <a:extLst>
+              <a:ext uri="{28A0092B-C50C-407E-A947-70E740481C1C}">
+                <a14:useLocalDpi xmlns:a14="http://schemas.microsoft.com/office/drawing/2010/main"/>
+              </a:ext>
+            </a:extLst>
+          </a:blip>
+          <a:srcRect/>
+          <a:stretch/>
+        </p:blipFill>
+        <p:spPr>
+          <a:xfrm>
+            <a:off x="4650908" y="0"/>
+            <a:ext cx="7541091" cy="6858000"/>
+          </a:xfrm>
+          <a:prstGeom prst="rect">
+            <a:avLst/>
+          </a:prstGeom>
+        </p:spPr>
+      </p:pic>
+      <p:graphicFrame>
+        <p:nvGraphicFramePr>
+          <p:cNvPr id="5" name="Marcador de contenido 2" descr="Viñetas de icono">
+            <a:extLst>
+              <a:ext uri="{FF2B5EF4-FFF2-40B4-BE49-F238E27FC236}">
+                <a16:creationId xmlns:a16="http://schemas.microsoft.com/office/drawing/2014/main" id="{51938B4F-26EE-4238-880D-3CE26A7E4AED}"/>
+              </a:ext>
+            </a:extLst>
+          </p:cNvPr>
+          <p:cNvGraphicFramePr>
+            <a:graphicFrameLocks noGrp="1"/>
+          </p:cNvGraphicFramePr>
+          <p:nvPr>
+            <p:ph idx="1"/>
+          </p:nvPr>
+        </p:nvGraphicFramePr>
+        <p:xfrm>
+          <a:off x="5619622" y="315843"/>
+          <a:ext cx="5607050" cy="4927600"/>
+        </p:xfrm>
+        <a:graphic>
+          <a:graphicData uri="http://schemas.openxmlformats.org/drawingml/2006/diagram">
+            <dgm:relIds xmlns:dgm="http://schemas.openxmlformats.org/drawingml/2006/diagram" xmlns:r="http://schemas.openxmlformats.org/officeDocument/2006/relationships" r:dm="rId4" r:lo="rId5" r:qs="rId6" r:cs="rId7"/>
+          </a:graphicData>
+        </a:graphic>
+      </p:graphicFrame>
+      <p:sp>
+        <p:nvSpPr>
+          <p:cNvPr id="7" name="Rectángulo 6">
+            <a:extLst>
+              <a:ext uri="{FF2B5EF4-FFF2-40B4-BE49-F238E27FC236}">
+                <a16:creationId xmlns:a16="http://schemas.microsoft.com/office/drawing/2014/main" id="{AAFC8A40-E07F-45F7-82D4-3892B55323B9}"/>
+              </a:ext>
+            </a:extLst>
+          </p:cNvPr>
+          <p:cNvSpPr/>
+          <p:nvPr/>
+        </p:nvSpPr>
+        <p:spPr>
+          <a:xfrm>
+            <a:off x="5619622" y="5015647"/>
+            <a:ext cx="5607050" cy="1407541"/>
+          </a:xfrm>
+          <a:prstGeom prst="rect">
+            <a:avLst/>
+          </a:prstGeom>
+        </p:spPr>
+        <p:style>
+          <a:lnRef idx="0">
+            <a:schemeClr val="dk1">
+              <a:hueOff val="0"/>
+              <a:satOff val="0"/>
+              <a:lumOff val="0"/>
+              <a:alphaOff val="0"/>
+            </a:schemeClr>
+          </a:lnRef>
+          <a:fillRef idx="1">
+            <a:schemeClr val="bg1">
+              <a:lumMod val="95000"/>
+              <a:hueOff val="0"/>
+              <a:satOff val="0"/>
+              <a:lumOff val="0"/>
+              <a:alphaOff val="0"/>
+            </a:schemeClr>
+          </a:fillRef>
+          <a:effectRef idx="0">
+            <a:schemeClr val="bg1">
+              <a:lumMod val="95000"/>
+              <a:hueOff val="0"/>
+              <a:satOff val="0"/>
+              <a:lumOff val="0"/>
+              <a:alphaOff val="0"/>
+            </a:schemeClr>
+          </a:effectRef>
+          <a:fontRef idx="minor">
+            <a:schemeClr val="dk1">
+              <a:hueOff val="0"/>
+              <a:satOff val="0"/>
+              <a:lumOff val="0"/>
+              <a:alphaOff val="0"/>
+            </a:schemeClr>
+          </a:fontRef>
+        </p:style>
+        <p:txBody>
+          <a:bodyPr/>
+          <a:lstStyle/>
+          <a:p>
+            <a:endParaRPr lang="es-ES" dirty="0"/>
+          </a:p>
+        </p:txBody>
+      </p:sp>
+      <p:pic>
+        <p:nvPicPr>
+          <p:cNvPr id="6" name="Gráfico 5" descr="Globo terrestre con relleno sólido">
+            <a:extLst>
+              <a:ext uri="{FF2B5EF4-FFF2-40B4-BE49-F238E27FC236}">
+                <a16:creationId xmlns:a16="http://schemas.microsoft.com/office/drawing/2014/main" id="{7544944F-06B5-483E-A40B-E484B8F89BF1}"/>
+              </a:ext>
+            </a:extLst>
+          </p:cNvPr>
+          <p:cNvPicPr>
+            <a:picLocks noChangeAspect="1"/>
+          </p:cNvPicPr>
+          <p:nvPr/>
+        </p:nvPicPr>
+        <p:blipFill>
+          <a:blip r:embed="rId9">
+            <a:extLst>
+              <a:ext uri="{96DAC541-7B7A-43D3-8B79-37D633B846F1}">
+                <asvg:svgBlip xmlns:asvg="http://schemas.microsoft.com/office/drawing/2016/SVG/main" r:embed="rId10"/>
+              </a:ext>
+            </a:extLst>
+          </a:blip>
+          <a:stretch>
+            <a:fillRect/>
+          </a:stretch>
+        </p:blipFill>
+        <p:spPr>
+          <a:xfrm>
+            <a:off x="6095999" y="5317434"/>
+            <a:ext cx="575365" cy="575365"/>
+          </a:xfrm>
+          <a:prstGeom prst="rect">
+            <a:avLst/>
+          </a:prstGeom>
+        </p:spPr>
+      </p:pic>
+      <p:sp>
+        <p:nvSpPr>
+          <p:cNvPr id="11" name="CuadroTexto 10">
+            <a:extLst>
+              <a:ext uri="{FF2B5EF4-FFF2-40B4-BE49-F238E27FC236}">
+                <a16:creationId xmlns:a16="http://schemas.microsoft.com/office/drawing/2014/main" id="{200865E2-8973-49B4-931B-514744AAA2F8}"/>
+              </a:ext>
+            </a:extLst>
+          </p:cNvPr>
+          <p:cNvSpPr txBox="1"/>
+          <p:nvPr/>
+        </p:nvSpPr>
+        <p:spPr>
+          <a:xfrm>
+            <a:off x="7409103" y="5415745"/>
+            <a:ext cx="3792202" cy="477054"/>
+          </a:xfrm>
+          <a:prstGeom prst="rect">
+            <a:avLst/>
+          </a:prstGeom>
+          <a:noFill/>
+        </p:spPr>
+        <p:txBody>
+          <a:bodyPr wrap="square" rtlCol="0">
+            <a:spAutoFit/>
+          </a:bodyPr>
+          <a:lstStyle/>
+          <a:p>
+            <a:r>
+              <a:rPr lang="es-ES" sz="2500" dirty="0"/>
+              <a:t>Mapa de las CCAA</a:t>
+            </a:r>
+          </a:p>
+        </p:txBody>
+      </p:sp>
+    </p:spTree>
+    <p:extLst>
+      <p:ext uri="{BB962C8B-B14F-4D97-AF65-F5344CB8AC3E}">
+        <p14:creationId xmlns:p14="http://schemas.microsoft.com/office/powerpoint/2010/main" val="351903837"/>
+      </p:ext>
+    </p:extLst>
+  </p:cSld>
+  <p:clrMapOvr>
+    <a:masterClrMapping/>
+  </p:clrMapOvr>
+</p:sld>
+</file>
+
+<file path=ppt/slides/slide4.xml><?xml version="1.0" encoding="utf-8"?>
+<p:sld xmlns:a="http://schemas.openxmlformats.org/drawingml/2006/main" xmlns:r="http://schemas.openxmlformats.org/officeDocument/2006/relationships" xmlns:p="http://schemas.openxmlformats.org/presentationml/2006/main">
+  <p:cSld>
+    <p:bg>
+      <p:bgPr>
+        <a:solidFill>
+          <a:schemeClr val="bg1">
+            <a:lumMod val="95000"/>
+          </a:schemeClr>
+        </a:solidFill>
+        <a:effectLst/>
+      </p:bgPr>
+    </p:bg>
+    <p:spTree>
+      <p:nvGrpSpPr>
+        <p:cNvPr id="1" name=""/>
+        <p:cNvGrpSpPr/>
+        <p:nvPr/>
+      </p:nvGrpSpPr>
+      <p:grpSpPr>
+        <a:xfrm>
+          <a:off x="0" y="0"/>
+          <a:ext cx="0" cy="0"/>
+          <a:chOff x="0" y="0"/>
+          <a:chExt cx="0" cy="0"/>
+        </a:xfrm>
+      </p:grpSpPr>
+      <p:sp>
+        <p:nvSpPr>
+          <p:cNvPr id="49" name="Rectangle 48">
+            <a:extLst>
+              <a:ext uri="{FF2B5EF4-FFF2-40B4-BE49-F238E27FC236}">
+                <a16:creationId xmlns:a16="http://schemas.microsoft.com/office/drawing/2014/main" id="{64950C64-5D81-40F1-9601-8BA0D63BAE74}"/>
+              </a:ext>
+              <a:ext uri="{C183D7F6-B498-43B3-948B-1728B52AA6E4}">
+                <adec:decorative xmlns:adec="http://schemas.microsoft.com/office/drawing/2017/decorative" val="1"/>
+              </a:ext>
+            </a:extLst>
+          </p:cNvPr>
+          <p:cNvSpPr>
+            <a:spLocks noGrp="1" noRot="1" noChangeAspect="1" noMove="1" noResize="1" noEditPoints="1" noAdjustHandles="1" noChangeArrowheads="1" noChangeShapeType="1" noTextEdit="1"/>
+          </p:cNvSpPr>
+          <p:nvPr>
+            <p:extLst>
+              <p:ext uri="{386F3935-93C4-4BCD-93E2-E3B085C9AB24}">
+                <p16:designElem xmlns:p16="http://schemas.microsoft.com/office/powerpoint/2015/main" val="1"/>
+              </p:ext>
+            </p:extLst>
+          </p:nvPr>
+        </p:nvSpPr>
+        <p:spPr>
+          <a:xfrm>
+            <a:off x="0" y="-1"/>
+            <a:ext cx="12192000" cy="6857999"/>
+          </a:xfrm>
+          <a:prstGeom prst="rect">
+            <a:avLst/>
+          </a:prstGeom>
+          <a:solidFill>
+            <a:schemeClr val="tx2"/>
+          </a:solidFill>
+          <a:ln>
+            <a:noFill/>
+          </a:ln>
+        </p:spPr>
+        <p:style>
+          <a:lnRef idx="0">
+            <a:scrgbClr r="0" g="0" b="0"/>
+          </a:lnRef>
+          <a:fillRef idx="0">
+            <a:scrgbClr r="0" g="0" b="0"/>
+          </a:fillRef>
+          <a:effectRef idx="0">
+            <a:scrgbClr r="0" g="0" b="0"/>
+          </a:effectRef>
+          <a:fontRef idx="minor">
+            <a:schemeClr val="lt1"/>
+          </a:fontRef>
+        </p:style>
+        <p:txBody>
+          <a:bodyPr rtlCol="0" anchor="ctr"/>
+          <a:lstStyle/>
+          <a:p>
+            <a:pPr algn="ctr"/>
+            <a:endParaRPr lang="en-US"/>
           </a:p>
         </p:txBody>
       </p:sp>
@@ -13627,88 +12189,176 @@
         </p:nvSpPr>
         <p:spPr>
           <a:xfrm>
-            <a:off x="8181171" y="2681103"/>
-            <a:ext cx="3363974" cy="1495794"/>
+            <a:off x="2231136" y="3781241"/>
+            <a:ext cx="7729729" cy="855406"/>
           </a:xfrm>
           <a:noFill/>
           <a:ln>
             <a:solidFill>
-              <a:srgbClr val="FFFFFF"/>
+              <a:schemeClr val="bg1"/>
             </a:solidFill>
           </a:ln>
           <a:effectLst>
-            <a:glow rad="152400">
-              <a:schemeClr val="bg1">
-                <a:alpha val="13000"/>
+            <a:glow rad="63500">
+              <a:schemeClr val="accent1">
+                <a:satMod val="175000"/>
+                <a:alpha val="40000"/>
               </a:schemeClr>
             </a:glow>
           </a:effectLst>
         </p:spPr>
         <p:txBody>
-          <a:bodyPr wrap="square" rtlCol="0">
-            <a:normAutofit fontScale="90000"/>
+          <a:bodyPr vert="horz" lIns="274320" tIns="182880" rIns="274320" bIns="182880" rtlCol="0" anchorCtr="1">
+            <a:normAutofit/>
           </a:bodyPr>
           <a:lstStyle/>
           <a:p>
-            <a:pPr rtl="0"/>
             <a:r>
-              <a:rPr lang="es-ES" dirty="0">
+              <a:rPr lang="en-US" sz="1700">
                 <a:solidFill>
-                  <a:srgbClr val="FFFFFF"/>
+                  <a:schemeClr val="bg1"/>
                 </a:solidFill>
               </a:rPr>
-              <a:t>Obtenemos un índice </a:t>
+              <a:t>Obtenemos un índice y CLuster</a:t>
             </a:r>
-            <a:r>
-              <a:rPr lang="es-ES" dirty="0" err="1">
+            <a:br>
+              <a:rPr lang="en-US" sz="1700">
                 <a:solidFill>
-                  <a:srgbClr val="FFFFFF"/>
+                  <a:schemeClr val="bg1"/>
                 </a:solidFill>
               </a:rPr>
-              <a:t>apartir</a:t>
-            </a:r>
-            <a:r>
-              <a:rPr lang="es-ES" dirty="0">
-                <a:solidFill>
-                  <a:srgbClr val="FFFFFF"/>
-                </a:solidFill>
-              </a:rPr>
-              <a:t> de una predicción de cada producto</a:t>
-            </a:r>
+            </a:br>
+            <a:endParaRPr lang="en-US" sz="1700" dirty="0">
+              <a:solidFill>
+                <a:schemeClr val="bg1"/>
+              </a:solidFill>
+            </a:endParaRPr>
           </a:p>
         </p:txBody>
       </p:sp>
-      <p:graphicFrame>
-        <p:nvGraphicFramePr>
-          <p:cNvPr id="6" name="Marcador de contenido 5" descr="Gráfico de finanzas">
+      <p:pic>
+        <p:nvPicPr>
+          <p:cNvPr id="7" name="Imagen 6" descr="Gráfico, Gráfico de líneas&#10;&#10;Descripción generada automáticamente">
             <a:extLst>
               <a:ext uri="{FF2B5EF4-FFF2-40B4-BE49-F238E27FC236}">
-                <a16:creationId xmlns:a16="http://schemas.microsoft.com/office/drawing/2014/main" id="{553FBC4F-691A-471D-8ADC-EEE7AF67D66D}"/>
+                <a16:creationId xmlns:a16="http://schemas.microsoft.com/office/drawing/2014/main" id="{F6F64792-180C-4178-BACF-E976685CF217}"/>
               </a:ext>
             </a:extLst>
           </p:cNvPr>
-          <p:cNvGraphicFramePr>
-            <a:graphicFrameLocks noGrp="1"/>
-          </p:cNvGraphicFramePr>
+          <p:cNvPicPr>
+            <a:picLocks noChangeAspect="1"/>
+          </p:cNvPicPr>
+          <p:nvPr/>
+        </p:nvPicPr>
+        <p:blipFill rotWithShape="1">
+          <a:blip r:embed="rId3"/>
+          <a:srcRect t="21267" r="-1" b="6909"/>
+          <a:stretch/>
+        </p:blipFill>
+        <p:spPr>
+          <a:xfrm>
+            <a:off x="20" y="10"/>
+            <a:ext cx="6062452" cy="3428989"/>
+          </a:xfrm>
+          <a:prstGeom prst="rect">
+            <a:avLst/>
+          </a:prstGeom>
+        </p:spPr>
+      </p:pic>
+      <p:pic>
+        <p:nvPicPr>
+          <p:cNvPr id="9" name="Marcador de contenido 8" descr="Escala de tiempo&#10;&#10;Descripción generada automáticamente">
+            <a:extLst>
+              <a:ext uri="{FF2B5EF4-FFF2-40B4-BE49-F238E27FC236}">
+                <a16:creationId xmlns:a16="http://schemas.microsoft.com/office/drawing/2014/main" id="{399453A0-012B-4EC3-9696-9B3F58F3CA7E}"/>
+              </a:ext>
+            </a:extLst>
+          </p:cNvPr>
+          <p:cNvPicPr>
+            <a:picLocks noChangeAspect="1"/>
+          </p:cNvPicPr>
+          <p:nvPr/>
+        </p:nvPicPr>
+        <p:blipFill rotWithShape="1">
+          <a:blip r:embed="rId4"/>
+          <a:srcRect t="16906" r="-1" b="11041"/>
+          <a:stretch/>
+        </p:blipFill>
+        <p:spPr>
+          <a:xfrm>
+            <a:off x="6129528" y="-1"/>
+            <a:ext cx="6062472" cy="3428999"/>
+          </a:xfrm>
+          <a:prstGeom prst="rect">
+            <a:avLst/>
+          </a:prstGeom>
+        </p:spPr>
+      </p:pic>
+      <p:sp>
+        <p:nvSpPr>
+          <p:cNvPr id="29" name="Content Placeholder 28">
+            <a:extLst>
+              <a:ext uri="{FF2B5EF4-FFF2-40B4-BE49-F238E27FC236}">
+                <a16:creationId xmlns:a16="http://schemas.microsoft.com/office/drawing/2014/main" id="{06030E50-3F26-47EA-8FEC-3977CFEF9788}"/>
+              </a:ext>
+            </a:extLst>
+          </p:cNvPr>
+          <p:cNvSpPr>
+            <a:spLocks noGrp="1"/>
+          </p:cNvSpPr>
           <p:nvPr>
             <p:ph idx="1"/>
-            <p:extLst>
-              <p:ext uri="{D42A27DB-BD31-4B8C-83A1-F6EECF244321}">
-                <p14:modId xmlns:p14="http://schemas.microsoft.com/office/powerpoint/2010/main" val="4278876526"/>
-              </p:ext>
-            </p:extLst>
           </p:nvPr>
-        </p:nvGraphicFramePr>
-        <p:xfrm>
-          <a:off x="920750" y="965200"/>
-          <a:ext cx="5651500" cy="4968875"/>
-        </p:xfrm>
-        <a:graphic>
-          <a:graphicData uri="http://schemas.openxmlformats.org/drawingml/2006/chart">
-            <c:chart xmlns:c="http://schemas.openxmlformats.org/drawingml/2006/chart" xmlns:r="http://schemas.openxmlformats.org/officeDocument/2006/relationships" r:id="rId3"/>
-          </a:graphicData>
-        </a:graphic>
-      </p:graphicFrame>
+        </p:nvSpPr>
+        <p:spPr>
+          <a:xfrm>
+            <a:off x="2238412" y="4846076"/>
+            <a:ext cx="7715177" cy="1271556"/>
+          </a:xfrm>
+        </p:spPr>
+        <p:txBody>
+          <a:bodyPr>
+            <a:normAutofit/>
+          </a:bodyPr>
+          <a:lstStyle/>
+          <a:p>
+            <a:r>
+              <a:rPr lang="es-ES" sz="2000" dirty="0">
+                <a:solidFill>
+                  <a:schemeClr val="bg1"/>
+                </a:solidFill>
+              </a:rPr>
+              <a:t>Se predice el precio que tendrían los productos si no hubiese habido pandemia y se compara con el valor real para crear un índice</a:t>
+            </a:r>
+          </a:p>
+          <a:p>
+            <a:r>
+              <a:rPr lang="es-ES" sz="2000" dirty="0">
+                <a:solidFill>
+                  <a:schemeClr val="bg1"/>
+                </a:solidFill>
+              </a:rPr>
+              <a:t>Con el índice se genera un </a:t>
+            </a:r>
+            <a:r>
+              <a:rPr lang="es-ES" sz="2000" dirty="0" err="1">
+                <a:solidFill>
+                  <a:schemeClr val="bg1"/>
+                </a:solidFill>
+              </a:rPr>
+              <a:t>cluster</a:t>
+            </a:r>
+            <a:r>
+              <a:rPr lang="es-ES" sz="2000" dirty="0">
+                <a:solidFill>
+                  <a:schemeClr val="bg1"/>
+                </a:solidFill>
+              </a:rPr>
+              <a:t> jerárquico</a:t>
+            </a:r>
+          </a:p>
+        </p:txBody>
+      </p:sp>
     </p:spTree>
     <p:extLst>
       <p:ext uri="{BB962C8B-B14F-4D97-AF65-F5344CB8AC3E}">
@@ -13722,7 +12372,7 @@
 </p:sld>
 </file>
 
-<file path=ppt/slides/slide4.xml><?xml version="1.0" encoding="utf-8"?>
+<file path=ppt/slides/slide5.xml><?xml version="1.0" encoding="utf-8"?>
 <p:sld xmlns:a="http://schemas.openxmlformats.org/drawingml/2006/main" xmlns:r="http://schemas.openxmlformats.org/officeDocument/2006/relationships" xmlns:p="http://schemas.openxmlformats.org/presentationml/2006/main">
   <p:cSld>
     <p:bg>
@@ -13889,7 +12539,7 @@
         </p:nvSpPr>
         <p:spPr>
           <a:xfrm>
-            <a:off x="643467" y="2681103"/>
+            <a:off x="645161" y="2729617"/>
             <a:ext cx="3363974" cy="1495794"/>
           </a:xfrm>
           <a:noFill/>
@@ -13909,7 +12559,7 @@
         </p:spPr>
         <p:txBody>
           <a:bodyPr vert="horz" wrap="square" lIns="182880" tIns="182880" rIns="182880" bIns="182880" rtlCol="0" anchor="ctr">
-            <a:normAutofit/>
+            <a:normAutofit fontScale="90000"/>
           </a:bodyPr>
           <a:lstStyle/>
           <a:p>
@@ -13920,46 +12570,70 @@
                   <a:srgbClr val="FFFFFF"/>
                 </a:solidFill>
               </a:rPr>
-              <a:t>Objetivos de inversión</a:t>
+              <a:t>Comparativa de comercio exterior por país</a:t>
             </a:r>
           </a:p>
         </p:txBody>
       </p:sp>
-      <p:graphicFrame>
-        <p:nvGraphicFramePr>
-          <p:cNvPr id="12" name="Marcador de contenido 3" descr="Escala de tiempo circular">
+      <p:sp>
+        <p:nvSpPr>
+          <p:cNvPr id="4" name="Marcador de contenido 3">
             <a:extLst>
               <a:ext uri="{FF2B5EF4-FFF2-40B4-BE49-F238E27FC236}">
-                <a16:creationId xmlns:a16="http://schemas.microsoft.com/office/drawing/2014/main" id="{9472A840-E465-43FB-8B5F-6C6B0A0095C5}"/>
+                <a16:creationId xmlns:a16="http://schemas.microsoft.com/office/drawing/2014/main" id="{D4BBA1D7-8DFE-4AF5-85CA-F79E56CDE50D}"/>
               </a:ext>
             </a:extLst>
           </p:cNvPr>
-          <p:cNvGraphicFramePr>
-            <a:graphicFrameLocks noGrp="1"/>
-          </p:cNvGraphicFramePr>
+          <p:cNvSpPr>
+            <a:spLocks noGrp="1"/>
+          </p:cNvSpPr>
           <p:nvPr>
             <p:ph idx="1"/>
-            <p:extLst>
-              <p:ext uri="{D42A27DB-BD31-4B8C-83A1-F6EECF244321}">
-                <p14:modId xmlns:p14="http://schemas.microsoft.com/office/powerpoint/2010/main" val="3241258534"/>
-              </p:ext>
-            </p:extLst>
           </p:nvPr>
-        </p:nvGraphicFramePr>
-        <p:xfrm>
-          <a:off x="5116788" y="499866"/>
-          <a:ext cx="6887261" cy="6054393"/>
-        </p:xfrm>
-        <a:graphic>
-          <a:graphicData uri="http://schemas.openxmlformats.org/drawingml/2006/diagram">
-            <dgm:relIds xmlns:dgm="http://schemas.openxmlformats.org/drawingml/2006/diagram" xmlns:r="http://schemas.openxmlformats.org/officeDocument/2006/relationships" r:dm="rId3" r:lo="rId4" r:qs="rId5" r:cs="rId6"/>
-          </a:graphicData>
-        </a:graphic>
-      </p:graphicFrame>
+        </p:nvSpPr>
+        <p:spPr/>
+        <p:txBody>
+          <a:bodyPr/>
+          <a:lstStyle/>
+          <a:p>
+            <a:endParaRPr lang="es-ES" dirty="0"/>
+          </a:p>
+        </p:txBody>
+      </p:sp>
+      <p:pic>
+        <p:nvPicPr>
+          <p:cNvPr id="6" name="Imagen 5">
+            <a:extLst>
+              <a:ext uri="{FF2B5EF4-FFF2-40B4-BE49-F238E27FC236}">
+                <a16:creationId xmlns:a16="http://schemas.microsoft.com/office/drawing/2014/main" id="{C9F037A6-5B00-4889-9B64-CCC9D700BD0B}"/>
+              </a:ext>
+            </a:extLst>
+          </p:cNvPr>
+          <p:cNvPicPr>
+            <a:picLocks noChangeAspect="1"/>
+          </p:cNvPicPr>
+          <p:nvPr/>
+        </p:nvPicPr>
+        <p:blipFill>
+          <a:blip r:embed="rId3"/>
+          <a:stretch>
+            <a:fillRect/>
+          </a:stretch>
+        </p:blipFill>
+        <p:spPr>
+          <a:xfrm>
+            <a:off x="5213222" y="685800"/>
+            <a:ext cx="6419850" cy="5486400"/>
+          </a:xfrm>
+          <a:prstGeom prst="rect">
+            <a:avLst/>
+          </a:prstGeom>
+        </p:spPr>
+      </p:pic>
     </p:spTree>
     <p:extLst>
       <p:ext uri="{BB962C8B-B14F-4D97-AF65-F5344CB8AC3E}">
-        <p14:creationId xmlns:p14="http://schemas.microsoft.com/office/powerpoint/2010/main" val="2067005262"/>
+        <p14:creationId xmlns:p14="http://schemas.microsoft.com/office/powerpoint/2010/main" val="757158449"/>
       </p:ext>
     </p:extLst>
   </p:cSld>
@@ -13969,7 +12643,330 @@
 </p:sld>
 </file>
 
-<file path=ppt/slides/slide5.xml><?xml version="1.0" encoding="utf-8"?>
+<file path=ppt/slides/slide6.xml><?xml version="1.0" encoding="utf-8"?>
+<p:sld xmlns:a="http://schemas.openxmlformats.org/drawingml/2006/main" xmlns:r="http://schemas.openxmlformats.org/officeDocument/2006/relationships" xmlns:p="http://schemas.openxmlformats.org/presentationml/2006/main">
+  <p:cSld>
+    <p:bg>
+      <p:bgPr>
+        <a:solidFill>
+          <a:schemeClr val="bg1"/>
+        </a:solidFill>
+        <a:effectLst/>
+      </p:bgPr>
+    </p:bg>
+    <p:spTree>
+      <p:nvGrpSpPr>
+        <p:cNvPr id="1" name=""/>
+        <p:cNvGrpSpPr/>
+        <p:nvPr/>
+      </p:nvGrpSpPr>
+      <p:grpSpPr>
+        <a:xfrm>
+          <a:off x="0" y="0"/>
+          <a:ext cx="0" cy="0"/>
+          <a:chOff x="0" y="0"/>
+          <a:chExt cx="0" cy="0"/>
+        </a:xfrm>
+      </p:grpSpPr>
+      <p:sp useBgFill="1">
+        <p:nvSpPr>
+          <p:cNvPr id="18" name="Rectángulo 17">
+            <a:extLst>
+              <a:ext uri="{FF2B5EF4-FFF2-40B4-BE49-F238E27FC236}">
+                <a16:creationId xmlns:a16="http://schemas.microsoft.com/office/drawing/2014/main" id="{93F0ADB5-A0B4-4B01-A8C4-FDC34CE22BD4}"/>
+              </a:ext>
+              <a:ext uri="{C183D7F6-B498-43B3-948B-1728B52AA6E4}">
+                <adec:decorative xmlns:adec="http://schemas.microsoft.com/office/drawing/2017/decorative" val="1"/>
+              </a:ext>
+            </a:extLst>
+          </p:cNvPr>
+          <p:cNvSpPr>
+            <a:spLocks noGrp="1" noRot="1" noChangeAspect="1" noMove="1" noResize="1" noEditPoints="1" noAdjustHandles="1" noChangeArrowheads="1" noChangeShapeType="1" noTextEdit="1"/>
+          </p:cNvSpPr>
+          <p:nvPr>
+            <p:extLst>
+              <p:ext uri="{386F3935-93C4-4BCD-93E2-E3B085C9AB24}">
+                <p16:designElem xmlns:p16="http://schemas.microsoft.com/office/powerpoint/2015/main" val="1"/>
+              </p:ext>
+            </p:extLst>
+          </p:nvPr>
+        </p:nvSpPr>
+        <p:spPr>
+          <a:xfrm>
+            <a:off x="0" y="0"/>
+            <a:ext cx="12191999" cy="6858000"/>
+          </a:xfrm>
+          <a:prstGeom prst="rect">
+            <a:avLst/>
+          </a:prstGeom>
+          <a:ln>
+            <a:noFill/>
+          </a:ln>
+        </p:spPr>
+        <p:style>
+          <a:lnRef idx="2">
+            <a:schemeClr val="accent1">
+              <a:shade val="50000"/>
+            </a:schemeClr>
+          </a:lnRef>
+          <a:fillRef idx="1">
+            <a:schemeClr val="accent1"/>
+          </a:fillRef>
+          <a:effectRef idx="0">
+            <a:schemeClr val="accent1"/>
+          </a:effectRef>
+          <a:fontRef idx="minor">
+            <a:schemeClr val="lt1"/>
+          </a:fontRef>
+        </p:style>
+        <p:txBody>
+          <a:bodyPr rtlCol="0" anchor="ctr"/>
+          <a:lstStyle/>
+          <a:p>
+            <a:pPr algn="ctr" rtl="0"/>
+            <a:endParaRPr lang="es-ES" dirty="0"/>
+          </a:p>
+        </p:txBody>
+      </p:sp>
+      <p:sp>
+        <p:nvSpPr>
+          <p:cNvPr id="20" name="Rectángulo 19">
+            <a:extLst>
+              <a:ext uri="{FF2B5EF4-FFF2-40B4-BE49-F238E27FC236}">
+                <a16:creationId xmlns:a16="http://schemas.microsoft.com/office/drawing/2014/main" id="{AA6D0FDE-0241-4C21-A720-A69475358235}"/>
+              </a:ext>
+              <a:ext uri="{C183D7F6-B498-43B3-948B-1728B52AA6E4}">
+                <adec:decorative xmlns:adec="http://schemas.microsoft.com/office/drawing/2017/decorative" val="1"/>
+              </a:ext>
+            </a:extLst>
+          </p:cNvPr>
+          <p:cNvSpPr>
+            <a:spLocks noGrp="1" noRot="1" noChangeAspect="1" noMove="1" noResize="1" noEditPoints="1" noAdjustHandles="1" noChangeArrowheads="1" noChangeShapeType="1" noTextEdit="1"/>
+          </p:cNvSpPr>
+          <p:nvPr>
+            <p:extLst>
+              <p:ext uri="{386F3935-93C4-4BCD-93E2-E3B085C9AB24}">
+                <p16:designElem xmlns:p16="http://schemas.microsoft.com/office/powerpoint/2015/main" val="1"/>
+              </p:ext>
+            </p:extLst>
+          </p:nvPr>
+        </p:nvSpPr>
+        <p:spPr>
+          <a:xfrm>
+            <a:off x="0" y="0"/>
+            <a:ext cx="4654296" cy="6858000"/>
+          </a:xfrm>
+          <a:prstGeom prst="rect">
+            <a:avLst/>
+          </a:prstGeom>
+          <a:solidFill>
+            <a:schemeClr val="tx1">
+              <a:lumMod val="95000"/>
+              <a:lumOff val="5000"/>
+            </a:schemeClr>
+          </a:solidFill>
+          <a:ln>
+            <a:noFill/>
+          </a:ln>
+        </p:spPr>
+        <p:style>
+          <a:lnRef idx="0">
+            <a:scrgbClr r="0" g="0" b="0"/>
+          </a:lnRef>
+          <a:fillRef idx="0">
+            <a:scrgbClr r="0" g="0" b="0"/>
+          </a:fillRef>
+          <a:effectRef idx="0">
+            <a:scrgbClr r="0" g="0" b="0"/>
+          </a:effectRef>
+          <a:fontRef idx="minor">
+            <a:schemeClr val="lt1"/>
+          </a:fontRef>
+        </p:style>
+        <p:txBody>
+          <a:bodyPr rtlCol="0" anchor="ctr"/>
+          <a:lstStyle/>
+          <a:p>
+            <a:pPr algn="ctr" rtl="0"/>
+            <a:endParaRPr lang="es-ES" dirty="0"/>
+          </a:p>
+        </p:txBody>
+      </p:sp>
+      <p:sp>
+        <p:nvSpPr>
+          <p:cNvPr id="2" name="Título 1">
+            <a:extLst>
+              <a:ext uri="{FF2B5EF4-FFF2-40B4-BE49-F238E27FC236}">
+                <a16:creationId xmlns:a16="http://schemas.microsoft.com/office/drawing/2014/main" id="{15115107-5DA3-4397-A1DA-67705DAE1EC2}"/>
+              </a:ext>
+            </a:extLst>
+          </p:cNvPr>
+          <p:cNvSpPr>
+            <a:spLocks noGrp="1"/>
+          </p:cNvSpPr>
+          <p:nvPr>
+            <p:ph type="title"/>
+          </p:nvPr>
+        </p:nvSpPr>
+        <p:spPr>
+          <a:xfrm>
+            <a:off x="711328" y="1890147"/>
+            <a:ext cx="3363974" cy="1495794"/>
+          </a:xfrm>
+          <a:noFill/>
+          <a:ln w="31750" cap="sq">
+            <a:solidFill>
+              <a:srgbClr val="FFFFFF"/>
+            </a:solidFill>
+            <a:miter lim="800000"/>
+          </a:ln>
+          <a:effectLst>
+            <a:glow rad="152400">
+              <a:schemeClr val="bg1">
+                <a:alpha val="13000"/>
+              </a:schemeClr>
+            </a:glow>
+          </a:effectLst>
+        </p:spPr>
+        <p:txBody>
+          <a:bodyPr vert="horz" wrap="square" lIns="182880" tIns="182880" rIns="182880" bIns="182880" rtlCol="0" anchor="ctr">
+            <a:normAutofit fontScale="90000"/>
+          </a:bodyPr>
+          <a:lstStyle/>
+          <a:p>
+            <a:pPr rtl="0"/>
+            <a:r>
+              <a:rPr lang="es-ES" dirty="0">
+                <a:solidFill>
+                  <a:srgbClr val="FFFFFF"/>
+                </a:solidFill>
+              </a:rPr>
+              <a:t>Mapa interactivo por </a:t>
+            </a:r>
+            <a:r>
+              <a:rPr lang="es-ES" dirty="0" err="1">
+                <a:solidFill>
+                  <a:srgbClr val="FFFFFF"/>
+                </a:solidFill>
+              </a:rPr>
+              <a:t>ccaa</a:t>
+            </a:r>
+            <a:endParaRPr lang="es-ES" dirty="0">
+              <a:solidFill>
+                <a:srgbClr val="FFFFFF"/>
+              </a:solidFill>
+            </a:endParaRPr>
+          </a:p>
+        </p:txBody>
+      </p:sp>
+      <p:sp>
+        <p:nvSpPr>
+          <p:cNvPr id="4" name="Marcador de contenido 3">
+            <a:extLst>
+              <a:ext uri="{FF2B5EF4-FFF2-40B4-BE49-F238E27FC236}">
+                <a16:creationId xmlns:a16="http://schemas.microsoft.com/office/drawing/2014/main" id="{D4BBA1D7-8DFE-4AF5-85CA-F79E56CDE50D}"/>
+              </a:ext>
+            </a:extLst>
+          </p:cNvPr>
+          <p:cNvSpPr>
+            <a:spLocks noGrp="1"/>
+          </p:cNvSpPr>
+          <p:nvPr>
+            <p:ph idx="1"/>
+          </p:nvPr>
+        </p:nvSpPr>
+        <p:spPr/>
+        <p:txBody>
+          <a:bodyPr/>
+          <a:lstStyle/>
+          <a:p>
+            <a:endParaRPr lang="es-ES" dirty="0"/>
+          </a:p>
+        </p:txBody>
+      </p:sp>
+      <p:pic>
+        <p:nvPicPr>
+          <p:cNvPr id="5" name="Imagen 4">
+            <a:extLst>
+              <a:ext uri="{FF2B5EF4-FFF2-40B4-BE49-F238E27FC236}">
+                <a16:creationId xmlns:a16="http://schemas.microsoft.com/office/drawing/2014/main" id="{7403DA2A-8B60-4422-8B03-EF98998998D6}"/>
+              </a:ext>
+            </a:extLst>
+          </p:cNvPr>
+          <p:cNvPicPr>
+            <a:picLocks noChangeAspect="1"/>
+          </p:cNvPicPr>
+          <p:nvPr/>
+        </p:nvPicPr>
+        <p:blipFill>
+          <a:blip r:embed="rId3"/>
+          <a:stretch>
+            <a:fillRect/>
+          </a:stretch>
+        </p:blipFill>
+        <p:spPr>
+          <a:xfrm>
+            <a:off x="5365622" y="1117973"/>
+            <a:ext cx="6115050" cy="4991100"/>
+          </a:xfrm>
+          <a:prstGeom prst="rect">
+            <a:avLst/>
+          </a:prstGeom>
+        </p:spPr>
+      </p:pic>
+      <p:sp>
+        <p:nvSpPr>
+          <p:cNvPr id="7" name="CuadroTexto 6">
+            <a:extLst>
+              <a:ext uri="{FF2B5EF4-FFF2-40B4-BE49-F238E27FC236}">
+                <a16:creationId xmlns:a16="http://schemas.microsoft.com/office/drawing/2014/main" id="{13BDE27D-7B52-48D2-A028-DF86DB7BACBD}"/>
+              </a:ext>
+            </a:extLst>
+          </p:cNvPr>
+          <p:cNvSpPr txBox="1"/>
+          <p:nvPr/>
+        </p:nvSpPr>
+        <p:spPr>
+          <a:xfrm>
+            <a:off x="711328" y="3613523"/>
+            <a:ext cx="3363974" cy="1323439"/>
+          </a:xfrm>
+          <a:prstGeom prst="rect">
+            <a:avLst/>
+          </a:prstGeom>
+          <a:noFill/>
+        </p:spPr>
+        <p:txBody>
+          <a:bodyPr wrap="square" rtlCol="0">
+            <a:spAutoFit/>
+          </a:bodyPr>
+          <a:lstStyle/>
+          <a:p>
+            <a:r>
+              <a:rPr lang="es-ES" sz="2000" dirty="0">
+                <a:solidFill>
+                  <a:schemeClr val="bg1"/>
+                </a:solidFill>
+              </a:rPr>
+              <a:t>Se puede observar la variación de precios media comparando el periodo de confinamiento con el año anterior</a:t>
+            </a:r>
+          </a:p>
+        </p:txBody>
+      </p:sp>
+    </p:spTree>
+    <p:extLst>
+      <p:ext uri="{BB962C8B-B14F-4D97-AF65-F5344CB8AC3E}">
+        <p14:creationId xmlns:p14="http://schemas.microsoft.com/office/powerpoint/2010/main" val="3545891416"/>
+      </p:ext>
+    </p:extLst>
+  </p:cSld>
+  <p:clrMapOvr>
+    <a:masterClrMapping/>
+  </p:clrMapOvr>
+</p:sld>
+</file>
+
+<file path=ppt/slides/slide7.xml><?xml version="1.0" encoding="utf-8"?>
 <p:sld xmlns:a="http://schemas.openxmlformats.org/drawingml/2006/main" xmlns:r="http://schemas.openxmlformats.org/officeDocument/2006/relationships" xmlns:p="http://schemas.openxmlformats.org/presentationml/2006/main">
   <p:cSld>
     <p:bg>
@@ -14116,7 +13113,7 @@
               <a:buNone/>
             </a:pPr>
             <a:r>
-              <a:rPr lang="es-ES" sz="2500" dirty="0">
+              <a:rPr lang="es-ES" sz="2800" dirty="0">
                 <a:solidFill>
                   <a:schemeClr val="bg1"/>
                 </a:solidFill>
@@ -14124,14 +13121,14 @@
               <a:t>Equipo </a:t>
             </a:r>
             <a:r>
-              <a:rPr lang="es-ES" sz="2500" dirty="0" err="1">
+              <a:rPr lang="es-ES" sz="2800" dirty="0" err="1">
                 <a:solidFill>
                   <a:schemeClr val="bg1"/>
                 </a:solidFill>
               </a:rPr>
               <a:t>Datazo</a:t>
             </a:r>
-            <a:endParaRPr lang="es-ES" dirty="0">
+            <a:endParaRPr lang="es-ES" sz="2800" dirty="0">
               <a:solidFill>
                 <a:schemeClr val="bg1"/>
               </a:solidFill>
@@ -14142,7 +13139,7 @@
               <a:buNone/>
             </a:pPr>
             <a:r>
-              <a:rPr lang="es-ES" dirty="0">
+              <a:rPr lang="es-ES" sz="2000" dirty="0">
                 <a:solidFill>
                   <a:schemeClr val="bg1"/>
                 </a:solidFill>
@@ -14155,7 +13152,7 @@
               <a:buNone/>
             </a:pPr>
             <a:r>
-              <a:rPr lang="es-ES" dirty="0">
+              <a:rPr lang="es-ES" sz="2000" dirty="0">
                 <a:solidFill>
                   <a:schemeClr val="bg1"/>
                 </a:solidFill>
@@ -14168,7 +13165,7 @@
               <a:buNone/>
             </a:pPr>
             <a:r>
-              <a:rPr lang="es-ES" dirty="0">
+              <a:rPr lang="es-ES" sz="2000" dirty="0">
                 <a:solidFill>
                   <a:schemeClr val="bg1"/>
                 </a:solidFill>
@@ -14176,14 +13173,14 @@
               <a:t>Josep </a:t>
             </a:r>
             <a:r>
-              <a:rPr lang="es-ES" dirty="0" err="1">
+              <a:rPr lang="es-ES" sz="2000" dirty="0" err="1">
                 <a:solidFill>
                   <a:schemeClr val="bg1"/>
                 </a:solidFill>
               </a:rPr>
               <a:t>Roman</a:t>
             </a:r>
-            <a:endParaRPr lang="es-ES" dirty="0">
+            <a:endParaRPr lang="es-ES" sz="2000" dirty="0">
               <a:solidFill>
                 <a:schemeClr val="bg1"/>
               </a:solidFill>
@@ -14215,42 +13212,42 @@
 <file path=ppt/theme/theme1.xml><?xml version="1.0" encoding="utf-8"?>
 <a:theme xmlns:a="http://schemas.openxmlformats.org/drawingml/2006/main" name="Paquete">
   <a:themeElements>
-    <a:clrScheme name="Parcel">
+    <a:clrScheme name="Escala de grises">
       <a:dk1>
-        <a:srgbClr val="000000"/>
+        <a:sysClr val="windowText" lastClr="000000"/>
       </a:dk1>
       <a:lt1>
-        <a:srgbClr val="FFFFFF"/>
+        <a:sysClr val="window" lastClr="FFFFFF"/>
       </a:lt1>
       <a:dk2>
-        <a:srgbClr val="4A5356"/>
+        <a:srgbClr val="000000"/>
       </a:dk2>
       <a:lt2>
-        <a:srgbClr val="E8E3CE"/>
+        <a:srgbClr val="F8F8F8"/>
       </a:lt2>
       <a:accent1>
-        <a:srgbClr val="F6A21D"/>
+        <a:srgbClr val="DDDDDD"/>
       </a:accent1>
       <a:accent2>
-        <a:srgbClr val="9BAFB5"/>
+        <a:srgbClr val="B2B2B2"/>
       </a:accent2>
       <a:accent3>
-        <a:srgbClr val="C96731"/>
+        <a:srgbClr val="969696"/>
       </a:accent3>
       <a:accent4>
-        <a:srgbClr val="9CA383"/>
+        <a:srgbClr val="808080"/>
       </a:accent4>
       <a:accent5>
-        <a:srgbClr val="87795D"/>
+        <a:srgbClr val="5F5F5F"/>
       </a:accent5>
       <a:accent6>
-        <a:srgbClr val="A0988C"/>
+        <a:srgbClr val="4D4D4D"/>
       </a:accent6>
       <a:hlink>
-        <a:srgbClr val="00B0F0"/>
+        <a:srgbClr val="5F5F5F"/>
       </a:hlink>
       <a:folHlink>
-        <a:srgbClr val="738F97"/>
+        <a:srgbClr val="919191"/>
       </a:folHlink>
     </a:clrScheme>
     <a:fontScheme name="Parcel">
@@ -14995,23 +13992,6 @@
 </file>
 
 <file path=customXml/item1.xml><?xml version="1.0" encoding="utf-8"?>
-<p:properties xmlns:p="http://schemas.microsoft.com/office/2006/metadata/properties" xmlns:xsi="http://www.w3.org/2001/XMLSchema-instance" xmlns:pc="http://schemas.microsoft.com/office/infopath/2007/PartnerControls">
-  <documentManagement>
-    <MediaServiceKeyPoints xmlns="71af3243-3dd4-4a8d-8c0d-dd76da1f02a5" xsi:nil="true"/>
-  </documentManagement>
-</p:properties>
-</file>
-
-<file path=customXml/item2.xml><?xml version="1.0" encoding="utf-8"?>
-<?mso-contentType ?>
-<FormTemplates xmlns="http://schemas.microsoft.com/sharepoint/v3/contenttype/forms">
-  <Display>DocumentLibraryForm</Display>
-  <Edit>DocumentLibraryForm</Edit>
-  <New>DocumentLibraryForm</New>
-</FormTemplates>
-</file>
-
-<file path=customXml/item3.xml><?xml version="1.0" encoding="utf-8"?>
 <ct:contentTypeSchema xmlns:ct="http://schemas.microsoft.com/office/2006/metadata/contentType" xmlns:ma="http://schemas.microsoft.com/office/2006/metadata/properties/metaAttributes" ct:_="" ma:_="" ma:contentTypeName="Document" ma:contentTypeID="0x01010079F111ED35F8CC479449609E8A0923A6" ma:contentTypeVersion="11" ma:contentTypeDescription="Create a new document." ma:contentTypeScope="" ma:versionID="1c2eb7a32e66fb6e4260f3771546a5e2">
   <xsd:schema xmlns:xsd="http://www.w3.org/2001/XMLSchema" xmlns:xs="http://www.w3.org/2001/XMLSchema" xmlns:p="http://schemas.microsoft.com/office/2006/metadata/properties" xmlns:ns2="71af3243-3dd4-4a8d-8c0d-dd76da1f02a5" xmlns:ns3="16c05727-aa75-4e4a-9b5f-8a80a1165891" targetNamespace="http://schemas.microsoft.com/office/2006/metadata/properties" ma:root="true" ma:fieldsID="04e1f6479c48b08974ba73b5ca973489" ns2:_="" ns3:_="">
     <xsd:import namespace="71af3243-3dd4-4a8d-8c0d-dd76da1f02a5"/>
@@ -15222,25 +14202,24 @@
 </ct:contentTypeSchema>
 </file>
 
-<file path=customXml/itemProps1.xml><?xml version="1.0" encoding="utf-8"?>
-<ds:datastoreItem xmlns:ds="http://schemas.openxmlformats.org/officeDocument/2006/customXml" ds:itemID="{620ED59B-F67D-4B99-A0A7-E5237FF58100}">
-  <ds:schemaRefs>
-    <ds:schemaRef ds:uri="http://schemas.microsoft.com/office/2006/metadata/properties"/>
-    <ds:schemaRef ds:uri="http://schemas.microsoft.com/office/infopath/2007/PartnerControls"/>
-    <ds:schemaRef ds:uri="71af3243-3dd4-4a8d-8c0d-dd76da1f02a5"/>
-  </ds:schemaRefs>
-</ds:datastoreItem>
+<file path=customXml/item2.xml><?xml version="1.0" encoding="utf-8"?>
+<?mso-contentType ?>
+<FormTemplates xmlns="http://schemas.microsoft.com/sharepoint/v3/contenttype/forms">
+  <Display>DocumentLibraryForm</Display>
+  <Edit>DocumentLibraryForm</Edit>
+  <New>DocumentLibraryForm</New>
+</FormTemplates>
 </file>
 
-<file path=customXml/itemProps2.xml><?xml version="1.0" encoding="utf-8"?>
-<ds:datastoreItem xmlns:ds="http://schemas.openxmlformats.org/officeDocument/2006/customXml" ds:itemID="{3E17AD15-0DEB-4851-82A2-261C041346DD}">
-  <ds:schemaRefs>
-    <ds:schemaRef ds:uri="http://schemas.microsoft.com/sharepoint/v3/contenttype/forms"/>
-  </ds:schemaRefs>
-</ds:datastoreItem>
+<file path=customXml/item3.xml><?xml version="1.0" encoding="utf-8"?>
+<p:properties xmlns:p="http://schemas.microsoft.com/office/2006/metadata/properties" xmlns:xsi="http://www.w3.org/2001/XMLSchema-instance" xmlns:pc="http://schemas.microsoft.com/office/infopath/2007/PartnerControls">
+  <documentManagement>
+    <MediaServiceKeyPoints xmlns="71af3243-3dd4-4a8d-8c0d-dd76da1f02a5" xsi:nil="true"/>
+  </documentManagement>
+</p:properties>
 </file>
 
-<file path=customXml/itemProps3.xml><?xml version="1.0" encoding="utf-8"?>
+<file path=customXml/itemProps1.xml><?xml version="1.0" encoding="utf-8"?>
 <ds:datastoreItem xmlns:ds="http://schemas.openxmlformats.org/officeDocument/2006/customXml" ds:itemID="{22736BCB-6CE4-414B-B2BE-1DA087E5215C}">
   <ds:schemaRefs>
     <ds:schemaRef ds:uri="http://schemas.microsoft.com/office/2006/metadata/contentType"/>
@@ -15257,4 +14236,22 @@
     <ds:schemaRef ds:uri="http://schemas.microsoft.com/internal/obd"/>
   </ds:schemaRefs>
 </ds:datastoreItem>
+</file>
+
+<file path=customXml/itemProps2.xml><?xml version="1.0" encoding="utf-8"?>
+<ds:datastoreItem xmlns:ds="http://schemas.openxmlformats.org/officeDocument/2006/customXml" ds:itemID="{3E17AD15-0DEB-4851-82A2-261C041346DD}">
+  <ds:schemaRefs>
+    <ds:schemaRef ds:uri="http://schemas.microsoft.com/sharepoint/v3/contenttype/forms"/>
+  </ds:schemaRefs>
+</ds:datastoreItem>
+</file>
+
+<file path=customXml/itemProps3.xml><?xml version="1.0" encoding="utf-8"?>
+<ds:datastoreItem xmlns:ds="http://schemas.openxmlformats.org/officeDocument/2006/customXml" ds:itemID="{620ED59B-F67D-4B99-A0A7-E5237FF58100}">
+  <ds:schemaRefs>
+    <ds:schemaRef ds:uri="http://schemas.microsoft.com/office/2006/metadata/properties"/>
+    <ds:schemaRef ds:uri="http://schemas.microsoft.com/office/infopath/2007/PartnerControls"/>
+    <ds:schemaRef ds:uri="71af3243-3dd4-4a8d-8c0d-dd76da1f02a5"/>
+  </ds:schemaRefs>
+</ds:datastoreItem>
 </file>